--- a/artefatos/18 - Descrição de processos de Negócios.pptx
+++ b/artefatos/18 - Descrição de processos de Negócios.pptx
@@ -19,6 +19,9 @@
     <p:sldId id="271" r:id="rId13"/>
     <p:sldId id="272" r:id="rId14"/>
     <p:sldId id="273" r:id="rId15"/>
+    <p:sldId id="275" r:id="rId16"/>
+    <p:sldId id="274" r:id="rId17"/>
+    <p:sldId id="276" r:id="rId18"/>
   </p:sldIdLst>
   <p:sldSz cx="12192000" cy="6858000"/>
   <p:notesSz cx="6858000" cy="9144000"/>
@@ -147,7 +150,7 @@
           <p:cNvPr id="2" name="Título 1">
             <a:extLst>
               <a:ext uri="{FF2B5EF4-FFF2-40B4-BE49-F238E27FC236}">
-                <a16:creationId xmlns="" xmlns:a16="http://schemas.microsoft.com/office/drawing/2014/main" id="{F8417DA0-27DC-4714-9BFC-9FCCF3F6F5E1}"/>
+                <a16:creationId xmlns:a16="http://schemas.microsoft.com/office/drawing/2014/main" id="{F8417DA0-27DC-4714-9BFC-9FCCF3F6F5E1}"/>
               </a:ext>
             </a:extLst>
           </p:cNvPr>
@@ -184,7 +187,7 @@
           <p:cNvPr id="3" name="Subtítulo 2">
             <a:extLst>
               <a:ext uri="{FF2B5EF4-FFF2-40B4-BE49-F238E27FC236}">
-                <a16:creationId xmlns="" xmlns:a16="http://schemas.microsoft.com/office/drawing/2014/main" id="{A30B947B-22AC-4053-A700-7A840E1BE0DE}"/>
+                <a16:creationId xmlns:a16="http://schemas.microsoft.com/office/drawing/2014/main" id="{A30B947B-22AC-4053-A700-7A840E1BE0DE}"/>
               </a:ext>
             </a:extLst>
           </p:cNvPr>
@@ -254,7 +257,7 @@
           <p:cNvPr id="4" name="Espaço Reservado para Data 3">
             <a:extLst>
               <a:ext uri="{FF2B5EF4-FFF2-40B4-BE49-F238E27FC236}">
-                <a16:creationId xmlns="" xmlns:a16="http://schemas.microsoft.com/office/drawing/2014/main" id="{863712A8-20DE-49FD-902B-C96658566219}"/>
+                <a16:creationId xmlns:a16="http://schemas.microsoft.com/office/drawing/2014/main" id="{863712A8-20DE-49FD-902B-C96658566219}"/>
               </a:ext>
             </a:extLst>
           </p:cNvPr>
@@ -272,7 +275,7 @@
           <a:p>
             <a:fld id="{E078609E-2EB3-48C4-95D0-B9BD7D23E94C}" type="datetimeFigureOut">
               <a:rPr lang="pt-BR" smtClean="0"/>
-              <a:t>24/10/2020</a:t>
+              <a:t>02/11/2020</a:t>
             </a:fld>
             <a:endParaRPr lang="pt-BR"/>
           </a:p>
@@ -283,7 +286,7 @@
           <p:cNvPr id="5" name="Espaço Reservado para Rodapé 4">
             <a:extLst>
               <a:ext uri="{FF2B5EF4-FFF2-40B4-BE49-F238E27FC236}">
-                <a16:creationId xmlns="" xmlns:a16="http://schemas.microsoft.com/office/drawing/2014/main" id="{A904214B-5B23-4FE7-9796-CEEAAB4966E3}"/>
+                <a16:creationId xmlns:a16="http://schemas.microsoft.com/office/drawing/2014/main" id="{A904214B-5B23-4FE7-9796-CEEAAB4966E3}"/>
               </a:ext>
             </a:extLst>
           </p:cNvPr>
@@ -308,7 +311,7 @@
           <p:cNvPr id="6" name="Espaço Reservado para Número de Slide 5">
             <a:extLst>
               <a:ext uri="{FF2B5EF4-FFF2-40B4-BE49-F238E27FC236}">
-                <a16:creationId xmlns="" xmlns:a16="http://schemas.microsoft.com/office/drawing/2014/main" id="{1515B88B-DFF0-4F61-AB3D-7484056EBCCD}"/>
+                <a16:creationId xmlns:a16="http://schemas.microsoft.com/office/drawing/2014/main" id="{1515B88B-DFF0-4F61-AB3D-7484056EBCCD}"/>
               </a:ext>
             </a:extLst>
           </p:cNvPr>
@@ -367,7 +370,7 @@
           <p:cNvPr id="2" name="Título 1">
             <a:extLst>
               <a:ext uri="{FF2B5EF4-FFF2-40B4-BE49-F238E27FC236}">
-                <a16:creationId xmlns="" xmlns:a16="http://schemas.microsoft.com/office/drawing/2014/main" id="{910429A7-D079-4EA0-8B16-D332C4EE1B2D}"/>
+                <a16:creationId xmlns:a16="http://schemas.microsoft.com/office/drawing/2014/main" id="{910429A7-D079-4EA0-8B16-D332C4EE1B2D}"/>
               </a:ext>
             </a:extLst>
           </p:cNvPr>
@@ -395,7 +398,7 @@
           <p:cNvPr id="3" name="Espaço Reservado para Texto Vertical 2">
             <a:extLst>
               <a:ext uri="{FF2B5EF4-FFF2-40B4-BE49-F238E27FC236}">
-                <a16:creationId xmlns="" xmlns:a16="http://schemas.microsoft.com/office/drawing/2014/main" id="{4256DA20-5D60-4BA8-B56A-68C4BDF6ECE2}"/>
+                <a16:creationId xmlns:a16="http://schemas.microsoft.com/office/drawing/2014/main" id="{4256DA20-5D60-4BA8-B56A-68C4BDF6ECE2}"/>
               </a:ext>
             </a:extLst>
           </p:cNvPr>
@@ -452,7 +455,7 @@
           <p:cNvPr id="4" name="Espaço Reservado para Data 3">
             <a:extLst>
               <a:ext uri="{FF2B5EF4-FFF2-40B4-BE49-F238E27FC236}">
-                <a16:creationId xmlns="" xmlns:a16="http://schemas.microsoft.com/office/drawing/2014/main" id="{51D821A8-B660-45ED-AAA4-38F91ABC3BAF}"/>
+                <a16:creationId xmlns:a16="http://schemas.microsoft.com/office/drawing/2014/main" id="{51D821A8-B660-45ED-AAA4-38F91ABC3BAF}"/>
               </a:ext>
             </a:extLst>
           </p:cNvPr>
@@ -470,7 +473,7 @@
           <a:p>
             <a:fld id="{E078609E-2EB3-48C4-95D0-B9BD7D23E94C}" type="datetimeFigureOut">
               <a:rPr lang="pt-BR" smtClean="0"/>
-              <a:t>24/10/2020</a:t>
+              <a:t>02/11/2020</a:t>
             </a:fld>
             <a:endParaRPr lang="pt-BR"/>
           </a:p>
@@ -481,7 +484,7 @@
           <p:cNvPr id="5" name="Espaço Reservado para Rodapé 4">
             <a:extLst>
               <a:ext uri="{FF2B5EF4-FFF2-40B4-BE49-F238E27FC236}">
-                <a16:creationId xmlns="" xmlns:a16="http://schemas.microsoft.com/office/drawing/2014/main" id="{D4C58FDC-72A5-4FEA-8B84-749CCDBA4ADF}"/>
+                <a16:creationId xmlns:a16="http://schemas.microsoft.com/office/drawing/2014/main" id="{D4C58FDC-72A5-4FEA-8B84-749CCDBA4ADF}"/>
               </a:ext>
             </a:extLst>
           </p:cNvPr>
@@ -506,7 +509,7 @@
           <p:cNvPr id="6" name="Espaço Reservado para Número de Slide 5">
             <a:extLst>
               <a:ext uri="{FF2B5EF4-FFF2-40B4-BE49-F238E27FC236}">
-                <a16:creationId xmlns="" xmlns:a16="http://schemas.microsoft.com/office/drawing/2014/main" id="{B8F540D8-C866-46CB-A562-4A3C1A7614D2}"/>
+                <a16:creationId xmlns:a16="http://schemas.microsoft.com/office/drawing/2014/main" id="{B8F540D8-C866-46CB-A562-4A3C1A7614D2}"/>
               </a:ext>
             </a:extLst>
           </p:cNvPr>
@@ -565,7 +568,7 @@
           <p:cNvPr id="2" name="Título Vertical 1">
             <a:extLst>
               <a:ext uri="{FF2B5EF4-FFF2-40B4-BE49-F238E27FC236}">
-                <a16:creationId xmlns="" xmlns:a16="http://schemas.microsoft.com/office/drawing/2014/main" id="{357E11F9-AFBE-44ED-9B56-B6E05316FD8C}"/>
+                <a16:creationId xmlns:a16="http://schemas.microsoft.com/office/drawing/2014/main" id="{357E11F9-AFBE-44ED-9B56-B6E05316FD8C}"/>
               </a:ext>
             </a:extLst>
           </p:cNvPr>
@@ -598,7 +601,7 @@
           <p:cNvPr id="3" name="Espaço Reservado para Texto Vertical 2">
             <a:extLst>
               <a:ext uri="{FF2B5EF4-FFF2-40B4-BE49-F238E27FC236}">
-                <a16:creationId xmlns="" xmlns:a16="http://schemas.microsoft.com/office/drawing/2014/main" id="{7A9D28DA-8E15-4D37-BA23-2B47A51240C8}"/>
+                <a16:creationId xmlns:a16="http://schemas.microsoft.com/office/drawing/2014/main" id="{7A9D28DA-8E15-4D37-BA23-2B47A51240C8}"/>
               </a:ext>
             </a:extLst>
           </p:cNvPr>
@@ -660,7 +663,7 @@
           <p:cNvPr id="4" name="Espaço Reservado para Data 3">
             <a:extLst>
               <a:ext uri="{FF2B5EF4-FFF2-40B4-BE49-F238E27FC236}">
-                <a16:creationId xmlns="" xmlns:a16="http://schemas.microsoft.com/office/drawing/2014/main" id="{12472547-01B8-450F-95FD-492FD903413E}"/>
+                <a16:creationId xmlns:a16="http://schemas.microsoft.com/office/drawing/2014/main" id="{12472547-01B8-450F-95FD-492FD903413E}"/>
               </a:ext>
             </a:extLst>
           </p:cNvPr>
@@ -678,7 +681,7 @@
           <a:p>
             <a:fld id="{E078609E-2EB3-48C4-95D0-B9BD7D23E94C}" type="datetimeFigureOut">
               <a:rPr lang="pt-BR" smtClean="0"/>
-              <a:t>24/10/2020</a:t>
+              <a:t>02/11/2020</a:t>
             </a:fld>
             <a:endParaRPr lang="pt-BR"/>
           </a:p>
@@ -689,7 +692,7 @@
           <p:cNvPr id="5" name="Espaço Reservado para Rodapé 4">
             <a:extLst>
               <a:ext uri="{FF2B5EF4-FFF2-40B4-BE49-F238E27FC236}">
-                <a16:creationId xmlns="" xmlns:a16="http://schemas.microsoft.com/office/drawing/2014/main" id="{83F38953-3AC6-4F3C-9DE6-BB4D2B19BCEF}"/>
+                <a16:creationId xmlns:a16="http://schemas.microsoft.com/office/drawing/2014/main" id="{83F38953-3AC6-4F3C-9DE6-BB4D2B19BCEF}"/>
               </a:ext>
             </a:extLst>
           </p:cNvPr>
@@ -714,7 +717,7 @@
           <p:cNvPr id="6" name="Espaço Reservado para Número de Slide 5">
             <a:extLst>
               <a:ext uri="{FF2B5EF4-FFF2-40B4-BE49-F238E27FC236}">
-                <a16:creationId xmlns="" xmlns:a16="http://schemas.microsoft.com/office/drawing/2014/main" id="{CFAC9121-BA82-407E-AB92-1F6EC4E857D4}"/>
+                <a16:creationId xmlns:a16="http://schemas.microsoft.com/office/drawing/2014/main" id="{CFAC9121-BA82-407E-AB92-1F6EC4E857D4}"/>
               </a:ext>
             </a:extLst>
           </p:cNvPr>
@@ -773,7 +776,7 @@
           <p:cNvPr id="2" name="Título 1">
             <a:extLst>
               <a:ext uri="{FF2B5EF4-FFF2-40B4-BE49-F238E27FC236}">
-                <a16:creationId xmlns="" xmlns:a16="http://schemas.microsoft.com/office/drawing/2014/main" id="{58F89F60-0283-405D-960B-B5B073ED1218}"/>
+                <a16:creationId xmlns:a16="http://schemas.microsoft.com/office/drawing/2014/main" id="{58F89F60-0283-405D-960B-B5B073ED1218}"/>
               </a:ext>
             </a:extLst>
           </p:cNvPr>
@@ -801,7 +804,7 @@
           <p:cNvPr id="3" name="Espaço Reservado para Conteúdo 2">
             <a:extLst>
               <a:ext uri="{FF2B5EF4-FFF2-40B4-BE49-F238E27FC236}">
-                <a16:creationId xmlns="" xmlns:a16="http://schemas.microsoft.com/office/drawing/2014/main" id="{E1B7D302-3798-4AAF-9361-C3A93A1A19B2}"/>
+                <a16:creationId xmlns:a16="http://schemas.microsoft.com/office/drawing/2014/main" id="{E1B7D302-3798-4AAF-9361-C3A93A1A19B2}"/>
               </a:ext>
             </a:extLst>
           </p:cNvPr>
@@ -858,7 +861,7 @@
           <p:cNvPr id="4" name="Espaço Reservado para Data 3">
             <a:extLst>
               <a:ext uri="{FF2B5EF4-FFF2-40B4-BE49-F238E27FC236}">
-                <a16:creationId xmlns="" xmlns:a16="http://schemas.microsoft.com/office/drawing/2014/main" id="{523515DF-B99A-4DDF-9661-54C05D3DAD9D}"/>
+                <a16:creationId xmlns:a16="http://schemas.microsoft.com/office/drawing/2014/main" id="{523515DF-B99A-4DDF-9661-54C05D3DAD9D}"/>
               </a:ext>
             </a:extLst>
           </p:cNvPr>
@@ -876,7 +879,7 @@
           <a:p>
             <a:fld id="{E078609E-2EB3-48C4-95D0-B9BD7D23E94C}" type="datetimeFigureOut">
               <a:rPr lang="pt-BR" smtClean="0"/>
-              <a:t>24/10/2020</a:t>
+              <a:t>02/11/2020</a:t>
             </a:fld>
             <a:endParaRPr lang="pt-BR"/>
           </a:p>
@@ -887,7 +890,7 @@
           <p:cNvPr id="5" name="Espaço Reservado para Rodapé 4">
             <a:extLst>
               <a:ext uri="{FF2B5EF4-FFF2-40B4-BE49-F238E27FC236}">
-                <a16:creationId xmlns="" xmlns:a16="http://schemas.microsoft.com/office/drawing/2014/main" id="{6E4440D3-A64E-40E6-A45B-2BE140FF1560}"/>
+                <a16:creationId xmlns:a16="http://schemas.microsoft.com/office/drawing/2014/main" id="{6E4440D3-A64E-40E6-A45B-2BE140FF1560}"/>
               </a:ext>
             </a:extLst>
           </p:cNvPr>
@@ -912,7 +915,7 @@
           <p:cNvPr id="6" name="Espaço Reservado para Número de Slide 5">
             <a:extLst>
               <a:ext uri="{FF2B5EF4-FFF2-40B4-BE49-F238E27FC236}">
-                <a16:creationId xmlns="" xmlns:a16="http://schemas.microsoft.com/office/drawing/2014/main" id="{4CE17F27-A031-491F-9A9A-6CEBBAD06D44}"/>
+                <a16:creationId xmlns:a16="http://schemas.microsoft.com/office/drawing/2014/main" id="{4CE17F27-A031-491F-9A9A-6CEBBAD06D44}"/>
               </a:ext>
             </a:extLst>
           </p:cNvPr>
@@ -971,7 +974,7 @@
           <p:cNvPr id="2" name="Título 1">
             <a:extLst>
               <a:ext uri="{FF2B5EF4-FFF2-40B4-BE49-F238E27FC236}">
-                <a16:creationId xmlns="" xmlns:a16="http://schemas.microsoft.com/office/drawing/2014/main" id="{7B256ABA-12BA-4BD2-9BE5-726E4AD43C77}"/>
+                <a16:creationId xmlns:a16="http://schemas.microsoft.com/office/drawing/2014/main" id="{7B256ABA-12BA-4BD2-9BE5-726E4AD43C77}"/>
               </a:ext>
             </a:extLst>
           </p:cNvPr>
@@ -1008,7 +1011,7 @@
           <p:cNvPr id="3" name="Espaço Reservado para Texto 2">
             <a:extLst>
               <a:ext uri="{FF2B5EF4-FFF2-40B4-BE49-F238E27FC236}">
-                <a16:creationId xmlns="" xmlns:a16="http://schemas.microsoft.com/office/drawing/2014/main" id="{42238BBF-CC8A-4966-8C10-1BDFBEDDE521}"/>
+                <a16:creationId xmlns:a16="http://schemas.microsoft.com/office/drawing/2014/main" id="{42238BBF-CC8A-4966-8C10-1BDFBEDDE521}"/>
               </a:ext>
             </a:extLst>
           </p:cNvPr>
@@ -1133,7 +1136,7 @@
           <p:cNvPr id="4" name="Espaço Reservado para Data 3">
             <a:extLst>
               <a:ext uri="{FF2B5EF4-FFF2-40B4-BE49-F238E27FC236}">
-                <a16:creationId xmlns="" xmlns:a16="http://schemas.microsoft.com/office/drawing/2014/main" id="{01BB088B-7457-4D5E-B9C6-1A36F3D32D33}"/>
+                <a16:creationId xmlns:a16="http://schemas.microsoft.com/office/drawing/2014/main" id="{01BB088B-7457-4D5E-B9C6-1A36F3D32D33}"/>
               </a:ext>
             </a:extLst>
           </p:cNvPr>
@@ -1151,7 +1154,7 @@
           <a:p>
             <a:fld id="{E078609E-2EB3-48C4-95D0-B9BD7D23E94C}" type="datetimeFigureOut">
               <a:rPr lang="pt-BR" smtClean="0"/>
-              <a:t>24/10/2020</a:t>
+              <a:t>02/11/2020</a:t>
             </a:fld>
             <a:endParaRPr lang="pt-BR"/>
           </a:p>
@@ -1162,7 +1165,7 @@
           <p:cNvPr id="5" name="Espaço Reservado para Rodapé 4">
             <a:extLst>
               <a:ext uri="{FF2B5EF4-FFF2-40B4-BE49-F238E27FC236}">
-                <a16:creationId xmlns="" xmlns:a16="http://schemas.microsoft.com/office/drawing/2014/main" id="{1AAAFCF4-E5B3-4C04-BACC-2299600D6B95}"/>
+                <a16:creationId xmlns:a16="http://schemas.microsoft.com/office/drawing/2014/main" id="{1AAAFCF4-E5B3-4C04-BACC-2299600D6B95}"/>
               </a:ext>
             </a:extLst>
           </p:cNvPr>
@@ -1187,7 +1190,7 @@
           <p:cNvPr id="6" name="Espaço Reservado para Número de Slide 5">
             <a:extLst>
               <a:ext uri="{FF2B5EF4-FFF2-40B4-BE49-F238E27FC236}">
-                <a16:creationId xmlns="" xmlns:a16="http://schemas.microsoft.com/office/drawing/2014/main" id="{B2E5087F-777E-450C-8313-B1D596F461DC}"/>
+                <a16:creationId xmlns:a16="http://schemas.microsoft.com/office/drawing/2014/main" id="{B2E5087F-777E-450C-8313-B1D596F461DC}"/>
               </a:ext>
             </a:extLst>
           </p:cNvPr>
@@ -1246,7 +1249,7 @@
           <p:cNvPr id="2" name="Título 1">
             <a:extLst>
               <a:ext uri="{FF2B5EF4-FFF2-40B4-BE49-F238E27FC236}">
-                <a16:creationId xmlns="" xmlns:a16="http://schemas.microsoft.com/office/drawing/2014/main" id="{C37AD0B7-F767-4265-90C3-6FF0C9F481C1}"/>
+                <a16:creationId xmlns:a16="http://schemas.microsoft.com/office/drawing/2014/main" id="{C37AD0B7-F767-4265-90C3-6FF0C9F481C1}"/>
               </a:ext>
             </a:extLst>
           </p:cNvPr>
@@ -1274,7 +1277,7 @@
           <p:cNvPr id="3" name="Espaço Reservado para Conteúdo 2">
             <a:extLst>
               <a:ext uri="{FF2B5EF4-FFF2-40B4-BE49-F238E27FC236}">
-                <a16:creationId xmlns="" xmlns:a16="http://schemas.microsoft.com/office/drawing/2014/main" id="{0817C6D4-3E97-4329-8BB6-B8D35821E21E}"/>
+                <a16:creationId xmlns:a16="http://schemas.microsoft.com/office/drawing/2014/main" id="{0817C6D4-3E97-4329-8BB6-B8D35821E21E}"/>
               </a:ext>
             </a:extLst>
           </p:cNvPr>
@@ -1336,7 +1339,7 @@
           <p:cNvPr id="4" name="Espaço Reservado para Conteúdo 3">
             <a:extLst>
               <a:ext uri="{FF2B5EF4-FFF2-40B4-BE49-F238E27FC236}">
-                <a16:creationId xmlns="" xmlns:a16="http://schemas.microsoft.com/office/drawing/2014/main" id="{FEABC267-BA4A-4483-93C9-4BF8F3B9D27E}"/>
+                <a16:creationId xmlns:a16="http://schemas.microsoft.com/office/drawing/2014/main" id="{FEABC267-BA4A-4483-93C9-4BF8F3B9D27E}"/>
               </a:ext>
             </a:extLst>
           </p:cNvPr>
@@ -1398,7 +1401,7 @@
           <p:cNvPr id="5" name="Espaço Reservado para Data 4">
             <a:extLst>
               <a:ext uri="{FF2B5EF4-FFF2-40B4-BE49-F238E27FC236}">
-                <a16:creationId xmlns="" xmlns:a16="http://schemas.microsoft.com/office/drawing/2014/main" id="{4205C21D-0DA3-4463-BD33-54562493AE96}"/>
+                <a16:creationId xmlns:a16="http://schemas.microsoft.com/office/drawing/2014/main" id="{4205C21D-0DA3-4463-BD33-54562493AE96}"/>
               </a:ext>
             </a:extLst>
           </p:cNvPr>
@@ -1416,7 +1419,7 @@
           <a:p>
             <a:fld id="{E078609E-2EB3-48C4-95D0-B9BD7D23E94C}" type="datetimeFigureOut">
               <a:rPr lang="pt-BR" smtClean="0"/>
-              <a:t>24/10/2020</a:t>
+              <a:t>02/11/2020</a:t>
             </a:fld>
             <a:endParaRPr lang="pt-BR"/>
           </a:p>
@@ -1427,7 +1430,7 @@
           <p:cNvPr id="6" name="Espaço Reservado para Rodapé 5">
             <a:extLst>
               <a:ext uri="{FF2B5EF4-FFF2-40B4-BE49-F238E27FC236}">
-                <a16:creationId xmlns="" xmlns:a16="http://schemas.microsoft.com/office/drawing/2014/main" id="{B7FEEEF0-7234-4FB8-B605-A61226103A16}"/>
+                <a16:creationId xmlns:a16="http://schemas.microsoft.com/office/drawing/2014/main" id="{B7FEEEF0-7234-4FB8-B605-A61226103A16}"/>
               </a:ext>
             </a:extLst>
           </p:cNvPr>
@@ -1452,7 +1455,7 @@
           <p:cNvPr id="7" name="Espaço Reservado para Número de Slide 6">
             <a:extLst>
               <a:ext uri="{FF2B5EF4-FFF2-40B4-BE49-F238E27FC236}">
-                <a16:creationId xmlns="" xmlns:a16="http://schemas.microsoft.com/office/drawing/2014/main" id="{9F9F02D6-D063-441E-BA9D-DDCD447EFF90}"/>
+                <a16:creationId xmlns:a16="http://schemas.microsoft.com/office/drawing/2014/main" id="{9F9F02D6-D063-441E-BA9D-DDCD447EFF90}"/>
               </a:ext>
             </a:extLst>
           </p:cNvPr>
@@ -1511,7 +1514,7 @@
           <p:cNvPr id="2" name="Título 1">
             <a:extLst>
               <a:ext uri="{FF2B5EF4-FFF2-40B4-BE49-F238E27FC236}">
-                <a16:creationId xmlns="" xmlns:a16="http://schemas.microsoft.com/office/drawing/2014/main" id="{F3BB9E2A-F08F-4E3B-A763-373BA652B781}"/>
+                <a16:creationId xmlns:a16="http://schemas.microsoft.com/office/drawing/2014/main" id="{F3BB9E2A-F08F-4E3B-A763-373BA652B781}"/>
               </a:ext>
             </a:extLst>
           </p:cNvPr>
@@ -1544,7 +1547,7 @@
           <p:cNvPr id="3" name="Espaço Reservado para Texto 2">
             <a:extLst>
               <a:ext uri="{FF2B5EF4-FFF2-40B4-BE49-F238E27FC236}">
-                <a16:creationId xmlns="" xmlns:a16="http://schemas.microsoft.com/office/drawing/2014/main" id="{C04C2600-1328-4D70-878D-0CBC2F7F9B80}"/>
+                <a16:creationId xmlns:a16="http://schemas.microsoft.com/office/drawing/2014/main" id="{C04C2600-1328-4D70-878D-0CBC2F7F9B80}"/>
               </a:ext>
             </a:extLst>
           </p:cNvPr>
@@ -1615,7 +1618,7 @@
           <p:cNvPr id="4" name="Espaço Reservado para Conteúdo 3">
             <a:extLst>
               <a:ext uri="{FF2B5EF4-FFF2-40B4-BE49-F238E27FC236}">
-                <a16:creationId xmlns="" xmlns:a16="http://schemas.microsoft.com/office/drawing/2014/main" id="{67814252-383B-40DB-891E-ED14F2A4FF3D}"/>
+                <a16:creationId xmlns:a16="http://schemas.microsoft.com/office/drawing/2014/main" id="{67814252-383B-40DB-891E-ED14F2A4FF3D}"/>
               </a:ext>
             </a:extLst>
           </p:cNvPr>
@@ -1677,7 +1680,7 @@
           <p:cNvPr id="5" name="Espaço Reservado para Texto 4">
             <a:extLst>
               <a:ext uri="{FF2B5EF4-FFF2-40B4-BE49-F238E27FC236}">
-                <a16:creationId xmlns="" xmlns:a16="http://schemas.microsoft.com/office/drawing/2014/main" id="{84818841-F8CE-4C45-94A0-736EC387734E}"/>
+                <a16:creationId xmlns:a16="http://schemas.microsoft.com/office/drawing/2014/main" id="{84818841-F8CE-4C45-94A0-736EC387734E}"/>
               </a:ext>
             </a:extLst>
           </p:cNvPr>
@@ -1748,7 +1751,7 @@
           <p:cNvPr id="6" name="Espaço Reservado para Conteúdo 5">
             <a:extLst>
               <a:ext uri="{FF2B5EF4-FFF2-40B4-BE49-F238E27FC236}">
-                <a16:creationId xmlns="" xmlns:a16="http://schemas.microsoft.com/office/drawing/2014/main" id="{2C7486DB-D535-4867-9FE0-8D51F788429A}"/>
+                <a16:creationId xmlns:a16="http://schemas.microsoft.com/office/drawing/2014/main" id="{2C7486DB-D535-4867-9FE0-8D51F788429A}"/>
               </a:ext>
             </a:extLst>
           </p:cNvPr>
@@ -1810,7 +1813,7 @@
           <p:cNvPr id="7" name="Espaço Reservado para Data 6">
             <a:extLst>
               <a:ext uri="{FF2B5EF4-FFF2-40B4-BE49-F238E27FC236}">
-                <a16:creationId xmlns="" xmlns:a16="http://schemas.microsoft.com/office/drawing/2014/main" id="{75EA6DF7-1C20-480C-B61D-7CF730A4ED00}"/>
+                <a16:creationId xmlns:a16="http://schemas.microsoft.com/office/drawing/2014/main" id="{75EA6DF7-1C20-480C-B61D-7CF730A4ED00}"/>
               </a:ext>
             </a:extLst>
           </p:cNvPr>
@@ -1828,7 +1831,7 @@
           <a:p>
             <a:fld id="{E078609E-2EB3-48C4-95D0-B9BD7D23E94C}" type="datetimeFigureOut">
               <a:rPr lang="pt-BR" smtClean="0"/>
-              <a:t>24/10/2020</a:t>
+              <a:t>02/11/2020</a:t>
             </a:fld>
             <a:endParaRPr lang="pt-BR"/>
           </a:p>
@@ -1839,7 +1842,7 @@
           <p:cNvPr id="8" name="Espaço Reservado para Rodapé 7">
             <a:extLst>
               <a:ext uri="{FF2B5EF4-FFF2-40B4-BE49-F238E27FC236}">
-                <a16:creationId xmlns="" xmlns:a16="http://schemas.microsoft.com/office/drawing/2014/main" id="{60488E39-8419-48F9-BFBC-0D328E0120E0}"/>
+                <a16:creationId xmlns:a16="http://schemas.microsoft.com/office/drawing/2014/main" id="{60488E39-8419-48F9-BFBC-0D328E0120E0}"/>
               </a:ext>
             </a:extLst>
           </p:cNvPr>
@@ -1864,7 +1867,7 @@
           <p:cNvPr id="9" name="Espaço Reservado para Número de Slide 8">
             <a:extLst>
               <a:ext uri="{FF2B5EF4-FFF2-40B4-BE49-F238E27FC236}">
-                <a16:creationId xmlns="" xmlns:a16="http://schemas.microsoft.com/office/drawing/2014/main" id="{C78146AA-F6CA-4BCE-AE30-066C4F10D9D1}"/>
+                <a16:creationId xmlns:a16="http://schemas.microsoft.com/office/drawing/2014/main" id="{C78146AA-F6CA-4BCE-AE30-066C4F10D9D1}"/>
               </a:ext>
             </a:extLst>
           </p:cNvPr>
@@ -1923,7 +1926,7 @@
           <p:cNvPr id="2" name="Título 1">
             <a:extLst>
               <a:ext uri="{FF2B5EF4-FFF2-40B4-BE49-F238E27FC236}">
-                <a16:creationId xmlns="" xmlns:a16="http://schemas.microsoft.com/office/drawing/2014/main" id="{785C7178-171E-4DD6-B1C0-368BAAAB91D3}"/>
+                <a16:creationId xmlns:a16="http://schemas.microsoft.com/office/drawing/2014/main" id="{785C7178-171E-4DD6-B1C0-368BAAAB91D3}"/>
               </a:ext>
             </a:extLst>
           </p:cNvPr>
@@ -1951,7 +1954,7 @@
           <p:cNvPr id="3" name="Espaço Reservado para Data 2">
             <a:extLst>
               <a:ext uri="{FF2B5EF4-FFF2-40B4-BE49-F238E27FC236}">
-                <a16:creationId xmlns="" xmlns:a16="http://schemas.microsoft.com/office/drawing/2014/main" id="{A08B5940-008C-4F51-A942-157ADBBCEBD9}"/>
+                <a16:creationId xmlns:a16="http://schemas.microsoft.com/office/drawing/2014/main" id="{A08B5940-008C-4F51-A942-157ADBBCEBD9}"/>
               </a:ext>
             </a:extLst>
           </p:cNvPr>
@@ -1969,7 +1972,7 @@
           <a:p>
             <a:fld id="{E078609E-2EB3-48C4-95D0-B9BD7D23E94C}" type="datetimeFigureOut">
               <a:rPr lang="pt-BR" smtClean="0"/>
-              <a:t>24/10/2020</a:t>
+              <a:t>02/11/2020</a:t>
             </a:fld>
             <a:endParaRPr lang="pt-BR"/>
           </a:p>
@@ -1980,7 +1983,7 @@
           <p:cNvPr id="4" name="Espaço Reservado para Rodapé 3">
             <a:extLst>
               <a:ext uri="{FF2B5EF4-FFF2-40B4-BE49-F238E27FC236}">
-                <a16:creationId xmlns="" xmlns:a16="http://schemas.microsoft.com/office/drawing/2014/main" id="{EB7FA87D-8950-4E55-A2D0-05976DADBD28}"/>
+                <a16:creationId xmlns:a16="http://schemas.microsoft.com/office/drawing/2014/main" id="{EB7FA87D-8950-4E55-A2D0-05976DADBD28}"/>
               </a:ext>
             </a:extLst>
           </p:cNvPr>
@@ -2005,7 +2008,7 @@
           <p:cNvPr id="5" name="Espaço Reservado para Número de Slide 4">
             <a:extLst>
               <a:ext uri="{FF2B5EF4-FFF2-40B4-BE49-F238E27FC236}">
-                <a16:creationId xmlns="" xmlns:a16="http://schemas.microsoft.com/office/drawing/2014/main" id="{34B18661-A30B-456D-8898-13B6321A8B2B}"/>
+                <a16:creationId xmlns:a16="http://schemas.microsoft.com/office/drawing/2014/main" id="{34B18661-A30B-456D-8898-13B6321A8B2B}"/>
               </a:ext>
             </a:extLst>
           </p:cNvPr>
@@ -2064,7 +2067,7 @@
           <p:cNvPr id="2" name="Espaço Reservado para Data 1">
             <a:extLst>
               <a:ext uri="{FF2B5EF4-FFF2-40B4-BE49-F238E27FC236}">
-                <a16:creationId xmlns="" xmlns:a16="http://schemas.microsoft.com/office/drawing/2014/main" id="{8C14D1A2-D6EB-41BF-8AAC-E4450CB8A337}"/>
+                <a16:creationId xmlns:a16="http://schemas.microsoft.com/office/drawing/2014/main" id="{8C14D1A2-D6EB-41BF-8AAC-E4450CB8A337}"/>
               </a:ext>
             </a:extLst>
           </p:cNvPr>
@@ -2082,7 +2085,7 @@
           <a:p>
             <a:fld id="{E078609E-2EB3-48C4-95D0-B9BD7D23E94C}" type="datetimeFigureOut">
               <a:rPr lang="pt-BR" smtClean="0"/>
-              <a:t>24/10/2020</a:t>
+              <a:t>02/11/2020</a:t>
             </a:fld>
             <a:endParaRPr lang="pt-BR"/>
           </a:p>
@@ -2093,7 +2096,7 @@
           <p:cNvPr id="3" name="Espaço Reservado para Rodapé 2">
             <a:extLst>
               <a:ext uri="{FF2B5EF4-FFF2-40B4-BE49-F238E27FC236}">
-                <a16:creationId xmlns="" xmlns:a16="http://schemas.microsoft.com/office/drawing/2014/main" id="{328B4992-2BDA-4D8B-A8D9-5CA525BC238C}"/>
+                <a16:creationId xmlns:a16="http://schemas.microsoft.com/office/drawing/2014/main" id="{328B4992-2BDA-4D8B-A8D9-5CA525BC238C}"/>
               </a:ext>
             </a:extLst>
           </p:cNvPr>
@@ -2118,7 +2121,7 @@
           <p:cNvPr id="4" name="Espaço Reservado para Número de Slide 3">
             <a:extLst>
               <a:ext uri="{FF2B5EF4-FFF2-40B4-BE49-F238E27FC236}">
-                <a16:creationId xmlns="" xmlns:a16="http://schemas.microsoft.com/office/drawing/2014/main" id="{269E5FB3-607B-4099-8D24-22E626EE3931}"/>
+                <a16:creationId xmlns:a16="http://schemas.microsoft.com/office/drawing/2014/main" id="{269E5FB3-607B-4099-8D24-22E626EE3931}"/>
               </a:ext>
             </a:extLst>
           </p:cNvPr>
@@ -2177,7 +2180,7 @@
           <p:cNvPr id="2" name="Título 1">
             <a:extLst>
               <a:ext uri="{FF2B5EF4-FFF2-40B4-BE49-F238E27FC236}">
-                <a16:creationId xmlns="" xmlns:a16="http://schemas.microsoft.com/office/drawing/2014/main" id="{2E886C5A-2832-40E7-B3D7-EA5B59727317}"/>
+                <a16:creationId xmlns:a16="http://schemas.microsoft.com/office/drawing/2014/main" id="{2E886C5A-2832-40E7-B3D7-EA5B59727317}"/>
               </a:ext>
             </a:extLst>
           </p:cNvPr>
@@ -2214,7 +2217,7 @@
           <p:cNvPr id="3" name="Espaço Reservado para Conteúdo 2">
             <a:extLst>
               <a:ext uri="{FF2B5EF4-FFF2-40B4-BE49-F238E27FC236}">
-                <a16:creationId xmlns="" xmlns:a16="http://schemas.microsoft.com/office/drawing/2014/main" id="{625D1CA7-362E-4E99-8C7A-513CFC4CF797}"/>
+                <a16:creationId xmlns:a16="http://schemas.microsoft.com/office/drawing/2014/main" id="{625D1CA7-362E-4E99-8C7A-513CFC4CF797}"/>
               </a:ext>
             </a:extLst>
           </p:cNvPr>
@@ -2304,7 +2307,7 @@
           <p:cNvPr id="4" name="Espaço Reservado para Texto 3">
             <a:extLst>
               <a:ext uri="{FF2B5EF4-FFF2-40B4-BE49-F238E27FC236}">
-                <a16:creationId xmlns="" xmlns:a16="http://schemas.microsoft.com/office/drawing/2014/main" id="{7EEBBEE4-AC86-4433-92D7-AD98BD574F6D}"/>
+                <a16:creationId xmlns:a16="http://schemas.microsoft.com/office/drawing/2014/main" id="{7EEBBEE4-AC86-4433-92D7-AD98BD574F6D}"/>
               </a:ext>
             </a:extLst>
           </p:cNvPr>
@@ -2375,7 +2378,7 @@
           <p:cNvPr id="5" name="Espaço Reservado para Data 4">
             <a:extLst>
               <a:ext uri="{FF2B5EF4-FFF2-40B4-BE49-F238E27FC236}">
-                <a16:creationId xmlns="" xmlns:a16="http://schemas.microsoft.com/office/drawing/2014/main" id="{BFD113AE-2B12-4B2B-AD1A-475F883D6190}"/>
+                <a16:creationId xmlns:a16="http://schemas.microsoft.com/office/drawing/2014/main" id="{BFD113AE-2B12-4B2B-AD1A-475F883D6190}"/>
               </a:ext>
             </a:extLst>
           </p:cNvPr>
@@ -2393,7 +2396,7 @@
           <a:p>
             <a:fld id="{E078609E-2EB3-48C4-95D0-B9BD7D23E94C}" type="datetimeFigureOut">
               <a:rPr lang="pt-BR" smtClean="0"/>
-              <a:t>24/10/2020</a:t>
+              <a:t>02/11/2020</a:t>
             </a:fld>
             <a:endParaRPr lang="pt-BR"/>
           </a:p>
@@ -2404,7 +2407,7 @@
           <p:cNvPr id="6" name="Espaço Reservado para Rodapé 5">
             <a:extLst>
               <a:ext uri="{FF2B5EF4-FFF2-40B4-BE49-F238E27FC236}">
-                <a16:creationId xmlns="" xmlns:a16="http://schemas.microsoft.com/office/drawing/2014/main" id="{3600F8CA-22F1-4E1B-AF5D-8EFC3FE98884}"/>
+                <a16:creationId xmlns:a16="http://schemas.microsoft.com/office/drawing/2014/main" id="{3600F8CA-22F1-4E1B-AF5D-8EFC3FE98884}"/>
               </a:ext>
             </a:extLst>
           </p:cNvPr>
@@ -2429,7 +2432,7 @@
           <p:cNvPr id="7" name="Espaço Reservado para Número de Slide 6">
             <a:extLst>
               <a:ext uri="{FF2B5EF4-FFF2-40B4-BE49-F238E27FC236}">
-                <a16:creationId xmlns="" xmlns:a16="http://schemas.microsoft.com/office/drawing/2014/main" id="{8B70DB5F-F4D5-4C2D-8EDE-EA3035C4B518}"/>
+                <a16:creationId xmlns:a16="http://schemas.microsoft.com/office/drawing/2014/main" id="{8B70DB5F-F4D5-4C2D-8EDE-EA3035C4B518}"/>
               </a:ext>
             </a:extLst>
           </p:cNvPr>
@@ -2488,7 +2491,7 @@
           <p:cNvPr id="2" name="Título 1">
             <a:extLst>
               <a:ext uri="{FF2B5EF4-FFF2-40B4-BE49-F238E27FC236}">
-                <a16:creationId xmlns="" xmlns:a16="http://schemas.microsoft.com/office/drawing/2014/main" id="{D643A0D2-A7CB-4662-B29F-562D2519FEE9}"/>
+                <a16:creationId xmlns:a16="http://schemas.microsoft.com/office/drawing/2014/main" id="{D643A0D2-A7CB-4662-B29F-562D2519FEE9}"/>
               </a:ext>
             </a:extLst>
           </p:cNvPr>
@@ -2525,7 +2528,7 @@
           <p:cNvPr id="3" name="Espaço Reservado para Imagem 2">
             <a:extLst>
               <a:ext uri="{FF2B5EF4-FFF2-40B4-BE49-F238E27FC236}">
-                <a16:creationId xmlns="" xmlns:a16="http://schemas.microsoft.com/office/drawing/2014/main" id="{A787044F-9DBA-4E5F-9BEA-E18C810635C1}"/>
+                <a16:creationId xmlns:a16="http://schemas.microsoft.com/office/drawing/2014/main" id="{A787044F-9DBA-4E5F-9BEA-E18C810635C1}"/>
               </a:ext>
             </a:extLst>
           </p:cNvPr>
@@ -2592,7 +2595,7 @@
           <p:cNvPr id="4" name="Espaço Reservado para Texto 3">
             <a:extLst>
               <a:ext uri="{FF2B5EF4-FFF2-40B4-BE49-F238E27FC236}">
-                <a16:creationId xmlns="" xmlns:a16="http://schemas.microsoft.com/office/drawing/2014/main" id="{4CCE252F-3DD3-49A6-9E1E-FB440332BCC3}"/>
+                <a16:creationId xmlns:a16="http://schemas.microsoft.com/office/drawing/2014/main" id="{4CCE252F-3DD3-49A6-9E1E-FB440332BCC3}"/>
               </a:ext>
             </a:extLst>
           </p:cNvPr>
@@ -2663,7 +2666,7 @@
           <p:cNvPr id="5" name="Espaço Reservado para Data 4">
             <a:extLst>
               <a:ext uri="{FF2B5EF4-FFF2-40B4-BE49-F238E27FC236}">
-                <a16:creationId xmlns="" xmlns:a16="http://schemas.microsoft.com/office/drawing/2014/main" id="{98BF22C2-96C3-4E84-9C72-1B4601324D53}"/>
+                <a16:creationId xmlns:a16="http://schemas.microsoft.com/office/drawing/2014/main" id="{98BF22C2-96C3-4E84-9C72-1B4601324D53}"/>
               </a:ext>
             </a:extLst>
           </p:cNvPr>
@@ -2681,7 +2684,7 @@
           <a:p>
             <a:fld id="{E078609E-2EB3-48C4-95D0-B9BD7D23E94C}" type="datetimeFigureOut">
               <a:rPr lang="pt-BR" smtClean="0"/>
-              <a:t>24/10/2020</a:t>
+              <a:t>02/11/2020</a:t>
             </a:fld>
             <a:endParaRPr lang="pt-BR"/>
           </a:p>
@@ -2692,7 +2695,7 @@
           <p:cNvPr id="6" name="Espaço Reservado para Rodapé 5">
             <a:extLst>
               <a:ext uri="{FF2B5EF4-FFF2-40B4-BE49-F238E27FC236}">
-                <a16:creationId xmlns="" xmlns:a16="http://schemas.microsoft.com/office/drawing/2014/main" id="{77C34352-9705-4A68-A8C9-64C129EFCF9B}"/>
+                <a16:creationId xmlns:a16="http://schemas.microsoft.com/office/drawing/2014/main" id="{77C34352-9705-4A68-A8C9-64C129EFCF9B}"/>
               </a:ext>
             </a:extLst>
           </p:cNvPr>
@@ -2717,7 +2720,7 @@
           <p:cNvPr id="7" name="Espaço Reservado para Número de Slide 6">
             <a:extLst>
               <a:ext uri="{FF2B5EF4-FFF2-40B4-BE49-F238E27FC236}">
-                <a16:creationId xmlns="" xmlns:a16="http://schemas.microsoft.com/office/drawing/2014/main" id="{9F422F70-8FE6-4C38-BE8E-7D0DAB19D2D2}"/>
+                <a16:creationId xmlns:a16="http://schemas.microsoft.com/office/drawing/2014/main" id="{9F422F70-8FE6-4C38-BE8E-7D0DAB19D2D2}"/>
               </a:ext>
             </a:extLst>
           </p:cNvPr>
@@ -2781,7 +2784,7 @@
           <p:cNvPr id="2" name="Espaço Reservado para Título 1">
             <a:extLst>
               <a:ext uri="{FF2B5EF4-FFF2-40B4-BE49-F238E27FC236}">
-                <a16:creationId xmlns="" xmlns:a16="http://schemas.microsoft.com/office/drawing/2014/main" id="{26794895-DC89-4D66-846E-4E31BB449F03}"/>
+                <a16:creationId xmlns:a16="http://schemas.microsoft.com/office/drawing/2014/main" id="{26794895-DC89-4D66-846E-4E31BB449F03}"/>
               </a:ext>
             </a:extLst>
           </p:cNvPr>
@@ -2819,7 +2822,7 @@
           <p:cNvPr id="3" name="Espaço Reservado para Texto 2">
             <a:extLst>
               <a:ext uri="{FF2B5EF4-FFF2-40B4-BE49-F238E27FC236}">
-                <a16:creationId xmlns="" xmlns:a16="http://schemas.microsoft.com/office/drawing/2014/main" id="{46F40EAB-1E09-45AF-9B89-6D6938A3E7B4}"/>
+                <a16:creationId xmlns:a16="http://schemas.microsoft.com/office/drawing/2014/main" id="{46F40EAB-1E09-45AF-9B89-6D6938A3E7B4}"/>
               </a:ext>
             </a:extLst>
           </p:cNvPr>
@@ -2886,7 +2889,7 @@
           <p:cNvPr id="4" name="Espaço Reservado para Data 3">
             <a:extLst>
               <a:ext uri="{FF2B5EF4-FFF2-40B4-BE49-F238E27FC236}">
-                <a16:creationId xmlns="" xmlns:a16="http://schemas.microsoft.com/office/drawing/2014/main" id="{594AF1C9-BB2F-4C9C-8ED1-DEF1A5254B73}"/>
+                <a16:creationId xmlns:a16="http://schemas.microsoft.com/office/drawing/2014/main" id="{594AF1C9-BB2F-4C9C-8ED1-DEF1A5254B73}"/>
               </a:ext>
             </a:extLst>
           </p:cNvPr>
@@ -2922,7 +2925,7 @@
           <a:p>
             <a:fld id="{E078609E-2EB3-48C4-95D0-B9BD7D23E94C}" type="datetimeFigureOut">
               <a:rPr lang="pt-BR" smtClean="0"/>
-              <a:t>24/10/2020</a:t>
+              <a:t>02/11/2020</a:t>
             </a:fld>
             <a:endParaRPr lang="pt-BR"/>
           </a:p>
@@ -2933,7 +2936,7 @@
           <p:cNvPr id="5" name="Espaço Reservado para Rodapé 4">
             <a:extLst>
               <a:ext uri="{FF2B5EF4-FFF2-40B4-BE49-F238E27FC236}">
-                <a16:creationId xmlns="" xmlns:a16="http://schemas.microsoft.com/office/drawing/2014/main" id="{DFF46F08-9125-4796-AFBF-3E48A2F3771E}"/>
+                <a16:creationId xmlns:a16="http://schemas.microsoft.com/office/drawing/2014/main" id="{DFF46F08-9125-4796-AFBF-3E48A2F3771E}"/>
               </a:ext>
             </a:extLst>
           </p:cNvPr>
@@ -2976,7 +2979,7 @@
           <p:cNvPr id="6" name="Espaço Reservado para Número de Slide 5">
             <a:extLst>
               <a:ext uri="{FF2B5EF4-FFF2-40B4-BE49-F238E27FC236}">
-                <a16:creationId xmlns="" xmlns:a16="http://schemas.microsoft.com/office/drawing/2014/main" id="{6E6FEA89-A056-4348-8DBE-CEFCD5972D1D}"/>
+                <a16:creationId xmlns:a16="http://schemas.microsoft.com/office/drawing/2014/main" id="{6E6FEA89-A056-4348-8DBE-CEFCD5972D1D}"/>
               </a:ext>
             </a:extLst>
           </p:cNvPr>
@@ -3344,7 +3347,7 @@
           <p:cNvPr id="3" name="Espaço Reservado para Conteúdo 2">
             <a:extLst>
               <a:ext uri="{FF2B5EF4-FFF2-40B4-BE49-F238E27FC236}">
-                <a16:creationId xmlns="" xmlns:a16="http://schemas.microsoft.com/office/drawing/2014/main" id="{C18E07EE-E08B-4B80-91A0-E4B26E8BF698}"/>
+                <a16:creationId xmlns:a16="http://schemas.microsoft.com/office/drawing/2014/main" id="{C18E07EE-E08B-4B80-91A0-E4B26E8BF698}"/>
               </a:ext>
             </a:extLst>
           </p:cNvPr>
@@ -3634,7 +3637,7 @@
           <p:cNvPr id="3" name="Espaço Reservado para Conteúdo 2">
             <a:extLst>
               <a:ext uri="{FF2B5EF4-FFF2-40B4-BE49-F238E27FC236}">
-                <a16:creationId xmlns="" xmlns:a16="http://schemas.microsoft.com/office/drawing/2014/main" id="{C18E07EE-E08B-4B80-91A0-E4B26E8BF698}"/>
+                <a16:creationId xmlns:a16="http://schemas.microsoft.com/office/drawing/2014/main" id="{C18E07EE-E08B-4B80-91A0-E4B26E8BF698}"/>
               </a:ext>
             </a:extLst>
           </p:cNvPr>
@@ -3815,76 +3818,32 @@
                 <a:latin typeface="Calibri" panose="020F0502020204030204" pitchFamily="34" charset="0"/>
                 <a:cs typeface="Calibri" panose="020F0502020204030204" pitchFamily="34" charset="0"/>
               </a:rPr>
-              <a:t>• Recebe da loja resposta </a:t>
-            </a:r>
-            <a:r>
-              <a:rPr lang="pt-BR" sz="2400" b="0" i="0" u="none" strike="noStrike" baseline="0" dirty="0" smtClean="0">
+              <a:t>• Recebe da loja resposta de que não pagará os boletos em atraso.</a:t>
+            </a:r>
+          </a:p>
+          <a:p>
+            <a:r>
+              <a:rPr lang="pt-BR" sz="2400" b="0" i="0" u="none" strike="noStrike" baseline="0" dirty="0">
                 <a:solidFill>
                   <a:srgbClr val="000000"/>
                 </a:solidFill>
                 <a:latin typeface="Calibri" panose="020F0502020204030204" pitchFamily="34" charset="0"/>
                 <a:cs typeface="Calibri" panose="020F0502020204030204" pitchFamily="34" charset="0"/>
               </a:rPr>
-              <a:t>de que não pagará os boletos em atraso.</a:t>
-            </a:r>
-            <a:endParaRPr lang="pt-BR" sz="2400" b="0" i="0" u="none" strike="noStrike" baseline="0" dirty="0">
-              <a:solidFill>
-                <a:srgbClr val="000000"/>
-              </a:solidFill>
-              <a:latin typeface="Calibri" panose="020F0502020204030204" pitchFamily="34" charset="0"/>
-              <a:cs typeface="Calibri" panose="020F0502020204030204" pitchFamily="34" charset="0"/>
-            </a:endParaRPr>
-          </a:p>
-          <a:p>
-            <a:r>
-              <a:rPr lang="pt-BR" sz="2400" b="0" i="0" u="none" strike="noStrike" baseline="0" dirty="0">
+              <a:t>Consulta e atualiza dados de cobrança.</a:t>
+            </a:r>
+          </a:p>
+          <a:p>
+            <a:r>
+              <a:rPr lang="pt-BR" sz="2400" dirty="0">
                 <a:solidFill>
                   <a:srgbClr val="000000"/>
                 </a:solidFill>
                 <a:latin typeface="Calibri" panose="020F0502020204030204" pitchFamily="34" charset="0"/>
                 <a:cs typeface="Calibri" panose="020F0502020204030204" pitchFamily="34" charset="0"/>
               </a:rPr>
-              <a:t>Consulta e atualiza dados de cobrança.</a:t>
-            </a:r>
-          </a:p>
-          <a:p>
-            <a:r>
-              <a:rPr lang="pt-BR" sz="2400" dirty="0" smtClean="0">
-                <a:solidFill>
-                  <a:srgbClr val="000000"/>
-                </a:solidFill>
-                <a:latin typeface="Calibri" panose="020F0502020204030204" pitchFamily="34" charset="0"/>
-                <a:cs typeface="Calibri" panose="020F0502020204030204" pitchFamily="34" charset="0"/>
-              </a:rPr>
-              <a:t>Envia comunicação de </a:t>
-            </a:r>
-            <a:r>
-              <a:rPr lang="pt-BR" sz="2400" dirty="0">
-                <a:solidFill>
-                  <a:srgbClr val="000000"/>
-                </a:solidFill>
-                <a:latin typeface="Calibri" panose="020F0502020204030204" pitchFamily="34" charset="0"/>
-                <a:cs typeface="Calibri" panose="020F0502020204030204" pitchFamily="34" charset="0"/>
-              </a:rPr>
-              <a:t>protesto para </a:t>
-            </a:r>
-            <a:r>
-              <a:rPr lang="pt-BR" sz="2400" dirty="0" smtClean="0">
-                <a:solidFill>
-                  <a:srgbClr val="000000"/>
-                </a:solidFill>
-                <a:latin typeface="Calibri" panose="020F0502020204030204" pitchFamily="34" charset="0"/>
-                <a:cs typeface="Calibri" panose="020F0502020204030204" pitchFamily="34" charset="0"/>
-              </a:rPr>
-              <a:t>as lojas.</a:t>
-            </a:r>
-            <a:endParaRPr lang="pt-BR" sz="2400" dirty="0">
-              <a:solidFill>
-                <a:srgbClr val="000000"/>
-              </a:solidFill>
-              <a:latin typeface="Calibri" panose="020F0502020204030204" pitchFamily="34" charset="0"/>
-              <a:cs typeface="Calibri" panose="020F0502020204030204" pitchFamily="34" charset="0"/>
-            </a:endParaRPr>
+              <a:t>Envia comunicação de protesto para as lojas.</a:t>
+            </a:r>
           </a:p>
           <a:p>
             <a:endParaRPr lang="pt-BR" sz="2400" dirty="0">
@@ -3944,7 +3903,7 @@
           <p:cNvPr id="3" name="Espaço Reservado para Conteúdo 2">
             <a:extLst>
               <a:ext uri="{FF2B5EF4-FFF2-40B4-BE49-F238E27FC236}">
-                <a16:creationId xmlns="" xmlns:a16="http://schemas.microsoft.com/office/drawing/2014/main" id="{C18E07EE-E08B-4B80-91A0-E4B26E8BF698}"/>
+                <a16:creationId xmlns:a16="http://schemas.microsoft.com/office/drawing/2014/main" id="{C18E07EE-E08B-4B80-91A0-E4B26E8BF698}"/>
               </a:ext>
             </a:extLst>
           </p:cNvPr>
@@ -4125,74 +4084,40 @@
                 <a:latin typeface="Calibri" panose="020F0502020204030204" pitchFamily="34" charset="0"/>
                 <a:cs typeface="Calibri" panose="020F0502020204030204" pitchFamily="34" charset="0"/>
               </a:rPr>
-              <a:t>Consulta e atualiza status orçamento para </a:t>
-            </a:r>
-            <a:r>
-              <a:rPr lang="pt-BR" sz="2400" b="0" i="0" u="none" strike="noStrike" baseline="0" dirty="0" smtClean="0">
+              <a:t>Consulta e atualiza status orçamento para aguardando confirmação do </a:t>
+            </a:r>
+            <a:r>
+              <a:rPr lang="pt-BR" sz="2400" b="0" i="0" u="none" strike="noStrike" baseline="0" dirty="0" err="1">
                 <a:solidFill>
                   <a:srgbClr val="000000"/>
                 </a:solidFill>
                 <a:latin typeface="Calibri" panose="020F0502020204030204" pitchFamily="34" charset="0"/>
                 <a:cs typeface="Calibri" panose="020F0502020204030204" pitchFamily="34" charset="0"/>
               </a:rPr>
-              <a:t>aguardando confirmação do </a:t>
-            </a:r>
-            <a:r>
-              <a:rPr lang="pt-BR" sz="2400" b="0" i="0" u="none" strike="noStrike" baseline="0" dirty="0" err="1" smtClean="0">
+              <a:t>ted</a:t>
+            </a:r>
+            <a:r>
+              <a:rPr lang="pt-BR" sz="2400" b="0" i="0" u="none" strike="noStrike" baseline="0" dirty="0">
                 <a:solidFill>
                   <a:srgbClr val="000000"/>
                 </a:solidFill>
                 <a:latin typeface="Calibri" panose="020F0502020204030204" pitchFamily="34" charset="0"/>
                 <a:cs typeface="Calibri" panose="020F0502020204030204" pitchFamily="34" charset="0"/>
               </a:rPr>
-              <a:t>ted</a:t>
-            </a:r>
-            <a:r>
-              <a:rPr lang="pt-BR" sz="2400" b="0" i="0" u="none" strike="noStrike" baseline="0" dirty="0" smtClean="0">
+              <a:t>, e aguarda reposta do extrato do banco.</a:t>
+            </a:r>
+          </a:p>
+          <a:p>
+            <a:r>
+              <a:rPr lang="pt-BR" sz="2400" dirty="0">
                 <a:solidFill>
                   <a:srgbClr val="000000"/>
                 </a:solidFill>
                 <a:latin typeface="Calibri" panose="020F0502020204030204" pitchFamily="34" charset="0"/>
                 <a:cs typeface="Calibri" panose="020F0502020204030204" pitchFamily="34" charset="0"/>
               </a:rPr>
-              <a:t>, e aguarda reposta do extrato do banco.</a:t>
-            </a:r>
-            <a:endParaRPr lang="pt-BR" sz="2400" b="0" i="0" u="none" strike="noStrike" baseline="0" dirty="0">
-              <a:solidFill>
-                <a:srgbClr val="000000"/>
-              </a:solidFill>
-              <a:latin typeface="Calibri" panose="020F0502020204030204" pitchFamily="34" charset="0"/>
-              <a:cs typeface="Calibri" panose="020F0502020204030204" pitchFamily="34" charset="0"/>
-            </a:endParaRPr>
-          </a:p>
-          <a:p>
-            <a:r>
-              <a:rPr lang="pt-BR" sz="2400" dirty="0">
-                <a:solidFill>
-                  <a:srgbClr val="000000"/>
-                </a:solidFill>
-                <a:latin typeface="Calibri" panose="020F0502020204030204" pitchFamily="34" charset="0"/>
-                <a:cs typeface="Calibri" panose="020F0502020204030204" pitchFamily="34" charset="0"/>
-              </a:rPr>
-              <a:t>Envia solicitação do </a:t>
-            </a:r>
-            <a:r>
-              <a:rPr lang="pt-BR" sz="2400" dirty="0" smtClean="0">
-                <a:solidFill>
-                  <a:srgbClr val="000000"/>
-                </a:solidFill>
-                <a:latin typeface="Calibri" panose="020F0502020204030204" pitchFamily="34" charset="0"/>
-                <a:cs typeface="Calibri" panose="020F0502020204030204" pitchFamily="34" charset="0"/>
-              </a:rPr>
-              <a:t>extrato.</a:t>
-            </a:r>
-            <a:endParaRPr lang="pt-BR" sz="2400" dirty="0">
-              <a:solidFill>
-                <a:srgbClr val="000000"/>
-              </a:solidFill>
-              <a:latin typeface="Calibri" panose="020F0502020204030204" pitchFamily="34" charset="0"/>
-              <a:cs typeface="Calibri" panose="020F0502020204030204" pitchFamily="34" charset="0"/>
-            </a:endParaRPr>
+              <a:t>Envia solicitação do extrato.</a:t>
+            </a:r>
           </a:p>
           <a:p>
             <a:endParaRPr lang="pt-BR" sz="2400" dirty="0">
@@ -4252,7 +4177,7 @@
           <p:cNvPr id="3" name="Espaço Reservado para Conteúdo 2">
             <a:extLst>
               <a:ext uri="{FF2B5EF4-FFF2-40B4-BE49-F238E27FC236}">
-                <a16:creationId xmlns="" xmlns:a16="http://schemas.microsoft.com/office/drawing/2014/main" id="{C18E07EE-E08B-4B80-91A0-E4B26E8BF698}"/>
+                <a16:creationId xmlns:a16="http://schemas.microsoft.com/office/drawing/2014/main" id="{C18E07EE-E08B-4B80-91A0-E4B26E8BF698}"/>
               </a:ext>
             </a:extLst>
           </p:cNvPr>
@@ -4433,22 +4358,12 @@
                 <a:latin typeface="Calibri" panose="020F0502020204030204" pitchFamily="34" charset="0"/>
                 <a:cs typeface="Calibri" panose="020F0502020204030204" pitchFamily="34" charset="0"/>
               </a:rPr>
-              <a:t>Consulta e atualiza status orçamento para pago</a:t>
-            </a:r>
-            <a:r>
-              <a:rPr lang="pt-BR" sz="2400" b="0" i="0" u="none" strike="noStrike" baseline="0" dirty="0" smtClean="0">
-                <a:solidFill>
-                  <a:srgbClr val="000000"/>
-                </a:solidFill>
-                <a:latin typeface="Calibri" panose="020F0502020204030204" pitchFamily="34" charset="0"/>
-                <a:cs typeface="Calibri" panose="020F0502020204030204" pitchFamily="34" charset="0"/>
-              </a:rPr>
-              <a:t>.</a:t>
-            </a:r>
-          </a:p>
-          <a:p>
-            <a:r>
-              <a:rPr lang="pt-BR" sz="2400" dirty="0" smtClean="0">
+              <a:t>Consulta e atualiza status orçamento para pago.</a:t>
+            </a:r>
+          </a:p>
+          <a:p>
+            <a:r>
+              <a:rPr lang="pt-BR" sz="2400" dirty="0">
                 <a:solidFill>
                   <a:srgbClr val="000000"/>
                 </a:solidFill>
@@ -4479,24 +4394,14 @@
           </a:p>
           <a:p>
             <a:r>
-              <a:rPr lang="pt-BR" sz="2400" dirty="0" smtClean="0">
+              <a:rPr lang="pt-BR" sz="2400" dirty="0">
                 <a:solidFill>
                   <a:srgbClr val="000000"/>
                 </a:solidFill>
                 <a:latin typeface="Calibri" panose="020F0502020204030204" pitchFamily="34" charset="0"/>
                 <a:cs typeface="Calibri" panose="020F0502020204030204" pitchFamily="34" charset="0"/>
               </a:rPr>
-              <a:t>Caso não seja encontrado o pagamento, avisar </a:t>
-            </a:r>
-            <a:r>
-              <a:rPr lang="pt-BR" sz="2400" dirty="0">
-                <a:solidFill>
-                  <a:srgbClr val="000000"/>
-                </a:solidFill>
-                <a:latin typeface="Calibri" panose="020F0502020204030204" pitchFamily="34" charset="0"/>
-                <a:cs typeface="Calibri" panose="020F0502020204030204" pitchFamily="34" charset="0"/>
-              </a:rPr>
-              <a:t>a loja que sua transferência não foi encontrada. </a:t>
+              <a:t>Caso não seja encontrado o pagamento, avisar a loja que sua transferência não foi encontrada. </a:t>
             </a:r>
           </a:p>
           <a:p>
@@ -4548,7 +4453,7 @@
           <p:cNvPr id="3" name="Espaço Reservado para Conteúdo 2">
             <a:extLst>
               <a:ext uri="{FF2B5EF4-FFF2-40B4-BE49-F238E27FC236}">
-                <a16:creationId xmlns="" xmlns:a16="http://schemas.microsoft.com/office/drawing/2014/main" id="{C18E07EE-E08B-4B80-91A0-E4B26E8BF698}"/>
+                <a16:creationId xmlns:a16="http://schemas.microsoft.com/office/drawing/2014/main" id="{C18E07EE-E08B-4B80-91A0-E4B26E8BF698}"/>
               </a:ext>
             </a:extLst>
           </p:cNvPr>
@@ -4817,7 +4722,7 @@
           <p:cNvPr id="3" name="Espaço Reservado para Conteúdo 2">
             <a:extLst>
               <a:ext uri="{FF2B5EF4-FFF2-40B4-BE49-F238E27FC236}">
-                <a16:creationId xmlns="" xmlns:a16="http://schemas.microsoft.com/office/drawing/2014/main" id="{C18E07EE-E08B-4B80-91A0-E4B26E8BF698}"/>
+                <a16:creationId xmlns:a16="http://schemas.microsoft.com/office/drawing/2014/main" id="{C18E07EE-E08B-4B80-91A0-E4B26E8BF698}"/>
               </a:ext>
             </a:extLst>
           </p:cNvPr>
@@ -4849,6 +4754,9 @@
             </a:endParaRPr>
           </a:p>
           <a:p>
+            <a:pPr marL="0" indent="0">
+              <a:buNone/>
+            </a:pPr>
             <a:r>
               <a:rPr lang="pt-BR" sz="1200" b="0" i="0" u="none" strike="noStrike" baseline="0" dirty="0">
                 <a:solidFill>
@@ -5025,98 +4933,44 @@
                 <a:latin typeface="Calibri" panose="020F0502020204030204" pitchFamily="34" charset="0"/>
                 <a:cs typeface="Calibri" panose="020F0502020204030204" pitchFamily="34" charset="0"/>
               </a:rPr>
-              <a:t>Consulta e atualiza orçamento</a:t>
-            </a:r>
-            <a:r>
-              <a:rPr lang="pt-BR" sz="2400" dirty="0" smtClean="0">
+              <a:t>Consulta e atualiza orçamento.</a:t>
+            </a:r>
+          </a:p>
+          <a:p>
+            <a:r>
+              <a:rPr lang="pt-BR" sz="2400" dirty="0">
                 <a:solidFill>
                   <a:srgbClr val="000000"/>
                 </a:solidFill>
                 <a:latin typeface="Calibri" panose="020F0502020204030204" pitchFamily="34" charset="0"/>
                 <a:cs typeface="Calibri" panose="020F0502020204030204" pitchFamily="34" charset="0"/>
               </a:rPr>
-              <a:t>.</a:t>
-            </a:r>
-          </a:p>
-          <a:p>
-            <a:r>
-              <a:rPr lang="pt-BR" sz="2400" dirty="0" smtClean="0">
+              <a:t>Gera o pedido.</a:t>
+            </a:r>
+          </a:p>
+          <a:p>
+            <a:r>
+              <a:rPr lang="pt-BR" sz="2400" dirty="0">
                 <a:solidFill>
                   <a:srgbClr val="000000"/>
                 </a:solidFill>
                 <a:latin typeface="Calibri" panose="020F0502020204030204" pitchFamily="34" charset="0"/>
                 <a:cs typeface="Calibri" panose="020F0502020204030204" pitchFamily="34" charset="0"/>
               </a:rPr>
-              <a:t>Gera o pedido.</a:t>
-            </a:r>
-            <a:endParaRPr lang="pt-BR" sz="2400" dirty="0">
-              <a:solidFill>
-                <a:srgbClr val="000000"/>
-              </a:solidFill>
-              <a:latin typeface="Calibri" panose="020F0502020204030204" pitchFamily="34" charset="0"/>
-              <a:cs typeface="Calibri" panose="020F0502020204030204" pitchFamily="34" charset="0"/>
-            </a:endParaRPr>
-          </a:p>
-          <a:p>
-            <a:r>
-              <a:rPr lang="pt-BR" sz="2400" dirty="0" smtClean="0">
+              <a:t>Muda o status do pedido.</a:t>
+            </a:r>
+          </a:p>
+          <a:p>
+            <a:r>
+              <a:rPr lang="pt-BR" sz="2400" dirty="0">
                 <a:solidFill>
                   <a:srgbClr val="000000"/>
                 </a:solidFill>
                 <a:latin typeface="Calibri" panose="020F0502020204030204" pitchFamily="34" charset="0"/>
                 <a:cs typeface="Calibri" panose="020F0502020204030204" pitchFamily="34" charset="0"/>
               </a:rPr>
-              <a:t>Muda </a:t>
-            </a:r>
-            <a:r>
-              <a:rPr lang="pt-BR" sz="2400" dirty="0">
-                <a:solidFill>
-                  <a:srgbClr val="000000"/>
-                </a:solidFill>
-                <a:latin typeface="Calibri" panose="020F0502020204030204" pitchFamily="34" charset="0"/>
-                <a:cs typeface="Calibri" panose="020F0502020204030204" pitchFamily="34" charset="0"/>
-              </a:rPr>
-              <a:t>o status do pedido.</a:t>
-            </a:r>
-          </a:p>
-          <a:p>
-            <a:r>
-              <a:rPr lang="pt-BR" sz="2400" dirty="0" smtClean="0">
-                <a:solidFill>
-                  <a:srgbClr val="000000"/>
-                </a:solidFill>
-                <a:latin typeface="Calibri" panose="020F0502020204030204" pitchFamily="34" charset="0"/>
-                <a:cs typeface="Calibri" panose="020F0502020204030204" pitchFamily="34" charset="0"/>
-              </a:rPr>
-              <a:t>Enviar </a:t>
-            </a:r>
-            <a:r>
-              <a:rPr lang="pt-BR" sz="2400" dirty="0">
-                <a:solidFill>
-                  <a:srgbClr val="000000"/>
-                </a:solidFill>
-                <a:latin typeface="Calibri" panose="020F0502020204030204" pitchFamily="34" charset="0"/>
-                <a:cs typeface="Calibri" panose="020F0502020204030204" pitchFamily="34" charset="0"/>
-              </a:rPr>
-              <a:t>mensagens de operação negada, se não estiver dentro do </a:t>
-            </a:r>
-            <a:r>
-              <a:rPr lang="pt-BR" sz="2400" dirty="0" smtClean="0">
-                <a:solidFill>
-                  <a:srgbClr val="000000"/>
-                </a:solidFill>
-                <a:latin typeface="Calibri" panose="020F0502020204030204" pitchFamily="34" charset="0"/>
-                <a:cs typeface="Calibri" panose="020F0502020204030204" pitchFamily="34" charset="0"/>
-              </a:rPr>
-              <a:t>parâmetros.</a:t>
-            </a:r>
-            <a:endParaRPr lang="pt-BR" sz="2400" dirty="0">
-              <a:solidFill>
-                <a:srgbClr val="000000"/>
-              </a:solidFill>
-              <a:latin typeface="Calibri" panose="020F0502020204030204" pitchFamily="34" charset="0"/>
-              <a:cs typeface="Calibri" panose="020F0502020204030204" pitchFamily="34" charset="0"/>
-            </a:endParaRPr>
+              <a:t>Enviar mensagens de operação negada, se não estiver dentro do parâmetros.</a:t>
+            </a:r>
           </a:p>
           <a:p>
             <a:r>
@@ -5145,6 +4999,786 @@
     <p:extLst>
       <p:ext uri="{BB962C8B-B14F-4D97-AF65-F5344CB8AC3E}">
         <p14:creationId xmlns:p14="http://schemas.microsoft.com/office/powerpoint/2010/main" val="726139908"/>
+      </p:ext>
+    </p:extLst>
+  </p:cSld>
+  <p:clrMapOvr>
+    <a:masterClrMapping/>
+  </p:clrMapOvr>
+</p:sld>
+</file>
+
+<file path=ppt/slides/slide15.xml><?xml version="1.0" encoding="utf-8"?>
+<p:sld xmlns:a="http://schemas.openxmlformats.org/drawingml/2006/main" xmlns:r="http://schemas.openxmlformats.org/officeDocument/2006/relationships" xmlns:p="http://schemas.openxmlformats.org/presentationml/2006/main">
+  <p:cSld>
+    <p:spTree>
+      <p:nvGrpSpPr>
+        <p:cNvPr id="1" name=""/>
+        <p:cNvGrpSpPr/>
+        <p:nvPr/>
+      </p:nvGrpSpPr>
+      <p:grpSpPr>
+        <a:xfrm>
+          <a:off x="0" y="0"/>
+          <a:ext cx="0" cy="0"/>
+          <a:chOff x="0" y="0"/>
+          <a:chExt cx="0" cy="0"/>
+        </a:xfrm>
+      </p:grpSpPr>
+      <p:sp>
+        <p:nvSpPr>
+          <p:cNvPr id="3" name="Espaço Reservado para Conteúdo 2">
+            <a:extLst>
+              <a:ext uri="{FF2B5EF4-FFF2-40B4-BE49-F238E27FC236}">
+                <a16:creationId xmlns:a16="http://schemas.microsoft.com/office/drawing/2014/main" id="{C18E07EE-E08B-4B80-91A0-E4B26E8BF698}"/>
+              </a:ext>
+            </a:extLst>
+          </p:cNvPr>
+          <p:cNvSpPr>
+            <a:spLocks noGrp="1"/>
+          </p:cNvSpPr>
+          <p:nvPr>
+            <p:ph idx="1"/>
+          </p:nvPr>
+        </p:nvSpPr>
+        <p:spPr>
+          <a:xfrm>
+            <a:off x="355107" y="266330"/>
+            <a:ext cx="11425561" cy="6427433"/>
+          </a:xfrm>
+        </p:spPr>
+        <p:txBody>
+          <a:bodyPr>
+            <a:normAutofit/>
+          </a:bodyPr>
+          <a:lstStyle/>
+          <a:p>
+            <a:pPr algn="l"/>
+            <a:endParaRPr lang="pt-BR" sz="1400" b="0" i="0" u="none" strike="noStrike" baseline="0" dirty="0">
+              <a:solidFill>
+                <a:srgbClr val="000000"/>
+              </a:solidFill>
+              <a:latin typeface="Arial" panose="020B0604020202020204" pitchFamily="34" charset="0"/>
+            </a:endParaRPr>
+          </a:p>
+          <a:p>
+            <a:pPr marL="0" indent="0">
+              <a:buNone/>
+            </a:pPr>
+            <a:r>
+              <a:rPr lang="pt-BR" sz="1200" b="0" i="0" u="none" strike="noStrike" baseline="0" dirty="0">
+                <a:solidFill>
+                  <a:srgbClr val="000000"/>
+                </a:solidFill>
+                <a:latin typeface="Arial" panose="020B0604020202020204" pitchFamily="34" charset="0"/>
+              </a:rPr>
+              <a:t>					             </a:t>
+            </a:r>
+            <a:r>
+              <a:rPr lang="pt-BR" b="1" i="0" u="none" strike="noStrike" baseline="0" dirty="0">
+                <a:solidFill>
+                  <a:srgbClr val="000000"/>
+                </a:solidFill>
+                <a:latin typeface="Arial" panose="020B0604020202020204" pitchFamily="34" charset="0"/>
+              </a:rPr>
+              <a:t>Descrição do processo de negócios</a:t>
+            </a:r>
+          </a:p>
+          <a:p>
+            <a:pPr marL="0" indent="0">
+              <a:buNone/>
+            </a:pPr>
+            <a:endParaRPr lang="pt-BR" sz="2400" b="1" dirty="0">
+              <a:solidFill>
+                <a:srgbClr val="000000"/>
+              </a:solidFill>
+              <a:latin typeface="Calibri" panose="020F0502020204030204" pitchFamily="34" charset="0"/>
+            </a:endParaRPr>
+          </a:p>
+          <a:p>
+            <a:pPr marL="0" indent="0">
+              <a:buNone/>
+            </a:pPr>
+            <a:r>
+              <a:rPr lang="pt-BR" sz="2400" b="1" dirty="0">
+                <a:solidFill>
+                  <a:srgbClr val="000000"/>
+                </a:solidFill>
+                <a:latin typeface="Calibri" panose="020F0502020204030204" pitchFamily="34" charset="0"/>
+              </a:rPr>
+              <a:t>Receber solicitação de cancelamento do pedido</a:t>
+            </a:r>
+            <a:endParaRPr lang="pt-BR" sz="2400" b="1" i="0" u="none" strike="noStrike" baseline="0" dirty="0">
+              <a:solidFill>
+                <a:srgbClr val="000000"/>
+              </a:solidFill>
+              <a:latin typeface="Arial" panose="020B0604020202020204" pitchFamily="34" charset="0"/>
+            </a:endParaRPr>
+          </a:p>
+          <a:p>
+            <a:pPr marL="0" indent="0">
+              <a:buNone/>
+            </a:pPr>
+            <a:r>
+              <a:rPr lang="pt-BR" sz="2400" b="1" i="0" u="none" strike="noStrike" baseline="0" dirty="0">
+                <a:solidFill>
+                  <a:srgbClr val="000000"/>
+                </a:solidFill>
+                <a:latin typeface="Calibri" panose="020F0502020204030204" pitchFamily="34" charset="0"/>
+              </a:rPr>
+              <a:t>Evento: </a:t>
+            </a:r>
+            <a:r>
+              <a:rPr lang="pt-BR" sz="2400" i="0" u="none" strike="noStrike" baseline="0" dirty="0">
+                <a:solidFill>
+                  <a:srgbClr val="000000"/>
+                </a:solidFill>
+                <a:latin typeface="Calibri" panose="020F0502020204030204" pitchFamily="34" charset="0"/>
+              </a:rPr>
+              <a:t>Loja solicita cancelamento de pedido à fábrica.</a:t>
+            </a:r>
+            <a:endParaRPr lang="pt-BR" sz="2400" dirty="0">
+              <a:solidFill>
+                <a:srgbClr val="000000"/>
+              </a:solidFill>
+              <a:latin typeface="Calibri" panose="020F0502020204030204" pitchFamily="34" charset="0"/>
+            </a:endParaRPr>
+          </a:p>
+          <a:p>
+            <a:pPr marL="0" indent="0">
+              <a:buNone/>
+            </a:pPr>
+            <a:r>
+              <a:rPr lang="pt-BR" sz="2400" b="1" i="0" u="none" strike="noStrike" baseline="0" dirty="0">
+                <a:solidFill>
+                  <a:srgbClr val="000000"/>
+                </a:solidFill>
+                <a:latin typeface="Calibri" panose="020F0502020204030204" pitchFamily="34" charset="0"/>
+              </a:rPr>
+              <a:t>Objetivo: </a:t>
+            </a:r>
+            <a:r>
+              <a:rPr lang="pt-BR" sz="2400" b="1" dirty="0">
+                <a:solidFill>
+                  <a:srgbClr val="000000"/>
+                </a:solidFill>
+                <a:latin typeface="Calibri" panose="020F0502020204030204" pitchFamily="34" charset="0"/>
+              </a:rPr>
+              <a:t>Iniciar o processo de cancelamento de pedido.</a:t>
+            </a:r>
+            <a:endParaRPr lang="pt-BR" sz="2400" b="1" i="0" u="none" strike="noStrike" baseline="0" dirty="0">
+              <a:solidFill>
+                <a:srgbClr val="000000"/>
+              </a:solidFill>
+              <a:latin typeface="Calibri" panose="020F0502020204030204" pitchFamily="34" charset="0"/>
+            </a:endParaRPr>
+          </a:p>
+          <a:p>
+            <a:pPr marL="0" indent="0">
+              <a:buNone/>
+            </a:pPr>
+            <a:r>
+              <a:rPr lang="pt-BR" sz="2400" b="1" i="0" u="none" strike="noStrike" baseline="0" dirty="0">
+                <a:solidFill>
+                  <a:srgbClr val="000000"/>
+                </a:solidFill>
+                <a:latin typeface="Calibri" panose="020F0502020204030204" pitchFamily="34" charset="0"/>
+              </a:rPr>
+              <a:t>Trabalhadores envolvidos: </a:t>
+            </a:r>
+            <a:r>
+              <a:rPr lang="pt-BR" sz="2400" i="0" u="none" strike="noStrike" baseline="0" dirty="0">
+                <a:solidFill>
+                  <a:srgbClr val="000000"/>
+                </a:solidFill>
+                <a:latin typeface="Calibri" panose="020F0502020204030204" pitchFamily="34" charset="0"/>
+              </a:rPr>
+              <a:t>Analista</a:t>
+            </a:r>
+            <a:r>
+              <a:rPr lang="pt-BR" sz="2400" b="1" i="0" u="none" strike="noStrike" baseline="0" dirty="0">
+                <a:solidFill>
+                  <a:srgbClr val="000000"/>
+                </a:solidFill>
+                <a:latin typeface="Calibri" panose="020F0502020204030204" pitchFamily="34" charset="0"/>
+              </a:rPr>
+              <a:t> </a:t>
+            </a:r>
+            <a:r>
+              <a:rPr lang="pt-BR" sz="2400" b="0" i="0" u="none" strike="noStrike" baseline="0" dirty="0">
+                <a:solidFill>
+                  <a:srgbClr val="000000"/>
+                </a:solidFill>
+                <a:latin typeface="Calibri" panose="020F0502020204030204" pitchFamily="34" charset="0"/>
+              </a:rPr>
+              <a:t>Financeiro </a:t>
+            </a:r>
+          </a:p>
+          <a:p>
+            <a:pPr marL="0" indent="0">
+              <a:buNone/>
+            </a:pPr>
+            <a:r>
+              <a:rPr lang="pt-BR" sz="2400" b="0" i="0" u="none" strike="noStrike" baseline="0" dirty="0">
+                <a:solidFill>
+                  <a:srgbClr val="000000"/>
+                </a:solidFill>
+                <a:latin typeface="Calibri" panose="020F0502020204030204" pitchFamily="34" charset="0"/>
+                <a:cs typeface="Calibri" panose="020F0502020204030204" pitchFamily="34" charset="0"/>
+              </a:rPr>
+              <a:t>•Recebe a solicitação de cancelamento do pedido.</a:t>
+            </a:r>
+          </a:p>
+          <a:p>
+            <a:r>
+              <a:rPr lang="pt-BR" sz="2400" dirty="0">
+                <a:solidFill>
+                  <a:srgbClr val="000000"/>
+                </a:solidFill>
+                <a:latin typeface="Calibri" panose="020F0502020204030204" pitchFamily="34" charset="0"/>
+                <a:cs typeface="Calibri" panose="020F0502020204030204" pitchFamily="34" charset="0"/>
+              </a:rPr>
+              <a:t>Consulta a loja que realizou o pedido .</a:t>
+            </a:r>
+          </a:p>
+          <a:p>
+            <a:r>
+              <a:rPr lang="pt-BR" sz="2400" dirty="0">
+                <a:solidFill>
+                  <a:srgbClr val="000000"/>
+                </a:solidFill>
+                <a:latin typeface="Calibri" panose="020F0502020204030204" pitchFamily="34" charset="0"/>
+                <a:cs typeface="Calibri" panose="020F0502020204030204" pitchFamily="34" charset="0"/>
+              </a:rPr>
+              <a:t>Consulta as informações do pedido a ser cancelado.</a:t>
+            </a:r>
+          </a:p>
+        </p:txBody>
+      </p:sp>
+    </p:spTree>
+    <p:extLst>
+      <p:ext uri="{BB962C8B-B14F-4D97-AF65-F5344CB8AC3E}">
+        <p14:creationId xmlns:p14="http://schemas.microsoft.com/office/powerpoint/2010/main" val="2740279458"/>
+      </p:ext>
+    </p:extLst>
+  </p:cSld>
+  <p:clrMapOvr>
+    <a:masterClrMapping/>
+  </p:clrMapOvr>
+</p:sld>
+</file>
+
+<file path=ppt/slides/slide16.xml><?xml version="1.0" encoding="utf-8"?>
+<p:sld xmlns:a="http://schemas.openxmlformats.org/drawingml/2006/main" xmlns:r="http://schemas.openxmlformats.org/officeDocument/2006/relationships" xmlns:p="http://schemas.openxmlformats.org/presentationml/2006/main">
+  <p:cSld>
+    <p:spTree>
+      <p:nvGrpSpPr>
+        <p:cNvPr id="1" name=""/>
+        <p:cNvGrpSpPr/>
+        <p:nvPr/>
+      </p:nvGrpSpPr>
+      <p:grpSpPr>
+        <a:xfrm>
+          <a:off x="0" y="0"/>
+          <a:ext cx="0" cy="0"/>
+          <a:chOff x="0" y="0"/>
+          <a:chExt cx="0" cy="0"/>
+        </a:xfrm>
+      </p:grpSpPr>
+      <p:sp>
+        <p:nvSpPr>
+          <p:cNvPr id="3" name="Espaço Reservado para Conteúdo 2">
+            <a:extLst>
+              <a:ext uri="{FF2B5EF4-FFF2-40B4-BE49-F238E27FC236}">
+                <a16:creationId xmlns:a16="http://schemas.microsoft.com/office/drawing/2014/main" id="{C18E07EE-E08B-4B80-91A0-E4B26E8BF698}"/>
+              </a:ext>
+            </a:extLst>
+          </p:cNvPr>
+          <p:cNvSpPr>
+            <a:spLocks noGrp="1"/>
+          </p:cNvSpPr>
+          <p:nvPr>
+            <p:ph idx="1"/>
+          </p:nvPr>
+        </p:nvSpPr>
+        <p:spPr>
+          <a:xfrm>
+            <a:off x="355107" y="266330"/>
+            <a:ext cx="11425561" cy="6427433"/>
+          </a:xfrm>
+        </p:spPr>
+        <p:txBody>
+          <a:bodyPr>
+            <a:normAutofit/>
+          </a:bodyPr>
+          <a:lstStyle/>
+          <a:p>
+            <a:pPr algn="l"/>
+            <a:endParaRPr lang="pt-BR" sz="1400" b="0" i="0" u="none" strike="noStrike" baseline="0" dirty="0">
+              <a:solidFill>
+                <a:srgbClr val="000000"/>
+              </a:solidFill>
+              <a:latin typeface="Arial" panose="020B0604020202020204" pitchFamily="34" charset="0"/>
+            </a:endParaRPr>
+          </a:p>
+          <a:p>
+            <a:pPr marL="0" indent="0">
+              <a:buNone/>
+            </a:pPr>
+            <a:r>
+              <a:rPr lang="pt-BR" sz="1200" b="0" i="0" u="none" strike="noStrike" baseline="0" dirty="0">
+                <a:solidFill>
+                  <a:srgbClr val="000000"/>
+                </a:solidFill>
+                <a:latin typeface="Arial" panose="020B0604020202020204" pitchFamily="34" charset="0"/>
+              </a:rPr>
+              <a:t> 					             </a:t>
+            </a:r>
+            <a:r>
+              <a:rPr lang="pt-BR" b="1" i="0" u="none" strike="noStrike" baseline="0" dirty="0">
+                <a:solidFill>
+                  <a:srgbClr val="000000"/>
+                </a:solidFill>
+                <a:latin typeface="Arial" panose="020B0604020202020204" pitchFamily="34" charset="0"/>
+              </a:rPr>
+              <a:t>Descrição do processo de negócios</a:t>
+            </a:r>
+          </a:p>
+          <a:p>
+            <a:pPr marL="0" indent="0">
+              <a:buNone/>
+            </a:pPr>
+            <a:endParaRPr lang="pt-BR" sz="2400" b="1" dirty="0">
+              <a:solidFill>
+                <a:srgbClr val="000000"/>
+              </a:solidFill>
+              <a:latin typeface="Calibri" panose="020F0502020204030204" pitchFamily="34" charset="0"/>
+            </a:endParaRPr>
+          </a:p>
+          <a:p>
+            <a:pPr marL="0" indent="0">
+              <a:buNone/>
+            </a:pPr>
+            <a:r>
+              <a:rPr lang="pt-BR" sz="2400" b="1" dirty="0">
+                <a:solidFill>
+                  <a:srgbClr val="000000"/>
+                </a:solidFill>
+                <a:latin typeface="Calibri" panose="020F0502020204030204" pitchFamily="34" charset="0"/>
+              </a:rPr>
+              <a:t>Cancelar a Nota Fiscal do pedido</a:t>
+            </a:r>
+            <a:endParaRPr lang="pt-BR" sz="2400" b="1" i="0" u="none" strike="noStrike" baseline="0" dirty="0">
+              <a:solidFill>
+                <a:srgbClr val="000000"/>
+              </a:solidFill>
+              <a:latin typeface="Arial" panose="020B0604020202020204" pitchFamily="34" charset="0"/>
+            </a:endParaRPr>
+          </a:p>
+          <a:p>
+            <a:pPr marL="0" indent="0">
+              <a:buNone/>
+            </a:pPr>
+            <a:r>
+              <a:rPr lang="pt-BR" sz="2400" b="1" i="0" u="none" strike="noStrike" baseline="0" dirty="0">
+                <a:solidFill>
+                  <a:srgbClr val="000000"/>
+                </a:solidFill>
+                <a:latin typeface="Calibri" panose="020F0502020204030204" pitchFamily="34" charset="0"/>
+              </a:rPr>
+              <a:t>Evento: </a:t>
+            </a:r>
+            <a:r>
+              <a:rPr lang="pt-BR" sz="2400" dirty="0">
+                <a:solidFill>
+                  <a:srgbClr val="000000"/>
+                </a:solidFill>
+                <a:latin typeface="Calibri" panose="020F0502020204030204" pitchFamily="34" charset="0"/>
+              </a:rPr>
+              <a:t>Realização do cancelamento da nota fiscal.</a:t>
+            </a:r>
+            <a:endParaRPr lang="pt-BR" sz="2400" i="0" u="none" strike="noStrike" baseline="0" dirty="0">
+              <a:solidFill>
+                <a:srgbClr val="000000"/>
+              </a:solidFill>
+              <a:latin typeface="Calibri" panose="020F0502020204030204" pitchFamily="34" charset="0"/>
+            </a:endParaRPr>
+          </a:p>
+          <a:p>
+            <a:pPr marL="0" indent="0">
+              <a:buNone/>
+            </a:pPr>
+            <a:r>
+              <a:rPr lang="pt-BR" sz="2400" b="1" i="0" u="none" strike="noStrike" baseline="0" dirty="0">
+                <a:solidFill>
+                  <a:srgbClr val="000000"/>
+                </a:solidFill>
+                <a:latin typeface="Calibri" panose="020F0502020204030204" pitchFamily="34" charset="0"/>
+              </a:rPr>
+              <a:t>Objetivo: Realizar cancelamento da nota fiscal.</a:t>
+            </a:r>
+            <a:endParaRPr lang="pt-BR" sz="2400" b="1" dirty="0">
+              <a:solidFill>
+                <a:srgbClr val="000000"/>
+              </a:solidFill>
+              <a:latin typeface="Calibri" panose="020F0502020204030204" pitchFamily="34" charset="0"/>
+            </a:endParaRPr>
+          </a:p>
+          <a:p>
+            <a:pPr marL="0" indent="0">
+              <a:buNone/>
+            </a:pPr>
+            <a:r>
+              <a:rPr lang="pt-BR" sz="2400" b="1" i="0" u="none" strike="noStrike" baseline="0" dirty="0">
+                <a:solidFill>
+                  <a:srgbClr val="000000"/>
+                </a:solidFill>
+                <a:latin typeface="Calibri" panose="020F0502020204030204" pitchFamily="34" charset="0"/>
+              </a:rPr>
+              <a:t>Trabalhadores envolvidos: </a:t>
+            </a:r>
+            <a:r>
+              <a:rPr lang="pt-BR" sz="2400" i="0" u="none" strike="noStrike" baseline="0" dirty="0">
+                <a:solidFill>
+                  <a:srgbClr val="000000"/>
+                </a:solidFill>
+                <a:latin typeface="Calibri" panose="020F0502020204030204" pitchFamily="34" charset="0"/>
+              </a:rPr>
+              <a:t>Analista</a:t>
+            </a:r>
+            <a:r>
+              <a:rPr lang="pt-BR" sz="2400" b="1" i="0" u="none" strike="noStrike" baseline="0" dirty="0">
+                <a:solidFill>
+                  <a:srgbClr val="000000"/>
+                </a:solidFill>
+                <a:latin typeface="Calibri" panose="020F0502020204030204" pitchFamily="34" charset="0"/>
+              </a:rPr>
+              <a:t> </a:t>
+            </a:r>
+            <a:r>
+              <a:rPr lang="pt-BR" sz="2400" b="0" i="0" u="none" strike="noStrike" baseline="0" dirty="0">
+                <a:solidFill>
+                  <a:srgbClr val="000000"/>
+                </a:solidFill>
+                <a:latin typeface="Calibri" panose="020F0502020204030204" pitchFamily="34" charset="0"/>
+              </a:rPr>
+              <a:t>Financeiro </a:t>
+            </a:r>
+          </a:p>
+          <a:p>
+            <a:pPr marL="0" indent="0">
+              <a:buNone/>
+            </a:pPr>
+            <a:r>
+              <a:rPr lang="pt-BR" sz="2400" b="0" i="0" u="none" strike="noStrike" baseline="0" dirty="0">
+                <a:solidFill>
+                  <a:srgbClr val="000000"/>
+                </a:solidFill>
+                <a:latin typeface="Calibri" panose="020F0502020204030204" pitchFamily="34" charset="0"/>
+                <a:cs typeface="Calibri" panose="020F0502020204030204" pitchFamily="34" charset="0"/>
+              </a:rPr>
+              <a:t>•Consult</a:t>
+            </a:r>
+            <a:r>
+              <a:rPr lang="pt-BR" sz="2400" dirty="0">
+                <a:solidFill>
+                  <a:srgbClr val="000000"/>
+                </a:solidFill>
+                <a:latin typeface="Calibri" panose="020F0502020204030204" pitchFamily="34" charset="0"/>
+                <a:cs typeface="Calibri" panose="020F0502020204030204" pitchFamily="34" charset="0"/>
+              </a:rPr>
+              <a:t>a informações do pedido para cancelar nota fiscal.</a:t>
+            </a:r>
+            <a:endParaRPr lang="pt-BR" sz="2400" b="0" i="0" u="none" strike="noStrike" baseline="0" dirty="0">
+              <a:solidFill>
+                <a:srgbClr val="000000"/>
+              </a:solidFill>
+              <a:latin typeface="Calibri" panose="020F0502020204030204" pitchFamily="34" charset="0"/>
+              <a:cs typeface="Calibri" panose="020F0502020204030204" pitchFamily="34" charset="0"/>
+            </a:endParaRPr>
+          </a:p>
+        </p:txBody>
+      </p:sp>
+    </p:spTree>
+    <p:extLst>
+      <p:ext uri="{BB962C8B-B14F-4D97-AF65-F5344CB8AC3E}">
+        <p14:creationId xmlns:p14="http://schemas.microsoft.com/office/powerpoint/2010/main" val="2540888946"/>
+      </p:ext>
+    </p:extLst>
+  </p:cSld>
+  <p:clrMapOvr>
+    <a:masterClrMapping/>
+  </p:clrMapOvr>
+</p:sld>
+</file>
+
+<file path=ppt/slides/slide17.xml><?xml version="1.0" encoding="utf-8"?>
+<p:sld xmlns:a="http://schemas.openxmlformats.org/drawingml/2006/main" xmlns:r="http://schemas.openxmlformats.org/officeDocument/2006/relationships" xmlns:p="http://schemas.openxmlformats.org/presentationml/2006/main">
+  <p:cSld>
+    <p:spTree>
+      <p:nvGrpSpPr>
+        <p:cNvPr id="1" name=""/>
+        <p:cNvGrpSpPr/>
+        <p:nvPr/>
+      </p:nvGrpSpPr>
+      <p:grpSpPr>
+        <a:xfrm>
+          <a:off x="0" y="0"/>
+          <a:ext cx="0" cy="0"/>
+          <a:chOff x="0" y="0"/>
+          <a:chExt cx="0" cy="0"/>
+        </a:xfrm>
+      </p:grpSpPr>
+      <p:sp>
+        <p:nvSpPr>
+          <p:cNvPr id="3" name="Espaço Reservado para Conteúdo 2">
+            <a:extLst>
+              <a:ext uri="{FF2B5EF4-FFF2-40B4-BE49-F238E27FC236}">
+                <a16:creationId xmlns:a16="http://schemas.microsoft.com/office/drawing/2014/main" id="{C18E07EE-E08B-4B80-91A0-E4B26E8BF698}"/>
+              </a:ext>
+            </a:extLst>
+          </p:cNvPr>
+          <p:cNvSpPr>
+            <a:spLocks noGrp="1"/>
+          </p:cNvSpPr>
+          <p:nvPr>
+            <p:ph idx="1"/>
+          </p:nvPr>
+        </p:nvSpPr>
+        <p:spPr>
+          <a:xfrm>
+            <a:off x="355107" y="266330"/>
+            <a:ext cx="11425561" cy="6427433"/>
+          </a:xfrm>
+        </p:spPr>
+        <p:txBody>
+          <a:bodyPr>
+            <a:normAutofit/>
+          </a:bodyPr>
+          <a:lstStyle/>
+          <a:p>
+            <a:pPr algn="l"/>
+            <a:endParaRPr lang="pt-BR" sz="1400" b="0" i="0" u="none" strike="noStrike" baseline="0" dirty="0">
+              <a:solidFill>
+                <a:srgbClr val="000000"/>
+              </a:solidFill>
+              <a:latin typeface="Arial" panose="020B0604020202020204" pitchFamily="34" charset="0"/>
+            </a:endParaRPr>
+          </a:p>
+          <a:p>
+            <a:pPr marL="0" indent="0">
+              <a:buNone/>
+            </a:pPr>
+            <a:r>
+              <a:rPr lang="pt-BR" sz="1200" b="0" i="0" u="none" strike="noStrike" baseline="0" dirty="0">
+                <a:solidFill>
+                  <a:srgbClr val="000000"/>
+                </a:solidFill>
+                <a:latin typeface="Arial" panose="020B0604020202020204" pitchFamily="34" charset="0"/>
+              </a:rPr>
+              <a:t>					             </a:t>
+            </a:r>
+            <a:r>
+              <a:rPr lang="pt-BR" b="1" i="0" u="none" strike="noStrike" baseline="0" dirty="0">
+                <a:solidFill>
+                  <a:srgbClr val="000000"/>
+                </a:solidFill>
+                <a:latin typeface="Arial" panose="020B0604020202020204" pitchFamily="34" charset="0"/>
+              </a:rPr>
+              <a:t>Descrição do processo de negócios</a:t>
+            </a:r>
+          </a:p>
+          <a:p>
+            <a:pPr marL="0" indent="0">
+              <a:buNone/>
+            </a:pPr>
+            <a:endParaRPr lang="pt-BR" sz="2400" b="1" dirty="0">
+              <a:solidFill>
+                <a:srgbClr val="000000"/>
+              </a:solidFill>
+              <a:latin typeface="Calibri" panose="020F0502020204030204" pitchFamily="34" charset="0"/>
+            </a:endParaRPr>
+          </a:p>
+          <a:p>
+            <a:pPr marL="0" indent="0">
+              <a:buNone/>
+            </a:pPr>
+            <a:r>
+              <a:rPr lang="pt-BR" sz="2400" b="1" dirty="0">
+                <a:solidFill>
+                  <a:srgbClr val="000000"/>
+                </a:solidFill>
+                <a:latin typeface="Calibri" panose="020F0502020204030204" pitchFamily="34" charset="0"/>
+              </a:rPr>
+              <a:t>Cancelar pedido</a:t>
+            </a:r>
+            <a:endParaRPr lang="pt-BR" sz="2400" b="1" i="0" u="none" strike="noStrike" baseline="0" dirty="0">
+              <a:solidFill>
+                <a:srgbClr val="000000"/>
+              </a:solidFill>
+              <a:latin typeface="Arial" panose="020B0604020202020204" pitchFamily="34" charset="0"/>
+            </a:endParaRPr>
+          </a:p>
+          <a:p>
+            <a:pPr marL="0" indent="0">
+              <a:buNone/>
+            </a:pPr>
+            <a:r>
+              <a:rPr lang="pt-BR" sz="2400" b="1" i="0" u="none" strike="noStrike" baseline="0" dirty="0">
+                <a:solidFill>
+                  <a:srgbClr val="000000"/>
+                </a:solidFill>
+                <a:latin typeface="Calibri" panose="020F0502020204030204" pitchFamily="34" charset="0"/>
+              </a:rPr>
+              <a:t>Evento: </a:t>
+            </a:r>
+            <a:r>
+              <a:rPr lang="pt-BR" sz="2400" i="0" u="none" strike="noStrike" baseline="0" dirty="0">
+                <a:solidFill>
+                  <a:srgbClr val="000000"/>
+                </a:solidFill>
+                <a:latin typeface="Calibri" panose="020F0502020204030204" pitchFamily="34" charset="0"/>
+              </a:rPr>
+              <a:t>Cancelamento do pedido</a:t>
+            </a:r>
+          </a:p>
+          <a:p>
+            <a:pPr marL="0" indent="0">
+              <a:buNone/>
+            </a:pPr>
+            <a:r>
+              <a:rPr lang="pt-BR" sz="2400" b="1" i="0" u="none" strike="noStrike" baseline="0" dirty="0">
+                <a:solidFill>
+                  <a:srgbClr val="000000"/>
+                </a:solidFill>
+                <a:latin typeface="Calibri" panose="020F0502020204030204" pitchFamily="34" charset="0"/>
+              </a:rPr>
+              <a:t>Objetivo: Realizar cancelamento do pedido.</a:t>
+            </a:r>
+          </a:p>
+          <a:p>
+            <a:pPr marL="0" indent="0">
+              <a:buNone/>
+            </a:pPr>
+            <a:r>
+              <a:rPr lang="pt-BR" sz="2400" b="1" i="0" u="none" strike="noStrike" baseline="0" dirty="0">
+                <a:solidFill>
+                  <a:srgbClr val="000000"/>
+                </a:solidFill>
+                <a:latin typeface="Calibri" panose="020F0502020204030204" pitchFamily="34" charset="0"/>
+              </a:rPr>
+              <a:t>Trabalhadores envolvidos: </a:t>
+            </a:r>
+            <a:r>
+              <a:rPr lang="pt-BR" sz="2400" i="0" u="none" strike="noStrike" baseline="0" dirty="0">
+                <a:solidFill>
+                  <a:srgbClr val="000000"/>
+                </a:solidFill>
+                <a:latin typeface="Calibri" panose="020F0502020204030204" pitchFamily="34" charset="0"/>
+              </a:rPr>
+              <a:t>Analista</a:t>
+            </a:r>
+            <a:r>
+              <a:rPr lang="pt-BR" sz="2400" b="1" i="0" u="none" strike="noStrike" baseline="0" dirty="0">
+                <a:solidFill>
+                  <a:srgbClr val="000000"/>
+                </a:solidFill>
+                <a:latin typeface="Calibri" panose="020F0502020204030204" pitchFamily="34" charset="0"/>
+              </a:rPr>
+              <a:t> </a:t>
+            </a:r>
+            <a:r>
+              <a:rPr lang="pt-BR" sz="2400" b="0" i="0" u="none" strike="noStrike" baseline="0" dirty="0">
+                <a:solidFill>
+                  <a:srgbClr val="000000"/>
+                </a:solidFill>
+                <a:latin typeface="Calibri" panose="020F0502020204030204" pitchFamily="34" charset="0"/>
+              </a:rPr>
+              <a:t>Financeiro </a:t>
+            </a:r>
+          </a:p>
+          <a:p>
+            <a:pPr marL="0" indent="0">
+              <a:buNone/>
+            </a:pPr>
+            <a:r>
+              <a:rPr lang="pt-BR" sz="2400" b="0" i="0" u="none" strike="noStrike" baseline="0" dirty="0">
+                <a:solidFill>
+                  <a:srgbClr val="000000"/>
+                </a:solidFill>
+                <a:latin typeface="Calibri" panose="020F0502020204030204" pitchFamily="34" charset="0"/>
+                <a:cs typeface="Calibri" panose="020F0502020204030204" pitchFamily="34" charset="0"/>
+              </a:rPr>
+              <a:t>•Consult</a:t>
+            </a:r>
+            <a:r>
+              <a:rPr lang="pt-BR" sz="2400" dirty="0">
+                <a:solidFill>
+                  <a:srgbClr val="000000"/>
+                </a:solidFill>
+                <a:latin typeface="Calibri" panose="020F0502020204030204" pitchFamily="34" charset="0"/>
+                <a:cs typeface="Calibri" panose="020F0502020204030204" pitchFamily="34" charset="0"/>
+              </a:rPr>
+              <a:t>a informações da loja para cancelar pedido.</a:t>
+            </a:r>
+          </a:p>
+          <a:p>
+            <a:r>
+              <a:rPr lang="pt-BR" sz="2400" dirty="0">
+                <a:solidFill>
+                  <a:srgbClr val="000000"/>
+                </a:solidFill>
+                <a:latin typeface="Calibri" panose="020F0502020204030204" pitchFamily="34" charset="0"/>
+                <a:cs typeface="Calibri" panose="020F0502020204030204" pitchFamily="34" charset="0"/>
+              </a:rPr>
+              <a:t>Consulta informações de pedido para cancelamento.</a:t>
+            </a:r>
+          </a:p>
+          <a:p>
+            <a:r>
+              <a:rPr lang="pt-BR" sz="2400" b="0" i="0" u="none" strike="noStrike" baseline="0" dirty="0">
+                <a:solidFill>
+                  <a:srgbClr val="000000"/>
+                </a:solidFill>
+                <a:latin typeface="Calibri" panose="020F0502020204030204" pitchFamily="34" charset="0"/>
+                <a:cs typeface="Calibri" panose="020F0502020204030204" pitchFamily="34" charset="0"/>
+              </a:rPr>
+              <a:t>Consulta as informações do fina</a:t>
+            </a:r>
+            <a:r>
+              <a:rPr lang="pt-BR" sz="2400" dirty="0">
+                <a:solidFill>
+                  <a:srgbClr val="000000"/>
+                </a:solidFill>
+                <a:latin typeface="Calibri" panose="020F0502020204030204" pitchFamily="34" charset="0"/>
+                <a:cs typeface="Calibri" panose="020F0502020204030204" pitchFamily="34" charset="0"/>
+              </a:rPr>
+              <a:t>nceiro para </a:t>
+            </a:r>
+            <a:r>
+              <a:rPr lang="pt-BR" sz="2400">
+                <a:solidFill>
+                  <a:srgbClr val="000000"/>
+                </a:solidFill>
+                <a:latin typeface="Calibri" panose="020F0502020204030204" pitchFamily="34" charset="0"/>
+                <a:cs typeface="Calibri" panose="020F0502020204030204" pitchFamily="34" charset="0"/>
+              </a:rPr>
+              <a:t>cancelar pedido.</a:t>
+            </a:r>
+            <a:endParaRPr lang="pt-BR" sz="2400" b="0" i="0" u="none" strike="noStrike" baseline="0" dirty="0">
+              <a:solidFill>
+                <a:srgbClr val="000000"/>
+              </a:solidFill>
+              <a:latin typeface="Calibri" panose="020F0502020204030204" pitchFamily="34" charset="0"/>
+              <a:cs typeface="Calibri" panose="020F0502020204030204" pitchFamily="34" charset="0"/>
+            </a:endParaRPr>
+          </a:p>
+        </p:txBody>
+      </p:sp>
+    </p:spTree>
+    <p:extLst>
+      <p:ext uri="{BB962C8B-B14F-4D97-AF65-F5344CB8AC3E}">
+        <p14:creationId xmlns:p14="http://schemas.microsoft.com/office/powerpoint/2010/main" val="1884437551"/>
       </p:ext>
     </p:extLst>
   </p:cSld>
@@ -5176,7 +5810,7 @@
           <p:cNvPr id="3" name="Espaço Reservado para Conteúdo 2">
             <a:extLst>
               <a:ext uri="{FF2B5EF4-FFF2-40B4-BE49-F238E27FC236}">
-                <a16:creationId xmlns="" xmlns:a16="http://schemas.microsoft.com/office/drawing/2014/main" id="{C18E07EE-E08B-4B80-91A0-E4B26E8BF698}"/>
+                <a16:creationId xmlns:a16="http://schemas.microsoft.com/office/drawing/2014/main" id="{C18E07EE-E08B-4B80-91A0-E4B26E8BF698}"/>
               </a:ext>
             </a:extLst>
           </p:cNvPr>
@@ -5434,7 +6068,7 @@
           <p:cNvPr id="3" name="Espaço Reservado para Conteúdo 2">
             <a:extLst>
               <a:ext uri="{FF2B5EF4-FFF2-40B4-BE49-F238E27FC236}">
-                <a16:creationId xmlns="" xmlns:a16="http://schemas.microsoft.com/office/drawing/2014/main" id="{C18E07EE-E08B-4B80-91A0-E4B26E8BF698}"/>
+                <a16:creationId xmlns:a16="http://schemas.microsoft.com/office/drawing/2014/main" id="{C18E07EE-E08B-4B80-91A0-E4B26E8BF698}"/>
               </a:ext>
             </a:extLst>
           </p:cNvPr>
@@ -5592,21 +6226,8 @@
                   <a:srgbClr val="000000"/>
                 </a:solidFill>
               </a:rPr>
-              <a:t>Consulta ao orçamento de acordo com informações armazenadas nele, inclusive informação da </a:t>
-            </a:r>
-            <a:r>
-              <a:rPr lang="pt-BR" sz="2400" dirty="0" smtClean="0">
-                <a:solidFill>
-                  <a:srgbClr val="000000"/>
-                </a:solidFill>
-              </a:rPr>
-              <a:t>loja.</a:t>
-            </a:r>
-            <a:endParaRPr lang="pt-BR" sz="2400" dirty="0">
-              <a:solidFill>
-                <a:srgbClr val="000000"/>
-              </a:solidFill>
-            </a:endParaRPr>
+              <a:t>Consulta ao orçamento de acordo com informações armazenadas nele, inclusive informação da loja.</a:t>
+            </a:r>
           </a:p>
           <a:p>
             <a:r>
@@ -5672,7 +6293,7 @@
           <p:cNvPr id="3" name="Espaço Reservado para Conteúdo 2">
             <a:extLst>
               <a:ext uri="{FF2B5EF4-FFF2-40B4-BE49-F238E27FC236}">
-                <a16:creationId xmlns="" xmlns:a16="http://schemas.microsoft.com/office/drawing/2014/main" id="{C18E07EE-E08B-4B80-91A0-E4B26E8BF698}"/>
+                <a16:creationId xmlns:a16="http://schemas.microsoft.com/office/drawing/2014/main" id="{C18E07EE-E08B-4B80-91A0-E4B26E8BF698}"/>
               </a:ext>
             </a:extLst>
           </p:cNvPr>
@@ -5949,7 +6570,7 @@
           <p:cNvPr id="3" name="Espaço Reservado para Conteúdo 2">
             <a:extLst>
               <a:ext uri="{FF2B5EF4-FFF2-40B4-BE49-F238E27FC236}">
-                <a16:creationId xmlns="" xmlns:a16="http://schemas.microsoft.com/office/drawing/2014/main" id="{C18E07EE-E08B-4B80-91A0-E4B26E8BF698}"/>
+                <a16:creationId xmlns:a16="http://schemas.microsoft.com/office/drawing/2014/main" id="{C18E07EE-E08B-4B80-91A0-E4B26E8BF698}"/>
               </a:ext>
             </a:extLst>
           </p:cNvPr>
@@ -6051,16 +6672,39 @@
                 </a:solidFill>
                 <a:latin typeface="Calibri" panose="020F0502020204030204" pitchFamily="34" charset="0"/>
               </a:rPr>
-              <a:t>Loja </a:t>
-            </a:r>
-            <a:r>
-              <a:rPr lang="pt-BR" sz="2400" i="0" u="none" strike="noStrike" baseline="0" dirty="0" smtClean="0">
-                <a:solidFill>
-                  <a:srgbClr val="000000"/>
-                </a:solidFill>
-                <a:latin typeface="Calibri" panose="020F0502020204030204" pitchFamily="34" charset="0"/>
-              </a:rPr>
-              <a:t>consulta extrato dos boletos</a:t>
+              <a:t>Loja consulta extrato dos boletos</a:t>
+            </a:r>
+          </a:p>
+          <a:p>
+            <a:pPr marL="0" indent="0">
+              <a:buNone/>
+            </a:pPr>
+            <a:r>
+              <a:rPr lang="pt-BR" sz="2400" b="1" i="0" u="none" strike="noStrike" baseline="0" dirty="0">
+                <a:solidFill>
+                  <a:srgbClr val="000000"/>
+                </a:solidFill>
+                <a:latin typeface="Calibri" panose="020F0502020204030204" pitchFamily="34" charset="0"/>
+              </a:rPr>
+              <a:t>Objetivo: </a:t>
+            </a:r>
+            <a:r>
+              <a:rPr lang="pt-BR" sz="2400" i="0" u="none" strike="noStrike" baseline="0" dirty="0">
+                <a:solidFill>
+                  <a:srgbClr val="000000"/>
+                </a:solidFill>
+                <a:latin typeface="Calibri" panose="020F0502020204030204" pitchFamily="34" charset="0"/>
+              </a:rPr>
+              <a:t>Iniciar a consulta de</a:t>
+            </a:r>
+            <a:r>
+              <a:rPr lang="pt-BR" sz="2400" i="0" u="none" strike="noStrike" dirty="0">
+                <a:solidFill>
+                  <a:srgbClr val="000000"/>
+                </a:solidFill>
+                <a:latin typeface="Calibri" panose="020F0502020204030204" pitchFamily="34" charset="0"/>
+              </a:rPr>
+              <a:t> pagamento dos boletos.</a:t>
             </a:r>
             <a:endParaRPr lang="pt-BR" sz="2400" i="0" u="none" strike="noStrike" baseline="0" dirty="0">
               <a:solidFill>
@@ -6080,7 +6724,7 @@
                 </a:solidFill>
                 <a:latin typeface="Calibri" panose="020F0502020204030204" pitchFamily="34" charset="0"/>
               </a:rPr>
-              <a:t>Objetivo: </a:t>
+              <a:t>Trabalhadores envolvidos: </a:t>
             </a:r>
             <a:r>
               <a:rPr lang="pt-BR" sz="2400" i="0" u="none" strike="noStrike" baseline="0" dirty="0">
@@ -6089,37 +6733,8 @@
                 </a:solidFill>
                 <a:latin typeface="Calibri" panose="020F0502020204030204" pitchFamily="34" charset="0"/>
               </a:rPr>
-              <a:t>Iniciar a consulta </a:t>
-            </a:r>
-            <a:r>
-              <a:rPr lang="pt-BR" sz="2400" i="0" u="none" strike="noStrike" baseline="0" dirty="0" smtClean="0">
-                <a:solidFill>
-                  <a:srgbClr val="000000"/>
-                </a:solidFill>
-                <a:latin typeface="Calibri" panose="020F0502020204030204" pitchFamily="34" charset="0"/>
-              </a:rPr>
-              <a:t>de</a:t>
-            </a:r>
-            <a:r>
-              <a:rPr lang="pt-BR" sz="2400" i="0" u="none" strike="noStrike" dirty="0" smtClean="0">
-                <a:solidFill>
-                  <a:srgbClr val="000000"/>
-                </a:solidFill>
-                <a:latin typeface="Calibri" panose="020F0502020204030204" pitchFamily="34" charset="0"/>
-              </a:rPr>
-              <a:t> pagamento dos boletos.</a:t>
-            </a:r>
-            <a:endParaRPr lang="pt-BR" sz="2400" i="0" u="none" strike="noStrike" baseline="0" dirty="0">
-              <a:solidFill>
-                <a:srgbClr val="000000"/>
-              </a:solidFill>
-              <a:latin typeface="Calibri" panose="020F0502020204030204" pitchFamily="34" charset="0"/>
-            </a:endParaRPr>
-          </a:p>
-          <a:p>
-            <a:pPr marL="0" indent="0">
-              <a:buNone/>
-            </a:pPr>
+              <a:t>Analista</a:t>
+            </a:r>
             <a:r>
               <a:rPr lang="pt-BR" sz="2400" b="1" i="0" u="none" strike="noStrike" baseline="0" dirty="0">
                 <a:solidFill>
@@ -6127,24 +6742,6 @@
                 </a:solidFill>
                 <a:latin typeface="Calibri" panose="020F0502020204030204" pitchFamily="34" charset="0"/>
               </a:rPr>
-              <a:t>Trabalhadores envolvidos: </a:t>
-            </a:r>
-            <a:r>
-              <a:rPr lang="pt-BR" sz="2400" i="0" u="none" strike="noStrike" baseline="0" dirty="0">
-                <a:solidFill>
-                  <a:srgbClr val="000000"/>
-                </a:solidFill>
-                <a:latin typeface="Calibri" panose="020F0502020204030204" pitchFamily="34" charset="0"/>
-              </a:rPr>
-              <a:t>Analista</a:t>
-            </a:r>
-            <a:r>
-              <a:rPr lang="pt-BR" sz="2400" b="1" i="0" u="none" strike="noStrike" baseline="0" dirty="0">
-                <a:solidFill>
-                  <a:srgbClr val="000000"/>
-                </a:solidFill>
-                <a:latin typeface="Calibri" panose="020F0502020204030204" pitchFamily="34" charset="0"/>
-              </a:rPr>
               <a:t> </a:t>
             </a:r>
             <a:r>
@@ -6168,23 +6765,8 @@
                 </a:solidFill>
                 <a:latin typeface="Arial" panose="020B0604020202020204" pitchFamily="34" charset="0"/>
               </a:rPr>
-              <a:t>•  Envia ao banco solicitação de extrato </a:t>
-            </a:r>
-            <a:r>
-              <a:rPr lang="pt-BR" sz="2200" b="0" i="0" u="none" strike="noStrike" baseline="0" dirty="0" smtClean="0">
-                <a:solidFill>
-                  <a:srgbClr val="000000"/>
-                </a:solidFill>
-                <a:latin typeface="Arial" panose="020B0604020202020204" pitchFamily="34" charset="0"/>
-              </a:rPr>
-              <a:t>dos boletos.</a:t>
-            </a:r>
-            <a:endParaRPr lang="pt-BR" sz="2200" b="0" i="0" u="none" strike="noStrike" baseline="0" dirty="0">
-              <a:solidFill>
-                <a:srgbClr val="000000"/>
-              </a:solidFill>
-              <a:latin typeface="Arial" panose="020B0604020202020204" pitchFamily="34" charset="0"/>
-            </a:endParaRPr>
+              <a:t>•  Envia ao banco solicitação de extrato dos boletos.</a:t>
+            </a:r>
           </a:p>
           <a:p>
             <a:pPr marL="0" indent="0">
@@ -6240,7 +6822,7 @@
           <p:cNvPr id="3" name="Espaço Reservado para Conteúdo 2">
             <a:extLst>
               <a:ext uri="{FF2B5EF4-FFF2-40B4-BE49-F238E27FC236}">
-                <a16:creationId xmlns="" xmlns:a16="http://schemas.microsoft.com/office/drawing/2014/main" id="{C18E07EE-E08B-4B80-91A0-E4B26E8BF698}"/>
+                <a16:creationId xmlns:a16="http://schemas.microsoft.com/office/drawing/2014/main" id="{C18E07EE-E08B-4B80-91A0-E4B26E8BF698}"/>
               </a:ext>
             </a:extLst>
           </p:cNvPr>
@@ -6365,23 +6947,8 @@
                 </a:solidFill>
                 <a:latin typeface="Calibri" panose="020F0502020204030204" pitchFamily="34" charset="0"/>
               </a:rPr>
-              <a:t>Receber do banco os extratos </a:t>
-            </a:r>
-            <a:r>
-              <a:rPr lang="pt-BR" sz="2400" i="0" u="none" strike="noStrike" baseline="0" dirty="0" smtClean="0">
-                <a:solidFill>
-                  <a:srgbClr val="000000"/>
-                </a:solidFill>
-                <a:latin typeface="Calibri" panose="020F0502020204030204" pitchFamily="34" charset="0"/>
-              </a:rPr>
-              <a:t>dos boletos</a:t>
-            </a:r>
-            <a:endParaRPr lang="pt-BR" sz="2400" i="0" u="none" strike="noStrike" baseline="0" dirty="0">
-              <a:solidFill>
-                <a:srgbClr val="000000"/>
-              </a:solidFill>
-              <a:latin typeface="Calibri" panose="020F0502020204030204" pitchFamily="34" charset="0"/>
-            </a:endParaRPr>
+              <a:t>Receber do banco os extratos dos boletos</a:t>
+            </a:r>
           </a:p>
           <a:p>
             <a:pPr marL="0" indent="0">
@@ -6436,29 +7003,12 @@
                 <a:latin typeface="Calibri" panose="020F0502020204030204" pitchFamily="34" charset="0"/>
                 <a:cs typeface="Calibri" panose="020F0502020204030204" pitchFamily="34" charset="0"/>
               </a:rPr>
-              <a:t>• Recebe do banco o extratos dos </a:t>
-            </a:r>
-            <a:r>
-              <a:rPr lang="pt-BR" sz="2400" b="0" i="0" u="none" strike="noStrike" baseline="0" dirty="0" smtClean="0">
-                <a:solidFill>
-                  <a:srgbClr val="000000"/>
-                </a:solidFill>
-                <a:latin typeface="Calibri" panose="020F0502020204030204" pitchFamily="34" charset="0"/>
-                <a:cs typeface="Calibri" panose="020F0502020204030204" pitchFamily="34" charset="0"/>
-              </a:rPr>
-              <a:t>boletos.</a:t>
-            </a:r>
-            <a:endParaRPr lang="pt-BR" sz="2400" b="0" i="0" u="none" strike="noStrike" baseline="0" dirty="0">
-              <a:solidFill>
-                <a:srgbClr val="000000"/>
-              </a:solidFill>
-              <a:latin typeface="Calibri" panose="020F0502020204030204" pitchFamily="34" charset="0"/>
-              <a:cs typeface="Calibri" panose="020F0502020204030204" pitchFamily="34" charset="0"/>
-            </a:endParaRPr>
-          </a:p>
-          <a:p>
-            <a:r>
-              <a:rPr lang="pt-BR" sz="2400" dirty="0" smtClean="0">
+              <a:t>• Recebe do banco o extratos dos boletos.</a:t>
+            </a:r>
+          </a:p>
+          <a:p>
+            <a:r>
+              <a:rPr lang="pt-BR" sz="2400" dirty="0">
                 <a:solidFill>
                   <a:srgbClr val="000000"/>
                 </a:solidFill>
@@ -6509,7 +7059,7 @@
           <p:cNvPr id="3" name="Espaço Reservado para Conteúdo 2">
             <a:extLst>
               <a:ext uri="{FF2B5EF4-FFF2-40B4-BE49-F238E27FC236}">
-                <a16:creationId xmlns="" xmlns:a16="http://schemas.microsoft.com/office/drawing/2014/main" id="{C18E07EE-E08B-4B80-91A0-E4B26E8BF698}"/>
+                <a16:creationId xmlns:a16="http://schemas.microsoft.com/office/drawing/2014/main" id="{C18E07EE-E08B-4B80-91A0-E4B26E8BF698}"/>
               </a:ext>
             </a:extLst>
           </p:cNvPr>
@@ -6711,37 +7261,7 @@
                 <a:latin typeface="Calibri" panose="020F0502020204030204" pitchFamily="34" charset="0"/>
                 <a:cs typeface="Calibri" panose="020F0502020204030204" pitchFamily="34" charset="0"/>
               </a:rPr>
-              <a:t>• </a:t>
-            </a:r>
-            <a:r>
-              <a:rPr lang="pt-BR" sz="2400" b="0" i="0" u="none" strike="noStrike" baseline="0" dirty="0" smtClean="0">
-                <a:solidFill>
-                  <a:srgbClr val="000000"/>
-                </a:solidFill>
-                <a:latin typeface="Calibri" panose="020F0502020204030204" pitchFamily="34" charset="0"/>
-                <a:cs typeface="Calibri" panose="020F0502020204030204" pitchFamily="34" charset="0"/>
-              </a:rPr>
-              <a:t>Verifica quais lojas estão com </a:t>
-            </a:r>
-            <a:r>
-              <a:rPr lang="pt-BR" sz="2400" b="0" i="0" u="none" strike="noStrike" baseline="0" dirty="0">
-                <a:solidFill>
-                  <a:srgbClr val="000000"/>
-                </a:solidFill>
-                <a:latin typeface="Calibri" panose="020F0502020204030204" pitchFamily="34" charset="0"/>
-                <a:cs typeface="Calibri" panose="020F0502020204030204" pitchFamily="34" charset="0"/>
-              </a:rPr>
-              <a:t>atrasos nos </a:t>
-            </a:r>
-            <a:r>
-              <a:rPr lang="pt-BR" sz="2400" b="0" i="0" u="none" strike="noStrike" baseline="0" dirty="0" smtClean="0">
-                <a:solidFill>
-                  <a:srgbClr val="000000"/>
-                </a:solidFill>
-                <a:latin typeface="Calibri" panose="020F0502020204030204" pitchFamily="34" charset="0"/>
-                <a:cs typeface="Calibri" panose="020F0502020204030204" pitchFamily="34" charset="0"/>
-              </a:rPr>
-              <a:t>pagamentos.</a:t>
+              <a:t>• Verifica quais lojas estão com atrasos nos pagamentos.</a:t>
             </a:r>
             <a:endParaRPr lang="pt-BR" sz="2400" dirty="0">
               <a:solidFill>
@@ -6788,7 +7308,7 @@
           <p:cNvPr id="3" name="Espaço Reservado para Conteúdo 2">
             <a:extLst>
               <a:ext uri="{FF2B5EF4-FFF2-40B4-BE49-F238E27FC236}">
-                <a16:creationId xmlns="" xmlns:a16="http://schemas.microsoft.com/office/drawing/2014/main" id="{C18E07EE-E08B-4B80-91A0-E4B26E8BF698}"/>
+                <a16:creationId xmlns:a16="http://schemas.microsoft.com/office/drawing/2014/main" id="{C18E07EE-E08B-4B80-91A0-E4B26E8BF698}"/>
               </a:ext>
             </a:extLst>
           </p:cNvPr>
@@ -6972,15 +7492,17 @@
               <a:t>• </a:t>
             </a:r>
             <a:r>
-              <a:rPr lang="pt-BR" sz="2400" dirty="0" smtClean="0">
+              <a:rPr lang="pt-BR" sz="2400" dirty="0">
                 <a:solidFill>
                   <a:srgbClr val="000000"/>
                 </a:solidFill>
                 <a:latin typeface="Calibri" panose="020F0502020204030204" pitchFamily="34" charset="0"/>
                 <a:cs typeface="Calibri" panose="020F0502020204030204" pitchFamily="34" charset="0"/>
               </a:rPr>
-              <a:t>Contatar </a:t>
-            </a:r>
+              <a:t>Contatar as lojas avisando que há atraso no pagamento.</a:t>
+            </a:r>
+          </a:p>
+          <a:p>
             <a:r>
               <a:rPr lang="pt-BR" sz="2400" dirty="0">
                 <a:solidFill>
@@ -6989,37 +7511,8 @@
                 <a:latin typeface="Calibri" panose="020F0502020204030204" pitchFamily="34" charset="0"/>
                 <a:cs typeface="Calibri" panose="020F0502020204030204" pitchFamily="34" charset="0"/>
               </a:rPr>
-              <a:t>as lojas avisando que há atraso no </a:t>
-            </a:r>
-            <a:r>
-              <a:rPr lang="pt-BR" sz="2400" dirty="0" smtClean="0">
-                <a:solidFill>
-                  <a:srgbClr val="000000"/>
-                </a:solidFill>
-                <a:latin typeface="Calibri" panose="020F0502020204030204" pitchFamily="34" charset="0"/>
-                <a:cs typeface="Calibri" panose="020F0502020204030204" pitchFamily="34" charset="0"/>
-              </a:rPr>
-              <a:t>pagamento.</a:t>
-            </a:r>
-          </a:p>
-          <a:p>
-            <a:r>
-              <a:rPr lang="pt-BR" sz="2400" dirty="0" smtClean="0">
-                <a:solidFill>
-                  <a:srgbClr val="000000"/>
-                </a:solidFill>
-                <a:latin typeface="Calibri" panose="020F0502020204030204" pitchFamily="34" charset="0"/>
-                <a:cs typeface="Calibri" panose="020F0502020204030204" pitchFamily="34" charset="0"/>
-              </a:rPr>
               <a:t>Oferece nova via do boleto com juros.</a:t>
             </a:r>
-            <a:endParaRPr lang="pt-BR" sz="2400" dirty="0">
-              <a:solidFill>
-                <a:srgbClr val="000000"/>
-              </a:solidFill>
-              <a:latin typeface="Calibri" panose="020F0502020204030204" pitchFamily="34" charset="0"/>
-              <a:cs typeface="Calibri" panose="020F0502020204030204" pitchFamily="34" charset="0"/>
-            </a:endParaRPr>
           </a:p>
         </p:txBody>
       </p:sp>
@@ -7058,7 +7551,7 @@
           <p:cNvPr id="3" name="Espaço Reservado para Conteúdo 2">
             <a:extLst>
               <a:ext uri="{FF2B5EF4-FFF2-40B4-BE49-F238E27FC236}">
-                <a16:creationId xmlns="" xmlns:a16="http://schemas.microsoft.com/office/drawing/2014/main" id="{C18E07EE-E08B-4B80-91A0-E4B26E8BF698}"/>
+                <a16:creationId xmlns:a16="http://schemas.microsoft.com/office/drawing/2014/main" id="{C18E07EE-E08B-4B80-91A0-E4B26E8BF698}"/>
               </a:ext>
             </a:extLst>
           </p:cNvPr>

--- a/artefatos/18 - Descrição de processos de Negócios.pptx
+++ b/artefatos/18 - Descrição de processos de Negócios.pptx
@@ -20,8 +20,8 @@
     <p:sldId id="272" r:id="rId14"/>
     <p:sldId id="273" r:id="rId15"/>
     <p:sldId id="275" r:id="rId16"/>
-    <p:sldId id="274" r:id="rId17"/>
-    <p:sldId id="276" r:id="rId18"/>
+    <p:sldId id="276" r:id="rId17"/>
+    <p:sldId id="274" r:id="rId18"/>
   </p:sldIdLst>
   <p:sldSz cx="12192000" cy="6858000"/>
   <p:notesSz cx="6858000" cy="9144000"/>
@@ -275,7 +275,7 @@
           <a:p>
             <a:fld id="{E078609E-2EB3-48C4-95D0-B9BD7D23E94C}" type="datetimeFigureOut">
               <a:rPr lang="pt-BR" smtClean="0"/>
-              <a:t>02/11/2020</a:t>
+              <a:t>04/11/2020</a:t>
             </a:fld>
             <a:endParaRPr lang="pt-BR"/>
           </a:p>
@@ -473,7 +473,7 @@
           <a:p>
             <a:fld id="{E078609E-2EB3-48C4-95D0-B9BD7D23E94C}" type="datetimeFigureOut">
               <a:rPr lang="pt-BR" smtClean="0"/>
-              <a:t>02/11/2020</a:t>
+              <a:t>04/11/2020</a:t>
             </a:fld>
             <a:endParaRPr lang="pt-BR"/>
           </a:p>
@@ -681,7 +681,7 @@
           <a:p>
             <a:fld id="{E078609E-2EB3-48C4-95D0-B9BD7D23E94C}" type="datetimeFigureOut">
               <a:rPr lang="pt-BR" smtClean="0"/>
-              <a:t>02/11/2020</a:t>
+              <a:t>04/11/2020</a:t>
             </a:fld>
             <a:endParaRPr lang="pt-BR"/>
           </a:p>
@@ -879,7 +879,7 @@
           <a:p>
             <a:fld id="{E078609E-2EB3-48C4-95D0-B9BD7D23E94C}" type="datetimeFigureOut">
               <a:rPr lang="pt-BR" smtClean="0"/>
-              <a:t>02/11/2020</a:t>
+              <a:t>04/11/2020</a:t>
             </a:fld>
             <a:endParaRPr lang="pt-BR"/>
           </a:p>
@@ -1154,7 +1154,7 @@
           <a:p>
             <a:fld id="{E078609E-2EB3-48C4-95D0-B9BD7D23E94C}" type="datetimeFigureOut">
               <a:rPr lang="pt-BR" smtClean="0"/>
-              <a:t>02/11/2020</a:t>
+              <a:t>04/11/2020</a:t>
             </a:fld>
             <a:endParaRPr lang="pt-BR"/>
           </a:p>
@@ -1419,7 +1419,7 @@
           <a:p>
             <a:fld id="{E078609E-2EB3-48C4-95D0-B9BD7D23E94C}" type="datetimeFigureOut">
               <a:rPr lang="pt-BR" smtClean="0"/>
-              <a:t>02/11/2020</a:t>
+              <a:t>04/11/2020</a:t>
             </a:fld>
             <a:endParaRPr lang="pt-BR"/>
           </a:p>
@@ -1831,7 +1831,7 @@
           <a:p>
             <a:fld id="{E078609E-2EB3-48C4-95D0-B9BD7D23E94C}" type="datetimeFigureOut">
               <a:rPr lang="pt-BR" smtClean="0"/>
-              <a:t>02/11/2020</a:t>
+              <a:t>04/11/2020</a:t>
             </a:fld>
             <a:endParaRPr lang="pt-BR"/>
           </a:p>
@@ -1972,7 +1972,7 @@
           <a:p>
             <a:fld id="{E078609E-2EB3-48C4-95D0-B9BD7D23E94C}" type="datetimeFigureOut">
               <a:rPr lang="pt-BR" smtClean="0"/>
-              <a:t>02/11/2020</a:t>
+              <a:t>04/11/2020</a:t>
             </a:fld>
             <a:endParaRPr lang="pt-BR"/>
           </a:p>
@@ -2085,7 +2085,7 @@
           <a:p>
             <a:fld id="{E078609E-2EB3-48C4-95D0-B9BD7D23E94C}" type="datetimeFigureOut">
               <a:rPr lang="pt-BR" smtClean="0"/>
-              <a:t>02/11/2020</a:t>
+              <a:t>04/11/2020</a:t>
             </a:fld>
             <a:endParaRPr lang="pt-BR"/>
           </a:p>
@@ -2396,7 +2396,7 @@
           <a:p>
             <a:fld id="{E078609E-2EB3-48C4-95D0-B9BD7D23E94C}" type="datetimeFigureOut">
               <a:rPr lang="pt-BR" smtClean="0"/>
-              <a:t>02/11/2020</a:t>
+              <a:t>04/11/2020</a:t>
             </a:fld>
             <a:endParaRPr lang="pt-BR"/>
           </a:p>
@@ -2684,7 +2684,7 @@
           <a:p>
             <a:fld id="{E078609E-2EB3-48C4-95D0-B9BD7D23E94C}" type="datetimeFigureOut">
               <a:rPr lang="pt-BR" smtClean="0"/>
-              <a:t>02/11/2020</a:t>
+              <a:t>04/11/2020</a:t>
             </a:fld>
             <a:endParaRPr lang="pt-BR"/>
           </a:p>
@@ -2925,7 +2925,7 @@
           <a:p>
             <a:fld id="{E078609E-2EB3-48C4-95D0-B9BD7D23E94C}" type="datetimeFigureOut">
               <a:rPr lang="pt-BR" smtClean="0"/>
-              <a:t>02/11/2020</a:t>
+              <a:t>04/11/2020</a:t>
             </a:fld>
             <a:endParaRPr lang="pt-BR"/>
           </a:p>
@@ -5226,7 +5226,7 @@
                 <a:latin typeface="Calibri" panose="020F0502020204030204" pitchFamily="34" charset="0"/>
                 <a:cs typeface="Calibri" panose="020F0502020204030204" pitchFamily="34" charset="0"/>
               </a:rPr>
-              <a:t>•Recebe a solicitação de cancelamento do pedido.</a:t>
+              <a:t>• Recebe a solicitação de cancelamento do pedido.</a:t>
             </a:r>
           </a:p>
           <a:p>
@@ -5238,19 +5238,7 @@
                 <a:latin typeface="Calibri" panose="020F0502020204030204" pitchFamily="34" charset="0"/>
                 <a:cs typeface="Calibri" panose="020F0502020204030204" pitchFamily="34" charset="0"/>
               </a:rPr>
-              <a:t>Consulta a loja que realizou o pedido .</a:t>
-            </a:r>
-          </a:p>
-          <a:p>
-            <a:r>
-              <a:rPr lang="pt-BR" sz="2400" dirty="0">
-                <a:solidFill>
-                  <a:srgbClr val="000000"/>
-                </a:solidFill>
-                <a:latin typeface="Calibri" panose="020F0502020204030204" pitchFamily="34" charset="0"/>
-                <a:cs typeface="Calibri" panose="020F0502020204030204" pitchFamily="34" charset="0"/>
-              </a:rPr>
-              <a:t>Consulta as informações do pedido a ser cancelado.</a:t>
+              <a:t>Guarda as informações de solicitação de cancelamento.</a:t>
             </a:r>
           </a:p>
         </p:txBody>
@@ -5332,7 +5320,7 @@
                 </a:solidFill>
                 <a:latin typeface="Arial" panose="020B0604020202020204" pitchFamily="34" charset="0"/>
               </a:rPr>
-              <a:t> 					             </a:t>
+              <a:t>					             </a:t>
             </a:r>
             <a:r>
               <a:rPr lang="pt-BR" b="1" i="0" u="none" strike="noStrike" baseline="0" dirty="0">
@@ -5366,7 +5354,7 @@
                 </a:solidFill>
                 <a:latin typeface="Calibri" panose="020F0502020204030204" pitchFamily="34" charset="0"/>
               </a:rPr>
-              <a:t>Cancelar a Nota Fiscal do pedido</a:t>
+              <a:t>Cancelar pedido</a:t>
             </a:r>
             <a:endParaRPr lang="pt-BR" sz="2400" b="1" i="0" u="none" strike="noStrike" baseline="0" dirty="0">
               <a:solidFill>
@@ -5389,120 +5377,147 @@
               <a:t>Evento: </a:t>
             </a:r>
             <a:r>
+              <a:rPr lang="pt-BR" sz="2400" i="0" u="none" strike="noStrike" baseline="0" dirty="0">
+                <a:solidFill>
+                  <a:srgbClr val="000000"/>
+                </a:solidFill>
+                <a:latin typeface="Calibri" panose="020F0502020204030204" pitchFamily="34" charset="0"/>
+              </a:rPr>
+              <a:t>Cancelamento do pedido</a:t>
+            </a:r>
+          </a:p>
+          <a:p>
+            <a:pPr marL="0" indent="0">
+              <a:buNone/>
+            </a:pPr>
+            <a:r>
+              <a:rPr lang="pt-BR" sz="2400" b="1" i="0" u="none" strike="noStrike" baseline="0" dirty="0">
+                <a:solidFill>
+                  <a:srgbClr val="000000"/>
+                </a:solidFill>
+                <a:latin typeface="Calibri" panose="020F0502020204030204" pitchFamily="34" charset="0"/>
+              </a:rPr>
+              <a:t>Objetivo: Realizar cancelamento do pedido.</a:t>
+            </a:r>
+          </a:p>
+          <a:p>
+            <a:pPr marL="0" indent="0">
+              <a:buNone/>
+            </a:pPr>
+            <a:r>
+              <a:rPr lang="pt-BR" sz="2400" b="1" i="0" u="none" strike="noStrike" baseline="0" dirty="0">
+                <a:solidFill>
+                  <a:srgbClr val="000000"/>
+                </a:solidFill>
+                <a:latin typeface="Calibri" panose="020F0502020204030204" pitchFamily="34" charset="0"/>
+              </a:rPr>
+              <a:t>Trabalhadores envolvidos: </a:t>
+            </a:r>
+            <a:r>
+              <a:rPr lang="pt-BR" sz="2400" i="0" u="none" strike="noStrike" baseline="0" dirty="0">
+                <a:solidFill>
+                  <a:srgbClr val="000000"/>
+                </a:solidFill>
+                <a:latin typeface="Calibri" panose="020F0502020204030204" pitchFamily="34" charset="0"/>
+              </a:rPr>
+              <a:t>Analista</a:t>
+            </a:r>
+            <a:r>
+              <a:rPr lang="pt-BR" sz="2400" b="1" i="0" u="none" strike="noStrike" baseline="0" dirty="0">
+                <a:solidFill>
+                  <a:srgbClr val="000000"/>
+                </a:solidFill>
+                <a:latin typeface="Calibri" panose="020F0502020204030204" pitchFamily="34" charset="0"/>
+              </a:rPr>
+              <a:t> </a:t>
+            </a:r>
+            <a:r>
+              <a:rPr lang="pt-BR" sz="2400" b="0" i="0" u="none" strike="noStrike" baseline="0" dirty="0">
+                <a:solidFill>
+                  <a:srgbClr val="000000"/>
+                </a:solidFill>
+                <a:latin typeface="Calibri" panose="020F0502020204030204" pitchFamily="34" charset="0"/>
+              </a:rPr>
+              <a:t>Financeiro </a:t>
+            </a:r>
+          </a:p>
+          <a:p>
+            <a:pPr marL="0" indent="0">
+              <a:buNone/>
+            </a:pPr>
+            <a:r>
+              <a:rPr lang="pt-BR" sz="2400" b="0" i="0" u="none" strike="noStrike" baseline="0" dirty="0">
+                <a:solidFill>
+                  <a:srgbClr val="000000"/>
+                </a:solidFill>
+                <a:latin typeface="Calibri" panose="020F0502020204030204" pitchFamily="34" charset="0"/>
+                <a:cs typeface="Calibri" panose="020F0502020204030204" pitchFamily="34" charset="0"/>
+              </a:rPr>
+              <a:t>• Consult</a:t>
+            </a:r>
+            <a:r>
               <a:rPr lang="pt-BR" sz="2400" dirty="0">
                 <a:solidFill>
                   <a:srgbClr val="000000"/>
                 </a:solidFill>
                 <a:latin typeface="Calibri" panose="020F0502020204030204" pitchFamily="34" charset="0"/>
-              </a:rPr>
-              <a:t>Realização do cancelamento da nota fiscal.</a:t>
-            </a:r>
-            <a:endParaRPr lang="pt-BR" sz="2400" i="0" u="none" strike="noStrike" baseline="0" dirty="0">
-              <a:solidFill>
-                <a:srgbClr val="000000"/>
-              </a:solidFill>
-              <a:latin typeface="Calibri" panose="020F0502020204030204" pitchFamily="34" charset="0"/>
-            </a:endParaRPr>
-          </a:p>
-          <a:p>
-            <a:pPr marL="0" indent="0">
-              <a:buNone/>
-            </a:pPr>
-            <a:r>
-              <a:rPr lang="pt-BR" sz="2400" b="1" i="0" u="none" strike="noStrike" baseline="0" dirty="0">
-                <a:solidFill>
-                  <a:srgbClr val="000000"/>
-                </a:solidFill>
-                <a:latin typeface="Calibri" panose="020F0502020204030204" pitchFamily="34" charset="0"/>
-              </a:rPr>
-              <a:t>Objetivo: Realizar cancelamento da nota fiscal.</a:t>
-            </a:r>
-            <a:endParaRPr lang="pt-BR" sz="2400" b="1" dirty="0">
-              <a:solidFill>
-                <a:srgbClr val="000000"/>
-              </a:solidFill>
-              <a:latin typeface="Calibri" panose="020F0502020204030204" pitchFamily="34" charset="0"/>
-            </a:endParaRPr>
-          </a:p>
-          <a:p>
-            <a:pPr marL="0" indent="0">
-              <a:buNone/>
-            </a:pPr>
-            <a:r>
-              <a:rPr lang="pt-BR" sz="2400" b="1" i="0" u="none" strike="noStrike" baseline="0" dirty="0">
-                <a:solidFill>
-                  <a:srgbClr val="000000"/>
-                </a:solidFill>
-                <a:latin typeface="Calibri" panose="020F0502020204030204" pitchFamily="34" charset="0"/>
-              </a:rPr>
-              <a:t>Trabalhadores envolvidos: </a:t>
-            </a:r>
-            <a:r>
-              <a:rPr lang="pt-BR" sz="2400" i="0" u="none" strike="noStrike" baseline="0" dirty="0">
-                <a:solidFill>
-                  <a:srgbClr val="000000"/>
-                </a:solidFill>
-                <a:latin typeface="Calibri" panose="020F0502020204030204" pitchFamily="34" charset="0"/>
-              </a:rPr>
-              <a:t>Analista</a:t>
-            </a:r>
-            <a:r>
-              <a:rPr lang="pt-BR" sz="2400" b="1" i="0" u="none" strike="noStrike" baseline="0" dirty="0">
-                <a:solidFill>
-                  <a:srgbClr val="000000"/>
-                </a:solidFill>
-                <a:latin typeface="Calibri" panose="020F0502020204030204" pitchFamily="34" charset="0"/>
+                <a:cs typeface="Calibri" panose="020F0502020204030204" pitchFamily="34" charset="0"/>
+              </a:rPr>
+              <a:t>a informações da solicitação de cancelamento.</a:t>
+            </a:r>
+          </a:p>
+          <a:p>
+            <a:r>
+              <a:rPr lang="pt-BR" sz="2400" dirty="0">
+                <a:solidFill>
+                  <a:srgbClr val="000000"/>
+                </a:solidFill>
+                <a:latin typeface="Calibri" panose="020F0502020204030204" pitchFamily="34" charset="0"/>
+                <a:cs typeface="Calibri" panose="020F0502020204030204" pitchFamily="34" charset="0"/>
+              </a:rPr>
+              <a:t>Consulta informações de loja e  pedido.</a:t>
+            </a:r>
+          </a:p>
+          <a:p>
+            <a:r>
+              <a:rPr lang="pt-BR" sz="2400" b="0" i="0" u="none" strike="noStrike" baseline="0" dirty="0">
+                <a:solidFill>
+                  <a:srgbClr val="000000"/>
+                </a:solidFill>
+                <a:latin typeface="Calibri" panose="020F0502020204030204" pitchFamily="34" charset="0"/>
+                <a:cs typeface="Calibri" panose="020F0502020204030204" pitchFamily="34" charset="0"/>
+              </a:rPr>
+              <a:t>Recusa solicitação de cancelamento caso haja alguma divergência.</a:t>
+            </a:r>
+          </a:p>
+          <a:p>
+            <a:r>
+              <a:rPr lang="pt-BR" sz="2400" dirty="0">
+                <a:solidFill>
+                  <a:srgbClr val="000000"/>
+                </a:solidFill>
+                <a:latin typeface="Calibri" panose="020F0502020204030204" pitchFamily="34" charset="0"/>
+                <a:cs typeface="Calibri" panose="020F0502020204030204" pitchFamily="34" charset="0"/>
+              </a:rPr>
+              <a:t>Se não houver divergências ele confirma o cancelamento.</a:t>
+            </a:r>
+            <a:r>
+              <a:rPr lang="pt-BR" sz="2400" b="0" i="0" u="none" strike="noStrike" baseline="0" dirty="0">
+                <a:solidFill>
+                  <a:srgbClr val="000000"/>
+                </a:solidFill>
+                <a:latin typeface="Calibri" panose="020F0502020204030204" pitchFamily="34" charset="0"/>
+                <a:cs typeface="Calibri" panose="020F0502020204030204" pitchFamily="34" charset="0"/>
               </a:rPr>
               <a:t> </a:t>
             </a:r>
-            <a:r>
-              <a:rPr lang="pt-BR" sz="2400" b="0" i="0" u="none" strike="noStrike" baseline="0" dirty="0">
-                <a:solidFill>
-                  <a:srgbClr val="000000"/>
-                </a:solidFill>
-                <a:latin typeface="Calibri" panose="020F0502020204030204" pitchFamily="34" charset="0"/>
-              </a:rPr>
-              <a:t>Financeiro </a:t>
-            </a:r>
-          </a:p>
-          <a:p>
-            <a:pPr marL="0" indent="0">
-              <a:buNone/>
-            </a:pPr>
-            <a:r>
-              <a:rPr lang="pt-BR" sz="2400" b="0" i="0" u="none" strike="noStrike" baseline="0" dirty="0">
-                <a:solidFill>
-                  <a:srgbClr val="000000"/>
-                </a:solidFill>
-                <a:latin typeface="Calibri" panose="020F0502020204030204" pitchFamily="34" charset="0"/>
-                <a:cs typeface="Calibri" panose="020F0502020204030204" pitchFamily="34" charset="0"/>
-              </a:rPr>
-              <a:t>•Consult</a:t>
-            </a:r>
-            <a:r>
-              <a:rPr lang="pt-BR" sz="2400" dirty="0">
-                <a:solidFill>
-                  <a:srgbClr val="000000"/>
-                </a:solidFill>
-                <a:latin typeface="Calibri" panose="020F0502020204030204" pitchFamily="34" charset="0"/>
-                <a:cs typeface="Calibri" panose="020F0502020204030204" pitchFamily="34" charset="0"/>
-              </a:rPr>
-              <a:t>a informações do pedido para cancelar nota fiscal.</a:t>
-            </a:r>
-            <a:endParaRPr lang="pt-BR" sz="2400" b="0" i="0" u="none" strike="noStrike" baseline="0" dirty="0">
-              <a:solidFill>
-                <a:srgbClr val="000000"/>
-              </a:solidFill>
-              <a:latin typeface="Calibri" panose="020F0502020204030204" pitchFamily="34" charset="0"/>
-              <a:cs typeface="Calibri" panose="020F0502020204030204" pitchFamily="34" charset="0"/>
-            </a:endParaRPr>
           </a:p>
         </p:txBody>
       </p:sp>
     </p:spTree>
     <p:extLst>
       <p:ext uri="{BB962C8B-B14F-4D97-AF65-F5344CB8AC3E}">
-        <p14:creationId xmlns:p14="http://schemas.microsoft.com/office/powerpoint/2010/main" val="2540888946"/>
+        <p14:creationId xmlns:p14="http://schemas.microsoft.com/office/powerpoint/2010/main" val="1884437551"/>
       </p:ext>
     </p:extLst>
   </p:cSld>
@@ -5576,7 +5591,7 @@
                 </a:solidFill>
                 <a:latin typeface="Arial" panose="020B0604020202020204" pitchFamily="34" charset="0"/>
               </a:rPr>
-              <a:t>					             </a:t>
+              <a:t> 					             </a:t>
             </a:r>
             <a:r>
               <a:rPr lang="pt-BR" b="1" i="0" u="none" strike="noStrike" baseline="0" dirty="0">
@@ -5610,7 +5625,7 @@
                 </a:solidFill>
                 <a:latin typeface="Calibri" panose="020F0502020204030204" pitchFamily="34" charset="0"/>
               </a:rPr>
-              <a:t>Cancelar pedido</a:t>
+              <a:t>Cancelar a Nota Fiscal do pedido</a:t>
             </a:r>
             <a:endParaRPr lang="pt-BR" sz="2400" b="1" i="0" u="none" strike="noStrike" baseline="0" dirty="0">
               <a:solidFill>
@@ -5633,19 +5648,63 @@
               <a:t>Evento: </a:t>
             </a:r>
             <a:r>
+              <a:rPr lang="pt-BR" sz="2400" dirty="0">
+                <a:solidFill>
+                  <a:srgbClr val="000000"/>
+                </a:solidFill>
+                <a:latin typeface="Calibri" panose="020F0502020204030204" pitchFamily="34" charset="0"/>
+              </a:rPr>
+              <a:t>Realização do cancelamento da nota fiscal.</a:t>
+            </a:r>
+            <a:endParaRPr lang="pt-BR" sz="2400" i="0" u="none" strike="noStrike" baseline="0" dirty="0">
+              <a:solidFill>
+                <a:srgbClr val="000000"/>
+              </a:solidFill>
+              <a:latin typeface="Calibri" panose="020F0502020204030204" pitchFamily="34" charset="0"/>
+            </a:endParaRPr>
+          </a:p>
+          <a:p>
+            <a:pPr marL="0" indent="0">
+              <a:buNone/>
+            </a:pPr>
+            <a:r>
+              <a:rPr lang="pt-BR" sz="2400" b="1" i="0" u="none" strike="noStrike" baseline="0" dirty="0">
+                <a:solidFill>
+                  <a:srgbClr val="000000"/>
+                </a:solidFill>
+                <a:latin typeface="Calibri" panose="020F0502020204030204" pitchFamily="34" charset="0"/>
+              </a:rPr>
+              <a:t>Objetivo: Realizar cancelamento da nota fiscal.</a:t>
+            </a:r>
+            <a:endParaRPr lang="pt-BR" sz="2400" b="1" dirty="0">
+              <a:solidFill>
+                <a:srgbClr val="000000"/>
+              </a:solidFill>
+              <a:latin typeface="Calibri" panose="020F0502020204030204" pitchFamily="34" charset="0"/>
+            </a:endParaRPr>
+          </a:p>
+          <a:p>
+            <a:pPr marL="0" indent="0">
+              <a:buNone/>
+            </a:pPr>
+            <a:r>
+              <a:rPr lang="pt-BR" sz="2400" b="1" i="0" u="none" strike="noStrike" baseline="0" dirty="0">
+                <a:solidFill>
+                  <a:srgbClr val="000000"/>
+                </a:solidFill>
+                <a:latin typeface="Calibri" panose="020F0502020204030204" pitchFamily="34" charset="0"/>
+              </a:rPr>
+              <a:t>Trabalhadores envolvidos: </a:t>
+            </a:r>
+            <a:r>
               <a:rPr lang="pt-BR" sz="2400" i="0" u="none" strike="noStrike" baseline="0" dirty="0">
                 <a:solidFill>
                   <a:srgbClr val="000000"/>
                 </a:solidFill>
                 <a:latin typeface="Calibri" panose="020F0502020204030204" pitchFamily="34" charset="0"/>
               </a:rPr>
-              <a:t>Cancelamento do pedido</a:t>
-            </a:r>
-          </a:p>
-          <a:p>
-            <a:pPr marL="0" indent="0">
-              <a:buNone/>
-            </a:pPr>
+              <a:t>Analista</a:t>
+            </a:r>
             <a:r>
               <a:rPr lang="pt-BR" sz="2400" b="1" i="0" u="none" strike="noStrike" baseline="0" dirty="0">
                 <a:solidFill>
@@ -5653,38 +5712,6 @@
                 </a:solidFill>
                 <a:latin typeface="Calibri" panose="020F0502020204030204" pitchFamily="34" charset="0"/>
               </a:rPr>
-              <a:t>Objetivo: Realizar cancelamento do pedido.</a:t>
-            </a:r>
-          </a:p>
-          <a:p>
-            <a:pPr marL="0" indent="0">
-              <a:buNone/>
-            </a:pPr>
-            <a:r>
-              <a:rPr lang="pt-BR" sz="2400" b="1" i="0" u="none" strike="noStrike" baseline="0" dirty="0">
-                <a:solidFill>
-                  <a:srgbClr val="000000"/>
-                </a:solidFill>
-                <a:latin typeface="Calibri" panose="020F0502020204030204" pitchFamily="34" charset="0"/>
-              </a:rPr>
-              <a:t>Trabalhadores envolvidos: </a:t>
-            </a:r>
-            <a:r>
-              <a:rPr lang="pt-BR" sz="2400" i="0" u="none" strike="noStrike" baseline="0" dirty="0">
-                <a:solidFill>
-                  <a:srgbClr val="000000"/>
-                </a:solidFill>
-                <a:latin typeface="Calibri" panose="020F0502020204030204" pitchFamily="34" charset="0"/>
-              </a:rPr>
-              <a:t>Analista</a:t>
-            </a:r>
-            <a:r>
-              <a:rPr lang="pt-BR" sz="2400" b="1" i="0" u="none" strike="noStrike" baseline="0" dirty="0">
-                <a:solidFill>
-                  <a:srgbClr val="000000"/>
-                </a:solidFill>
-                <a:latin typeface="Calibri" panose="020F0502020204030204" pitchFamily="34" charset="0"/>
-              </a:rPr>
               <a:t> </a:t>
             </a:r>
             <a:r>
@@ -5698,9 +5725,6 @@
             </a:r>
           </a:p>
           <a:p>
-            <a:pPr marL="0" indent="0">
-              <a:buNone/>
-            </a:pPr>
             <a:r>
               <a:rPr lang="pt-BR" sz="2400" b="0" i="0" u="none" strike="noStrike" baseline="0" dirty="0">
                 <a:solidFill>
@@ -5719,7 +5743,7 @@
                 <a:latin typeface="Calibri" panose="020F0502020204030204" pitchFamily="34" charset="0"/>
                 <a:cs typeface="Calibri" panose="020F0502020204030204" pitchFamily="34" charset="0"/>
               </a:rPr>
-              <a:t>a informações da loja para cancelar pedido.</a:t>
+              <a:t>a informações da solicitação de cancelamento.</a:t>
             </a:r>
           </a:p>
           <a:p>
@@ -5731,41 +5755,31 @@
                 <a:latin typeface="Calibri" panose="020F0502020204030204" pitchFamily="34" charset="0"/>
                 <a:cs typeface="Calibri" panose="020F0502020204030204" pitchFamily="34" charset="0"/>
               </a:rPr>
-              <a:t>Consulta informações de pedido para cancelamento.</a:t>
-            </a:r>
-          </a:p>
-          <a:p>
-            <a:r>
-              <a:rPr lang="pt-BR" sz="2400" b="0" i="0" u="none" strike="noStrike" baseline="0" dirty="0">
+              <a:t>Altera status da solicitação de cancelamento.</a:t>
+            </a:r>
+          </a:p>
+          <a:p>
+            <a:r>
+              <a:rPr lang="pt-BR" sz="2400" dirty="0">
                 <a:solidFill>
                   <a:srgbClr val="000000"/>
                 </a:solidFill>
                 <a:latin typeface="Calibri" panose="020F0502020204030204" pitchFamily="34" charset="0"/>
                 <a:cs typeface="Calibri" panose="020F0502020204030204" pitchFamily="34" charset="0"/>
               </a:rPr>
-              <a:t>Consulta as informações do fina</a:t>
-            </a:r>
-            <a:r>
-              <a:rPr lang="pt-BR" sz="2400" dirty="0">
+              <a:t>Solicita ao responsável pelo departamento o cancelamento </a:t>
+            </a:r>
+            <a:r>
+              <a:rPr lang="pt-BR" sz="2400">
                 <a:solidFill>
                   <a:srgbClr val="000000"/>
                 </a:solidFill>
                 <a:latin typeface="Calibri" panose="020F0502020204030204" pitchFamily="34" charset="0"/>
                 <a:cs typeface="Calibri" panose="020F0502020204030204" pitchFamily="34" charset="0"/>
               </a:rPr>
-              <a:t>nceiro para </a:t>
-            </a:r>
-            <a:r>
-              <a:rPr lang="pt-BR" sz="2400">
-                <a:solidFill>
-                  <a:srgbClr val="000000"/>
-                </a:solidFill>
-                <a:latin typeface="Calibri" panose="020F0502020204030204" pitchFamily="34" charset="0"/>
-                <a:cs typeface="Calibri" panose="020F0502020204030204" pitchFamily="34" charset="0"/>
-              </a:rPr>
-              <a:t>cancelar pedido.</a:t>
-            </a:r>
-            <a:endParaRPr lang="pt-BR" sz="2400" b="0" i="0" u="none" strike="noStrike" baseline="0" dirty="0">
+              <a:t>da nota.</a:t>
+            </a:r>
+            <a:endParaRPr lang="pt-BR" sz="2400" dirty="0">
               <a:solidFill>
                 <a:srgbClr val="000000"/>
               </a:solidFill>
@@ -5778,7 +5792,7 @@
     </p:spTree>
     <p:extLst>
       <p:ext uri="{BB962C8B-B14F-4D97-AF65-F5344CB8AC3E}">
-        <p14:creationId xmlns:p14="http://schemas.microsoft.com/office/powerpoint/2010/main" val="1884437551"/>
+        <p14:creationId xmlns:p14="http://schemas.microsoft.com/office/powerpoint/2010/main" val="2540888946"/>
       </p:ext>
     </p:extLst>
   </p:cSld>

--- a/artefatos/18 - Descrição de processos de Negócios.pptx
+++ b/artefatos/18 - Descrição de processos de Negócios.pptx
@@ -275,7 +275,7 @@
           <a:p>
             <a:fld id="{E078609E-2EB3-48C4-95D0-B9BD7D23E94C}" type="datetimeFigureOut">
               <a:rPr lang="pt-BR" smtClean="0"/>
-              <a:t>04/11/2020</a:t>
+              <a:t>11/11/2020</a:t>
             </a:fld>
             <a:endParaRPr lang="pt-BR"/>
           </a:p>
@@ -473,7 +473,7 @@
           <a:p>
             <a:fld id="{E078609E-2EB3-48C4-95D0-B9BD7D23E94C}" type="datetimeFigureOut">
               <a:rPr lang="pt-BR" smtClean="0"/>
-              <a:t>04/11/2020</a:t>
+              <a:t>11/11/2020</a:t>
             </a:fld>
             <a:endParaRPr lang="pt-BR"/>
           </a:p>
@@ -681,7 +681,7 @@
           <a:p>
             <a:fld id="{E078609E-2EB3-48C4-95D0-B9BD7D23E94C}" type="datetimeFigureOut">
               <a:rPr lang="pt-BR" smtClean="0"/>
-              <a:t>04/11/2020</a:t>
+              <a:t>11/11/2020</a:t>
             </a:fld>
             <a:endParaRPr lang="pt-BR"/>
           </a:p>
@@ -879,7 +879,7 @@
           <a:p>
             <a:fld id="{E078609E-2EB3-48C4-95D0-B9BD7D23E94C}" type="datetimeFigureOut">
               <a:rPr lang="pt-BR" smtClean="0"/>
-              <a:t>04/11/2020</a:t>
+              <a:t>11/11/2020</a:t>
             </a:fld>
             <a:endParaRPr lang="pt-BR"/>
           </a:p>
@@ -1154,7 +1154,7 @@
           <a:p>
             <a:fld id="{E078609E-2EB3-48C4-95D0-B9BD7D23E94C}" type="datetimeFigureOut">
               <a:rPr lang="pt-BR" smtClean="0"/>
-              <a:t>04/11/2020</a:t>
+              <a:t>11/11/2020</a:t>
             </a:fld>
             <a:endParaRPr lang="pt-BR"/>
           </a:p>
@@ -1419,7 +1419,7 @@
           <a:p>
             <a:fld id="{E078609E-2EB3-48C4-95D0-B9BD7D23E94C}" type="datetimeFigureOut">
               <a:rPr lang="pt-BR" smtClean="0"/>
-              <a:t>04/11/2020</a:t>
+              <a:t>11/11/2020</a:t>
             </a:fld>
             <a:endParaRPr lang="pt-BR"/>
           </a:p>
@@ -1831,7 +1831,7 @@
           <a:p>
             <a:fld id="{E078609E-2EB3-48C4-95D0-B9BD7D23E94C}" type="datetimeFigureOut">
               <a:rPr lang="pt-BR" smtClean="0"/>
-              <a:t>04/11/2020</a:t>
+              <a:t>11/11/2020</a:t>
             </a:fld>
             <a:endParaRPr lang="pt-BR"/>
           </a:p>
@@ -1972,7 +1972,7 @@
           <a:p>
             <a:fld id="{E078609E-2EB3-48C4-95D0-B9BD7D23E94C}" type="datetimeFigureOut">
               <a:rPr lang="pt-BR" smtClean="0"/>
-              <a:t>04/11/2020</a:t>
+              <a:t>11/11/2020</a:t>
             </a:fld>
             <a:endParaRPr lang="pt-BR"/>
           </a:p>
@@ -2085,7 +2085,7 @@
           <a:p>
             <a:fld id="{E078609E-2EB3-48C4-95D0-B9BD7D23E94C}" type="datetimeFigureOut">
               <a:rPr lang="pt-BR" smtClean="0"/>
-              <a:t>04/11/2020</a:t>
+              <a:t>11/11/2020</a:t>
             </a:fld>
             <a:endParaRPr lang="pt-BR"/>
           </a:p>
@@ -2396,7 +2396,7 @@
           <a:p>
             <a:fld id="{E078609E-2EB3-48C4-95D0-B9BD7D23E94C}" type="datetimeFigureOut">
               <a:rPr lang="pt-BR" smtClean="0"/>
-              <a:t>04/11/2020</a:t>
+              <a:t>11/11/2020</a:t>
             </a:fld>
             <a:endParaRPr lang="pt-BR"/>
           </a:p>
@@ -2684,7 +2684,7 @@
           <a:p>
             <a:fld id="{E078609E-2EB3-48C4-95D0-B9BD7D23E94C}" type="datetimeFigureOut">
               <a:rPr lang="pt-BR" smtClean="0"/>
-              <a:t>04/11/2020</a:t>
+              <a:t>11/11/2020</a:t>
             </a:fld>
             <a:endParaRPr lang="pt-BR"/>
           </a:p>
@@ -2925,7 +2925,7 @@
           <a:p>
             <a:fld id="{E078609E-2EB3-48C4-95D0-B9BD7D23E94C}" type="datetimeFigureOut">
               <a:rPr lang="pt-BR" smtClean="0"/>
-              <a:t>04/11/2020</a:t>
+              <a:t>11/11/2020</a:t>
             </a:fld>
             <a:endParaRPr lang="pt-BR"/>
           </a:p>
@@ -6175,7 +6175,25 @@
                 </a:solidFill>
                 <a:latin typeface="Calibri" panose="020F0502020204030204" pitchFamily="34" charset="0"/>
               </a:rPr>
-              <a:t>Evento: </a:t>
+              <a:t>Evento</a:t>
+            </a:r>
+            <a:r>
+              <a:rPr lang="pt-BR" sz="2400" b="1" i="0" u="none" strike="noStrike" baseline="0">
+                <a:solidFill>
+                  <a:srgbClr val="000000"/>
+                </a:solidFill>
+                <a:latin typeface="Calibri" panose="020F0502020204030204" pitchFamily="34" charset="0"/>
+              </a:rPr>
+              <a:t>: </a:t>
+            </a:r>
+            <a:r>
+              <a:rPr lang="pt-BR" sz="2400" i="0" u="none" strike="noStrike" baseline="0">
+                <a:solidFill>
+                  <a:srgbClr val="000000"/>
+                </a:solidFill>
+                <a:latin typeface="Calibri" panose="020F0502020204030204" pitchFamily="34" charset="0"/>
+              </a:rPr>
+              <a:t>Loja </a:t>
             </a:r>
             <a:r>
               <a:rPr lang="pt-BR" sz="2400" i="0" u="none" strike="noStrike" baseline="0" dirty="0">
@@ -6184,7 +6202,7 @@
                 </a:solidFill>
                 <a:latin typeface="Calibri" panose="020F0502020204030204" pitchFamily="34" charset="0"/>
               </a:rPr>
-              <a:t>Fábrica trata resposta ao orçamento</a:t>
+              <a:t>trata resposta ao orçamento</a:t>
             </a:r>
           </a:p>
           <a:p>

--- a/artefatos/18 - Descrição de processos de Negócios.pptx
+++ b/artefatos/18 - Descrição de processos de Negócios.pptx
@@ -12,16 +12,14 @@
     <p:sldId id="259" r:id="rId6"/>
     <p:sldId id="260" r:id="rId7"/>
     <p:sldId id="261" r:id="rId8"/>
-    <p:sldId id="265" r:id="rId9"/>
-    <p:sldId id="266" r:id="rId10"/>
-    <p:sldId id="267" r:id="rId11"/>
-    <p:sldId id="269" r:id="rId12"/>
-    <p:sldId id="271" r:id="rId13"/>
-    <p:sldId id="272" r:id="rId14"/>
-    <p:sldId id="273" r:id="rId15"/>
-    <p:sldId id="275" r:id="rId16"/>
-    <p:sldId id="276" r:id="rId17"/>
-    <p:sldId id="274" r:id="rId18"/>
+    <p:sldId id="266" r:id="rId9"/>
+    <p:sldId id="269" r:id="rId10"/>
+    <p:sldId id="271" r:id="rId11"/>
+    <p:sldId id="272" r:id="rId12"/>
+    <p:sldId id="273" r:id="rId13"/>
+    <p:sldId id="275" r:id="rId14"/>
+    <p:sldId id="276" r:id="rId15"/>
+    <p:sldId id="274" r:id="rId16"/>
   </p:sldIdLst>
   <p:sldSz cx="12192000" cy="6858000"/>
   <p:notesSz cx="6858000" cy="9144000"/>
@@ -275,7 +273,7 @@
           <a:p>
             <a:fld id="{E078609E-2EB3-48C4-95D0-B9BD7D23E94C}" type="datetimeFigureOut">
               <a:rPr lang="pt-BR" smtClean="0"/>
-              <a:t>11/11/2020</a:t>
+              <a:t>12/11/2020</a:t>
             </a:fld>
             <a:endParaRPr lang="pt-BR"/>
           </a:p>
@@ -473,7 +471,7 @@
           <a:p>
             <a:fld id="{E078609E-2EB3-48C4-95D0-B9BD7D23E94C}" type="datetimeFigureOut">
               <a:rPr lang="pt-BR" smtClean="0"/>
-              <a:t>11/11/2020</a:t>
+              <a:t>12/11/2020</a:t>
             </a:fld>
             <a:endParaRPr lang="pt-BR"/>
           </a:p>
@@ -681,7 +679,7 @@
           <a:p>
             <a:fld id="{E078609E-2EB3-48C4-95D0-B9BD7D23E94C}" type="datetimeFigureOut">
               <a:rPr lang="pt-BR" smtClean="0"/>
-              <a:t>11/11/2020</a:t>
+              <a:t>12/11/2020</a:t>
             </a:fld>
             <a:endParaRPr lang="pt-BR"/>
           </a:p>
@@ -879,7 +877,7 @@
           <a:p>
             <a:fld id="{E078609E-2EB3-48C4-95D0-B9BD7D23E94C}" type="datetimeFigureOut">
               <a:rPr lang="pt-BR" smtClean="0"/>
-              <a:t>11/11/2020</a:t>
+              <a:t>12/11/2020</a:t>
             </a:fld>
             <a:endParaRPr lang="pt-BR"/>
           </a:p>
@@ -1154,7 +1152,7 @@
           <a:p>
             <a:fld id="{E078609E-2EB3-48C4-95D0-B9BD7D23E94C}" type="datetimeFigureOut">
               <a:rPr lang="pt-BR" smtClean="0"/>
-              <a:t>11/11/2020</a:t>
+              <a:t>12/11/2020</a:t>
             </a:fld>
             <a:endParaRPr lang="pt-BR"/>
           </a:p>
@@ -1419,7 +1417,7 @@
           <a:p>
             <a:fld id="{E078609E-2EB3-48C4-95D0-B9BD7D23E94C}" type="datetimeFigureOut">
               <a:rPr lang="pt-BR" smtClean="0"/>
-              <a:t>11/11/2020</a:t>
+              <a:t>12/11/2020</a:t>
             </a:fld>
             <a:endParaRPr lang="pt-BR"/>
           </a:p>
@@ -1831,7 +1829,7 @@
           <a:p>
             <a:fld id="{E078609E-2EB3-48C4-95D0-B9BD7D23E94C}" type="datetimeFigureOut">
               <a:rPr lang="pt-BR" smtClean="0"/>
-              <a:t>11/11/2020</a:t>
+              <a:t>12/11/2020</a:t>
             </a:fld>
             <a:endParaRPr lang="pt-BR"/>
           </a:p>
@@ -1972,7 +1970,7 @@
           <a:p>
             <a:fld id="{E078609E-2EB3-48C4-95D0-B9BD7D23E94C}" type="datetimeFigureOut">
               <a:rPr lang="pt-BR" smtClean="0"/>
-              <a:t>11/11/2020</a:t>
+              <a:t>12/11/2020</a:t>
             </a:fld>
             <a:endParaRPr lang="pt-BR"/>
           </a:p>
@@ -2085,7 +2083,7 @@
           <a:p>
             <a:fld id="{E078609E-2EB3-48C4-95D0-B9BD7D23E94C}" type="datetimeFigureOut">
               <a:rPr lang="pt-BR" smtClean="0"/>
-              <a:t>11/11/2020</a:t>
+              <a:t>12/11/2020</a:t>
             </a:fld>
             <a:endParaRPr lang="pt-BR"/>
           </a:p>
@@ -2396,7 +2394,7 @@
           <a:p>
             <a:fld id="{E078609E-2EB3-48C4-95D0-B9BD7D23E94C}" type="datetimeFigureOut">
               <a:rPr lang="pt-BR" smtClean="0"/>
-              <a:t>11/11/2020</a:t>
+              <a:t>12/11/2020</a:t>
             </a:fld>
             <a:endParaRPr lang="pt-BR"/>
           </a:p>
@@ -2684,7 +2682,7 @@
           <a:p>
             <a:fld id="{E078609E-2EB3-48C4-95D0-B9BD7D23E94C}" type="datetimeFigureOut">
               <a:rPr lang="pt-BR" smtClean="0"/>
-              <a:t>11/11/2020</a:t>
+              <a:t>12/11/2020</a:t>
             </a:fld>
             <a:endParaRPr lang="pt-BR"/>
           </a:p>
@@ -2925,7 +2923,7 @@
           <a:p>
             <a:fld id="{E078609E-2EB3-48C4-95D0-B9BD7D23E94C}" type="datetimeFigureOut">
               <a:rPr lang="pt-BR" smtClean="0"/>
-              <a:t>11/11/2020</a:t>
+              <a:t>12/11/2020</a:t>
             </a:fld>
             <a:endParaRPr lang="pt-BR"/>
           </a:p>
@@ -3710,7 +3708,7 @@
                 </a:solidFill>
                 <a:latin typeface="Calibri" panose="020F0502020204030204" pitchFamily="34" charset="0"/>
               </a:rPr>
-              <a:t>Avisar protesto</a:t>
+              <a:t>Finalizar consulta TED</a:t>
             </a:r>
             <a:endParaRPr lang="pt-BR" sz="2400" b="1" i="0" u="none" strike="noStrike" baseline="0" dirty="0">
               <a:solidFill>
@@ -3730,7 +3728,41 @@
                 </a:solidFill>
                 <a:latin typeface="Calibri" panose="020F0502020204030204" pitchFamily="34" charset="0"/>
               </a:rPr>
-              <a:t>Evento: </a:t>
+              <a:t>Evento: Fábrica recebe comprovante de pagamento</a:t>
+            </a:r>
+            <a:endParaRPr lang="pt-BR" sz="2400" dirty="0">
+              <a:solidFill>
+                <a:srgbClr val="000000"/>
+              </a:solidFill>
+              <a:latin typeface="Calibri" panose="020F0502020204030204" pitchFamily="34" charset="0"/>
+            </a:endParaRPr>
+          </a:p>
+          <a:p>
+            <a:pPr marL="0" indent="0">
+              <a:buNone/>
+            </a:pPr>
+            <a:r>
+              <a:rPr lang="pt-BR" sz="2400" b="1" i="0" u="none" strike="noStrike" baseline="0" dirty="0">
+                <a:solidFill>
+                  <a:srgbClr val="000000"/>
+                </a:solidFill>
+                <a:latin typeface="Calibri" panose="020F0502020204030204" pitchFamily="34" charset="0"/>
+              </a:rPr>
+              <a:t>Objetivo: Consultar se TED foi feito pela loja.</a:t>
+            </a:r>
+          </a:p>
+          <a:p>
+            <a:pPr marL="0" indent="0">
+              <a:buNone/>
+            </a:pPr>
+            <a:r>
+              <a:rPr lang="pt-BR" sz="2400" b="1" i="0" u="none" strike="noStrike" baseline="0" dirty="0">
+                <a:solidFill>
+                  <a:srgbClr val="000000"/>
+                </a:solidFill>
+                <a:latin typeface="Calibri" panose="020F0502020204030204" pitchFamily="34" charset="0"/>
+              </a:rPr>
+              <a:t>Trabalhadores envolvidos: </a:t>
             </a:r>
             <a:r>
               <a:rPr lang="pt-BR" sz="2400" i="0" u="none" strike="noStrike" baseline="0" dirty="0">
@@ -3739,98 +3771,83 @@
                 </a:solidFill>
                 <a:latin typeface="Calibri" panose="020F0502020204030204" pitchFamily="34" charset="0"/>
               </a:rPr>
-              <a:t>Analist</a:t>
-            </a:r>
+              <a:t>Analista</a:t>
+            </a:r>
+            <a:r>
+              <a:rPr lang="pt-BR" sz="2400" b="1" i="0" u="none" strike="noStrike" baseline="0" dirty="0">
+                <a:solidFill>
+                  <a:srgbClr val="000000"/>
+                </a:solidFill>
+                <a:latin typeface="Calibri" panose="020F0502020204030204" pitchFamily="34" charset="0"/>
+              </a:rPr>
+              <a:t> </a:t>
+            </a:r>
+            <a:r>
+              <a:rPr lang="pt-BR" sz="2400" b="0" i="0" u="none" strike="noStrike" baseline="0" dirty="0">
+                <a:solidFill>
+                  <a:srgbClr val="000000"/>
+                </a:solidFill>
+                <a:latin typeface="Calibri" panose="020F0502020204030204" pitchFamily="34" charset="0"/>
+              </a:rPr>
+              <a:t>Financeiro </a:t>
+            </a:r>
+          </a:p>
+          <a:p>
+            <a:pPr marL="0" indent="0">
+              <a:buNone/>
+            </a:pPr>
+            <a:r>
+              <a:rPr lang="pt-BR" sz="2400" b="0" i="0" u="none" strike="noStrike" baseline="0" dirty="0">
+                <a:solidFill>
+                  <a:srgbClr val="000000"/>
+                </a:solidFill>
+                <a:latin typeface="Calibri" panose="020F0502020204030204" pitchFamily="34" charset="0"/>
+                <a:cs typeface="Calibri" panose="020F0502020204030204" pitchFamily="34" charset="0"/>
+              </a:rPr>
+              <a:t>• Recebe extrato do Banco.</a:t>
+            </a:r>
+          </a:p>
+          <a:p>
+            <a:r>
+              <a:rPr lang="pt-BR" sz="2400" b="0" i="0" u="none" strike="noStrike" baseline="0" dirty="0">
+                <a:solidFill>
+                  <a:srgbClr val="000000"/>
+                </a:solidFill>
+                <a:latin typeface="Calibri" panose="020F0502020204030204" pitchFamily="34" charset="0"/>
+                <a:cs typeface="Calibri" panose="020F0502020204030204" pitchFamily="34" charset="0"/>
+              </a:rPr>
+              <a:t>Consulta e atualiza status orçamento para pago.</a:t>
+            </a:r>
+          </a:p>
+          <a:p>
             <a:r>
               <a:rPr lang="pt-BR" sz="2400" dirty="0">
                 <a:solidFill>
                   <a:srgbClr val="000000"/>
                 </a:solidFill>
                 <a:latin typeface="Calibri" panose="020F0502020204030204" pitchFamily="34" charset="0"/>
-              </a:rPr>
-              <a:t>a envia aviso de protesto</a:t>
-            </a:r>
-          </a:p>
-          <a:p>
-            <a:pPr marL="0" indent="0">
-              <a:buNone/>
-            </a:pPr>
-            <a:r>
-              <a:rPr lang="pt-BR" sz="2400" b="1" i="0" u="none" strike="noStrike" baseline="0" dirty="0">
-                <a:solidFill>
-                  <a:srgbClr val="000000"/>
-                </a:solidFill>
-                <a:latin typeface="Calibri" panose="020F0502020204030204" pitchFamily="34" charset="0"/>
-              </a:rPr>
-              <a:t>Objetivo: Comunicar ao cliente que não pagamento acarretará em protesto.</a:t>
-            </a:r>
-          </a:p>
-          <a:p>
-            <a:pPr marL="0" indent="0">
-              <a:buNone/>
-            </a:pPr>
-            <a:r>
-              <a:rPr lang="pt-BR" sz="2400" b="1" i="0" u="none" strike="noStrike" baseline="0" dirty="0">
-                <a:solidFill>
-                  <a:srgbClr val="000000"/>
-                </a:solidFill>
-                <a:latin typeface="Calibri" panose="020F0502020204030204" pitchFamily="34" charset="0"/>
-              </a:rPr>
-              <a:t>Trabalhadores envolvidos: </a:t>
-            </a:r>
-            <a:r>
-              <a:rPr lang="pt-BR" sz="2400" i="0" u="none" strike="noStrike" baseline="0" dirty="0">
-                <a:solidFill>
-                  <a:srgbClr val="000000"/>
-                </a:solidFill>
-                <a:latin typeface="Calibri" panose="020F0502020204030204" pitchFamily="34" charset="0"/>
-              </a:rPr>
-              <a:t>Analista</a:t>
-            </a:r>
-            <a:r>
-              <a:rPr lang="pt-BR" sz="2400" b="1" i="0" u="none" strike="noStrike" baseline="0" dirty="0">
-                <a:solidFill>
-                  <a:srgbClr val="000000"/>
-                </a:solidFill>
-                <a:latin typeface="Calibri" panose="020F0502020204030204" pitchFamily="34" charset="0"/>
-              </a:rPr>
-              <a:t> </a:t>
-            </a:r>
-            <a:r>
-              <a:rPr lang="pt-BR" sz="2400" b="0" i="0" u="none" strike="noStrike" baseline="0" dirty="0">
-                <a:solidFill>
-                  <a:srgbClr val="000000"/>
-                </a:solidFill>
-                <a:latin typeface="Calibri" panose="020F0502020204030204" pitchFamily="34" charset="0"/>
-              </a:rPr>
-              <a:t>Financeiro </a:t>
-            </a:r>
-          </a:p>
-          <a:p>
-            <a:pPr marL="0" indent="0">
-              <a:buNone/>
-            </a:pPr>
-            <a:r>
-              <a:rPr lang="pt-BR" sz="2400" b="0" i="0" u="none" strike="noStrike" baseline="0" dirty="0">
-                <a:solidFill>
-                  <a:srgbClr val="000000"/>
-                </a:solidFill>
-                <a:latin typeface="Calibri" panose="020F0502020204030204" pitchFamily="34" charset="0"/>
                 <a:cs typeface="Calibri" panose="020F0502020204030204" pitchFamily="34" charset="0"/>
               </a:rPr>
-              <a:t>• Recebe da loja resposta de que não pagará os boletos em atraso.</a:t>
-            </a:r>
-          </a:p>
-          <a:p>
-            <a:r>
-              <a:rPr lang="pt-BR" sz="2400" b="0" i="0" u="none" strike="noStrike" baseline="0" dirty="0">
+              <a:t>Gera pedido.</a:t>
+            </a:r>
+            <a:endParaRPr lang="pt-BR" sz="2400" b="0" i="0" u="none" strike="noStrike" baseline="0" dirty="0">
+              <a:solidFill>
+                <a:srgbClr val="000000"/>
+              </a:solidFill>
+              <a:latin typeface="Calibri" panose="020F0502020204030204" pitchFamily="34" charset="0"/>
+              <a:cs typeface="Calibri" panose="020F0502020204030204" pitchFamily="34" charset="0"/>
+            </a:endParaRPr>
+          </a:p>
+          <a:p>
+            <a:r>
+              <a:rPr lang="pt-BR" sz="2400" dirty="0">
                 <a:solidFill>
                   <a:srgbClr val="000000"/>
                 </a:solidFill>
                 <a:latin typeface="Calibri" panose="020F0502020204030204" pitchFamily="34" charset="0"/>
                 <a:cs typeface="Calibri" panose="020F0502020204030204" pitchFamily="34" charset="0"/>
               </a:rPr>
-              <a:t>Consulta e atualiza dados de cobrança.</a:t>
+              <a:t>Armazenar informações no pedido.</a:t>
             </a:r>
           </a:p>
           <a:p>
@@ -3842,10 +3859,13 @@
                 <a:latin typeface="Calibri" panose="020F0502020204030204" pitchFamily="34" charset="0"/>
                 <a:cs typeface="Calibri" panose="020F0502020204030204" pitchFamily="34" charset="0"/>
               </a:rPr>
-              <a:t>Envia comunicação de protesto para as lojas.</a:t>
-            </a:r>
-          </a:p>
-          <a:p>
+              <a:t>Caso não seja encontrado o pagamento, avisar a loja que sua transferência não foi encontrada. </a:t>
+            </a:r>
+          </a:p>
+          <a:p>
+            <a:pPr marL="0" indent="0">
+              <a:buNone/>
+            </a:pPr>
             <a:endParaRPr lang="pt-BR" sz="2400" dirty="0">
               <a:solidFill>
                 <a:srgbClr val="000000"/>
@@ -3854,24 +3874,12 @@
               <a:cs typeface="Calibri" panose="020F0502020204030204" pitchFamily="34" charset="0"/>
             </a:endParaRPr>
           </a:p>
-          <a:p>
-            <a:pPr marL="0" indent="0">
-              <a:buNone/>
-            </a:pPr>
-            <a:endParaRPr lang="pt-BR" sz="2400" dirty="0">
-              <a:solidFill>
-                <a:srgbClr val="000000"/>
-              </a:solidFill>
-              <a:latin typeface="Calibri" panose="020F0502020204030204" pitchFamily="34" charset="0"/>
-              <a:cs typeface="Calibri" panose="020F0502020204030204" pitchFamily="34" charset="0"/>
-            </a:endParaRPr>
-          </a:p>
         </p:txBody>
       </p:sp>
     </p:spTree>
     <p:extLst>
       <p:ext uri="{BB962C8B-B14F-4D97-AF65-F5344CB8AC3E}">
-        <p14:creationId xmlns:p14="http://schemas.microsoft.com/office/powerpoint/2010/main" val="4160611974"/>
+        <p14:creationId xmlns:p14="http://schemas.microsoft.com/office/powerpoint/2010/main" val="2746897923"/>
       </p:ext>
     </p:extLst>
   </p:cSld>
@@ -3976,7 +3984,7 @@
                 </a:solidFill>
                 <a:latin typeface="Calibri" panose="020F0502020204030204" pitchFamily="34" charset="0"/>
               </a:rPr>
-              <a:t>Iniciar consulta TED</a:t>
+              <a:t>Iniciar transação com cartão</a:t>
             </a:r>
             <a:endParaRPr lang="pt-BR" sz="2400" b="1" i="0" u="none" strike="noStrike" baseline="0" dirty="0">
               <a:solidFill>
@@ -3996,7 +4004,16 @@
                 </a:solidFill>
                 <a:latin typeface="Calibri" panose="020F0502020204030204" pitchFamily="34" charset="0"/>
               </a:rPr>
-              <a:t>Evento: Fábrica recebe comprovante de pagamento</a:t>
+              <a:t>Evento: </a:t>
+            </a:r>
+            <a:r>
+              <a:rPr lang="pt-BR" sz="2400" i="0" u="none" strike="noStrike" baseline="0" dirty="0">
+                <a:solidFill>
+                  <a:srgbClr val="000000"/>
+                </a:solidFill>
+                <a:latin typeface="Calibri" panose="020F0502020204030204" pitchFamily="34" charset="0"/>
+              </a:rPr>
+              <a:t>Loja começa processo de pagamento com cartão.</a:t>
             </a:r>
             <a:endParaRPr lang="pt-BR" sz="2400" dirty="0">
               <a:solidFill>
@@ -4016,7 +4033,7 @@
                 </a:solidFill>
                 <a:latin typeface="Calibri" panose="020F0502020204030204" pitchFamily="34" charset="0"/>
               </a:rPr>
-              <a:t>Objetivo: Consultar se TED foi feito pela loja.</a:t>
+              <a:t>Objetivo: Começar transação com cartão</a:t>
             </a:r>
           </a:p>
           <a:p>
@@ -4072,7 +4089,7 @@
                 <a:latin typeface="Calibri" panose="020F0502020204030204" pitchFamily="34" charset="0"/>
                 <a:cs typeface="Calibri" panose="020F0502020204030204" pitchFamily="34" charset="0"/>
               </a:rPr>
-              <a:t>• Recebe comprovante de transferência (TED).</a:t>
+              <a:t>• Recebe cartão da loja e faz transação para pagamento com cartão.</a:t>
             </a:r>
           </a:p>
           <a:p>
@@ -4084,39 +4101,19 @@
                 <a:latin typeface="Calibri" panose="020F0502020204030204" pitchFamily="34" charset="0"/>
                 <a:cs typeface="Calibri" panose="020F0502020204030204" pitchFamily="34" charset="0"/>
               </a:rPr>
-              <a:t>Consulta e atualiza status orçamento para aguardando confirmação do </a:t>
-            </a:r>
-            <a:r>
-              <a:rPr lang="pt-BR" sz="2400" b="0" i="0" u="none" strike="noStrike" baseline="0" dirty="0" err="1">
+              <a:t>Buscar informações de orçamento.</a:t>
+            </a:r>
+          </a:p>
+          <a:p>
+            <a:r>
+              <a:rPr lang="pt-BR" sz="2400" dirty="0">
                 <a:solidFill>
                   <a:srgbClr val="000000"/>
                 </a:solidFill>
                 <a:latin typeface="Calibri" panose="020F0502020204030204" pitchFamily="34" charset="0"/>
                 <a:cs typeface="Calibri" panose="020F0502020204030204" pitchFamily="34" charset="0"/>
               </a:rPr>
-              <a:t>ted</a:t>
-            </a:r>
-            <a:r>
-              <a:rPr lang="pt-BR" sz="2400" b="0" i="0" u="none" strike="noStrike" baseline="0" dirty="0">
-                <a:solidFill>
-                  <a:srgbClr val="000000"/>
-                </a:solidFill>
-                <a:latin typeface="Calibri" panose="020F0502020204030204" pitchFamily="34" charset="0"/>
-                <a:cs typeface="Calibri" panose="020F0502020204030204" pitchFamily="34" charset="0"/>
-              </a:rPr>
-              <a:t>, e aguarda reposta do extrato do banco.</a:t>
-            </a:r>
-          </a:p>
-          <a:p>
-            <a:r>
-              <a:rPr lang="pt-BR" sz="2400" dirty="0">
-                <a:solidFill>
-                  <a:srgbClr val="000000"/>
-                </a:solidFill>
-                <a:latin typeface="Calibri" panose="020F0502020204030204" pitchFamily="34" charset="0"/>
-                <a:cs typeface="Calibri" panose="020F0502020204030204" pitchFamily="34" charset="0"/>
-              </a:rPr>
-              <a:t>Envia solicitação do extrato.</a:t>
+              <a:t>Escolhe tipo de transação que atenderá ao cliente, crédito e débito para administradora de cartão.</a:t>
             </a:r>
           </a:p>
           <a:p>
@@ -4129,9 +4126,6 @@
             </a:endParaRPr>
           </a:p>
           <a:p>
-            <a:pPr marL="0" indent="0">
-              <a:buNone/>
-            </a:pPr>
             <a:endParaRPr lang="pt-BR" sz="2400" dirty="0">
               <a:solidFill>
                 <a:srgbClr val="000000"/>
@@ -4140,12 +4134,21 @@
               <a:cs typeface="Calibri" panose="020F0502020204030204" pitchFamily="34" charset="0"/>
             </a:endParaRPr>
           </a:p>
+          <a:p>
+            <a:endParaRPr lang="pt-BR" sz="2400" dirty="0">
+              <a:solidFill>
+                <a:srgbClr val="000000"/>
+              </a:solidFill>
+              <a:latin typeface="Calibri" panose="020F0502020204030204" pitchFamily="34" charset="0"/>
+              <a:cs typeface="Calibri" panose="020F0502020204030204" pitchFamily="34" charset="0"/>
+            </a:endParaRPr>
+          </a:p>
         </p:txBody>
       </p:sp>
     </p:spTree>
     <p:extLst>
       <p:ext uri="{BB962C8B-B14F-4D97-AF65-F5344CB8AC3E}">
-        <p14:creationId xmlns:p14="http://schemas.microsoft.com/office/powerpoint/2010/main" val="2076162716"/>
+        <p14:creationId xmlns:p14="http://schemas.microsoft.com/office/powerpoint/2010/main" val="3001125412"/>
       </p:ext>
     </p:extLst>
   </p:cSld>
@@ -4209,6 +4212,9 @@
             </a:endParaRPr>
           </a:p>
           <a:p>
+            <a:pPr marL="0" indent="0">
+              <a:buNone/>
+            </a:pPr>
             <a:r>
               <a:rPr lang="pt-BR" sz="1200" b="0" i="0" u="none" strike="noStrike" baseline="0" dirty="0">
                 <a:solidFill>
@@ -4250,7 +4256,7 @@
                 </a:solidFill>
                 <a:latin typeface="Calibri" panose="020F0502020204030204" pitchFamily="34" charset="0"/>
               </a:rPr>
-              <a:t>Finalizar consulta TED</a:t>
+              <a:t>Finalizar transação com cartão</a:t>
             </a:r>
             <a:endParaRPr lang="pt-BR" sz="2400" b="1" i="0" u="none" strike="noStrike" baseline="0" dirty="0">
               <a:solidFill>
@@ -4270,7 +4276,16 @@
                 </a:solidFill>
                 <a:latin typeface="Calibri" panose="020F0502020204030204" pitchFamily="34" charset="0"/>
               </a:rPr>
-              <a:t>Evento: Fábrica recebe comprovante de pagamento</a:t>
+              <a:t>Evento: </a:t>
+            </a:r>
+            <a:r>
+              <a:rPr lang="pt-BR" sz="2400" i="0" u="none" strike="noStrike" baseline="0" dirty="0">
+                <a:solidFill>
+                  <a:srgbClr val="000000"/>
+                </a:solidFill>
+                <a:latin typeface="Calibri" panose="020F0502020204030204" pitchFamily="34" charset="0"/>
+              </a:rPr>
+              <a:t>Loja termina processo de pagamento com cartão.</a:t>
             </a:r>
             <a:endParaRPr lang="pt-BR" sz="2400" dirty="0">
               <a:solidFill>
@@ -4290,13 +4305,17 @@
                 </a:solidFill>
                 <a:latin typeface="Calibri" panose="020F0502020204030204" pitchFamily="34" charset="0"/>
               </a:rPr>
-              <a:t>Objetivo: Consultar se TED foi feito pela loja.</a:t>
-            </a:r>
-          </a:p>
-          <a:p>
-            <a:pPr marL="0" indent="0">
-              <a:buNone/>
-            </a:pPr>
+              <a:t>Objetivo: </a:t>
+            </a:r>
+            <a:r>
+              <a:rPr lang="pt-BR" sz="2400" b="1" dirty="0">
+                <a:solidFill>
+                  <a:srgbClr val="000000"/>
+                </a:solidFill>
+                <a:latin typeface="Calibri" panose="020F0502020204030204" pitchFamily="34" charset="0"/>
+              </a:rPr>
+              <a:t>Finalizar</a:t>
+            </a:r>
             <a:r>
               <a:rPr lang="pt-BR" sz="2400" b="1" i="0" u="none" strike="noStrike" baseline="0" dirty="0">
                 <a:solidFill>
@@ -4304,6 +4323,20 @@
                 </a:solidFill>
                 <a:latin typeface="Calibri" panose="020F0502020204030204" pitchFamily="34" charset="0"/>
               </a:rPr>
+              <a:t> transação com cartão</a:t>
+            </a:r>
+          </a:p>
+          <a:p>
+            <a:pPr marL="0" indent="0">
+              <a:buNone/>
+            </a:pPr>
+            <a:r>
+              <a:rPr lang="pt-BR" sz="2400" b="1" i="0" u="none" strike="noStrike" baseline="0" dirty="0">
+                <a:solidFill>
+                  <a:srgbClr val="000000"/>
+                </a:solidFill>
+                <a:latin typeface="Calibri" panose="020F0502020204030204" pitchFamily="34" charset="0"/>
+              </a:rPr>
               <a:t>Trabalhadores envolvidos: </a:t>
             </a:r>
             <a:r>
@@ -4346,19 +4379,19 @@
                 <a:latin typeface="Calibri" panose="020F0502020204030204" pitchFamily="34" charset="0"/>
                 <a:cs typeface="Calibri" panose="020F0502020204030204" pitchFamily="34" charset="0"/>
               </a:rPr>
-              <a:t>• Recebe extrato do Banco.</a:t>
-            </a:r>
-          </a:p>
-          <a:p>
-            <a:r>
-              <a:rPr lang="pt-BR" sz="2400" b="0" i="0" u="none" strike="noStrike" baseline="0" dirty="0">
+              <a:t>• Recebe feedback da operação com cartão.</a:t>
+            </a:r>
+          </a:p>
+          <a:p>
+            <a:r>
+              <a:rPr lang="pt-BR" sz="2400" dirty="0">
                 <a:solidFill>
                   <a:srgbClr val="000000"/>
                 </a:solidFill>
                 <a:latin typeface="Calibri" panose="020F0502020204030204" pitchFamily="34" charset="0"/>
                 <a:cs typeface="Calibri" panose="020F0502020204030204" pitchFamily="34" charset="0"/>
               </a:rPr>
-              <a:t>Consulta e atualiza status orçamento para pago.</a:t>
+              <a:t>Consulta e atualiza orçamento.</a:t>
             </a:r>
           </a:p>
           <a:p>
@@ -4370,15 +4403,8 @@
                 <a:latin typeface="Calibri" panose="020F0502020204030204" pitchFamily="34" charset="0"/>
                 <a:cs typeface="Calibri" panose="020F0502020204030204" pitchFamily="34" charset="0"/>
               </a:rPr>
-              <a:t>Gera pedido.</a:t>
-            </a:r>
-            <a:endParaRPr lang="pt-BR" sz="2400" b="0" i="0" u="none" strike="noStrike" baseline="0" dirty="0">
-              <a:solidFill>
-                <a:srgbClr val="000000"/>
-              </a:solidFill>
-              <a:latin typeface="Calibri" panose="020F0502020204030204" pitchFamily="34" charset="0"/>
-              <a:cs typeface="Calibri" panose="020F0502020204030204" pitchFamily="34" charset="0"/>
-            </a:endParaRPr>
+              <a:t>Gera o pedido.</a:t>
+            </a:r>
           </a:p>
           <a:p>
             <a:r>
@@ -4389,7 +4415,7 @@
                 <a:latin typeface="Calibri" panose="020F0502020204030204" pitchFamily="34" charset="0"/>
                 <a:cs typeface="Calibri" panose="020F0502020204030204" pitchFamily="34" charset="0"/>
               </a:rPr>
-              <a:t>Armazenar informações no pedido.</a:t>
+              <a:t>Muda o status do pedido.</a:t>
             </a:r>
           </a:p>
           <a:p>
@@ -4401,13 +4427,22 @@
                 <a:latin typeface="Calibri" panose="020F0502020204030204" pitchFamily="34" charset="0"/>
                 <a:cs typeface="Calibri" panose="020F0502020204030204" pitchFamily="34" charset="0"/>
               </a:rPr>
-              <a:t>Caso não seja encontrado o pagamento, avisar a loja que sua transferência não foi encontrada. </a:t>
-            </a:r>
-          </a:p>
-          <a:p>
-            <a:pPr marL="0" indent="0">
-              <a:buNone/>
-            </a:pPr>
+              <a:t>Enviar mensagens de operação negada, se não estiver dentro do parâmetros.</a:t>
+            </a:r>
+          </a:p>
+          <a:p>
+            <a:r>
+              <a:rPr lang="pt-BR" sz="2400" dirty="0">
+                <a:solidFill>
+                  <a:srgbClr val="000000"/>
+                </a:solidFill>
+                <a:latin typeface="Calibri" panose="020F0502020204030204" pitchFamily="34" charset="0"/>
+                <a:cs typeface="Calibri" panose="020F0502020204030204" pitchFamily="34" charset="0"/>
+              </a:rPr>
+              <a:t>Envio de recibo caso a transação tenha sido feita sem problemas.</a:t>
+            </a:r>
+          </a:p>
+          <a:p>
             <a:endParaRPr lang="pt-BR" sz="2400" dirty="0">
               <a:solidFill>
                 <a:srgbClr val="000000"/>
@@ -4421,7 +4456,7 @@
     </p:spTree>
     <p:extLst>
       <p:ext uri="{BB962C8B-B14F-4D97-AF65-F5344CB8AC3E}">
-        <p14:creationId xmlns:p14="http://schemas.microsoft.com/office/powerpoint/2010/main" val="2746897923"/>
+        <p14:creationId xmlns:p14="http://schemas.microsoft.com/office/powerpoint/2010/main" val="726139908"/>
       </p:ext>
     </p:extLst>
   </p:cSld>
@@ -4485,6 +4520,9 @@
             </a:endParaRPr>
           </a:p>
           <a:p>
+            <a:pPr marL="0" indent="0">
+              <a:buNone/>
+            </a:pPr>
             <a:r>
               <a:rPr lang="pt-BR" sz="1200" b="0" i="0" u="none" strike="noStrike" baseline="0" dirty="0">
                 <a:solidFill>
@@ -4492,7 +4530,7 @@
                 </a:solidFill>
                 <a:latin typeface="Arial" panose="020B0604020202020204" pitchFamily="34" charset="0"/>
               </a:rPr>
-              <a:t> 					             </a:t>
+              <a:t>					             </a:t>
             </a:r>
             <a:r>
               <a:rPr lang="pt-BR" b="1" i="0" u="none" strike="noStrike" baseline="0" dirty="0">
@@ -4526,7 +4564,7 @@
                 </a:solidFill>
                 <a:latin typeface="Calibri" panose="020F0502020204030204" pitchFamily="34" charset="0"/>
               </a:rPr>
-              <a:t>Iniciar transação com cartão</a:t>
+              <a:t>Receber solicitação de cancelamento do pedido</a:t>
             </a:r>
             <a:endParaRPr lang="pt-BR" sz="2400" b="1" i="0" u="none" strike="noStrike" baseline="0" dirty="0">
               <a:solidFill>
@@ -4555,7 +4593,7 @@
                 </a:solidFill>
                 <a:latin typeface="Calibri" panose="020F0502020204030204" pitchFamily="34" charset="0"/>
               </a:rPr>
-              <a:t>Loja começa processo de pagamento com cartão.</a:t>
+              <a:t>Loja solicita cancelamento de pedido à fábrica.</a:t>
             </a:r>
             <a:endParaRPr lang="pt-BR" sz="2400" dirty="0">
               <a:solidFill>
@@ -4575,122 +4613,98 @@
                 </a:solidFill>
                 <a:latin typeface="Calibri" panose="020F0502020204030204" pitchFamily="34" charset="0"/>
               </a:rPr>
-              <a:t>Objetivo: Começar transação com cartão</a:t>
-            </a:r>
-          </a:p>
-          <a:p>
-            <a:pPr marL="0" indent="0">
-              <a:buNone/>
-            </a:pPr>
-            <a:r>
-              <a:rPr lang="pt-BR" sz="2400" b="1" i="0" u="none" strike="noStrike" baseline="0" dirty="0">
-                <a:solidFill>
-                  <a:srgbClr val="000000"/>
-                </a:solidFill>
-                <a:latin typeface="Calibri" panose="020F0502020204030204" pitchFamily="34" charset="0"/>
-              </a:rPr>
-              <a:t>Trabalhadores envolvidos: </a:t>
-            </a:r>
-            <a:r>
-              <a:rPr lang="pt-BR" sz="2400" i="0" u="none" strike="noStrike" baseline="0" dirty="0">
-                <a:solidFill>
-                  <a:srgbClr val="000000"/>
-                </a:solidFill>
-                <a:latin typeface="Calibri" panose="020F0502020204030204" pitchFamily="34" charset="0"/>
-              </a:rPr>
-              <a:t>Analista</a:t>
-            </a:r>
-            <a:r>
-              <a:rPr lang="pt-BR" sz="2400" b="1" i="0" u="none" strike="noStrike" baseline="0" dirty="0">
-                <a:solidFill>
-                  <a:srgbClr val="000000"/>
-                </a:solidFill>
-                <a:latin typeface="Calibri" panose="020F0502020204030204" pitchFamily="34" charset="0"/>
-              </a:rPr>
-              <a:t> </a:t>
-            </a:r>
-            <a:r>
-              <a:rPr lang="pt-BR" sz="2400" b="0" i="0" u="none" strike="noStrike" baseline="0" dirty="0">
-                <a:solidFill>
-                  <a:srgbClr val="000000"/>
-                </a:solidFill>
-                <a:latin typeface="Calibri" panose="020F0502020204030204" pitchFamily="34" charset="0"/>
-              </a:rPr>
-              <a:t>Financeiro </a:t>
-            </a:r>
-          </a:p>
-          <a:p>
-            <a:pPr marL="0" indent="0">
-              <a:buNone/>
-            </a:pPr>
-            <a:r>
-              <a:rPr lang="pt-BR" sz="2400" b="0" i="0" u="none" strike="noStrike" baseline="0" dirty="0">
-                <a:solidFill>
-                  <a:srgbClr val="000000"/>
-                </a:solidFill>
-                <a:latin typeface="Calibri" panose="020F0502020204030204" pitchFamily="34" charset="0"/>
-                <a:cs typeface="Calibri" panose="020F0502020204030204" pitchFamily="34" charset="0"/>
-              </a:rPr>
-              <a:t>• Recebe cartão da loja e faz transação para pagamento com cartão.</a:t>
-            </a:r>
-          </a:p>
-          <a:p>
-            <a:r>
-              <a:rPr lang="pt-BR" sz="2400" b="0" i="0" u="none" strike="noStrike" baseline="0" dirty="0">
-                <a:solidFill>
-                  <a:srgbClr val="000000"/>
-                </a:solidFill>
-                <a:latin typeface="Calibri" panose="020F0502020204030204" pitchFamily="34" charset="0"/>
-                <a:cs typeface="Calibri" panose="020F0502020204030204" pitchFamily="34" charset="0"/>
-              </a:rPr>
-              <a:t>Buscar informações de orçamento.</a:t>
-            </a:r>
-          </a:p>
-          <a:p>
-            <a:r>
-              <a:rPr lang="pt-BR" sz="2400" dirty="0">
-                <a:solidFill>
-                  <a:srgbClr val="000000"/>
-                </a:solidFill>
-                <a:latin typeface="Calibri" panose="020F0502020204030204" pitchFamily="34" charset="0"/>
-                <a:cs typeface="Calibri" panose="020F0502020204030204" pitchFamily="34" charset="0"/>
-              </a:rPr>
-              <a:t>Escolhe tipo de transação que atenderá ao cliente, crédito e débito para administradora de cartão.</a:t>
-            </a:r>
-          </a:p>
-          <a:p>
-            <a:endParaRPr lang="pt-BR" sz="2400" dirty="0">
+              <a:t>Objetivo: </a:t>
+            </a:r>
+            <a:r>
+              <a:rPr lang="pt-BR" sz="2400" b="1" dirty="0">
+                <a:solidFill>
+                  <a:srgbClr val="000000"/>
+                </a:solidFill>
+                <a:latin typeface="Calibri" panose="020F0502020204030204" pitchFamily="34" charset="0"/>
+              </a:rPr>
+              <a:t>Iniciar o processo de cancelamento de pedido.</a:t>
+            </a:r>
+            <a:endParaRPr lang="pt-BR" sz="2400" b="1" i="0" u="none" strike="noStrike" baseline="0" dirty="0">
               <a:solidFill>
                 <a:srgbClr val="000000"/>
               </a:solidFill>
               <a:latin typeface="Calibri" panose="020F0502020204030204" pitchFamily="34" charset="0"/>
-              <a:cs typeface="Calibri" panose="020F0502020204030204" pitchFamily="34" charset="0"/>
             </a:endParaRPr>
           </a:p>
           <a:p>
-            <a:endParaRPr lang="pt-BR" sz="2400" dirty="0">
-              <a:solidFill>
-                <a:srgbClr val="000000"/>
-              </a:solidFill>
-              <a:latin typeface="Calibri" panose="020F0502020204030204" pitchFamily="34" charset="0"/>
-              <a:cs typeface="Calibri" panose="020F0502020204030204" pitchFamily="34" charset="0"/>
-            </a:endParaRPr>
-          </a:p>
-          <a:p>
-            <a:endParaRPr lang="pt-BR" sz="2400" dirty="0">
-              <a:solidFill>
-                <a:srgbClr val="000000"/>
-              </a:solidFill>
-              <a:latin typeface="Calibri" panose="020F0502020204030204" pitchFamily="34" charset="0"/>
-              <a:cs typeface="Calibri" panose="020F0502020204030204" pitchFamily="34" charset="0"/>
-            </a:endParaRPr>
+            <a:pPr marL="0" indent="0">
+              <a:buNone/>
+            </a:pPr>
+            <a:r>
+              <a:rPr lang="pt-BR" sz="2400" b="1" i="0" u="none" strike="noStrike" baseline="0" dirty="0">
+                <a:solidFill>
+                  <a:srgbClr val="000000"/>
+                </a:solidFill>
+                <a:latin typeface="Calibri" panose="020F0502020204030204" pitchFamily="34" charset="0"/>
+              </a:rPr>
+              <a:t>Trabalhadores envolvidos: </a:t>
+            </a:r>
+            <a:r>
+              <a:rPr lang="pt-BR" sz="2400" i="0" u="none" strike="noStrike" baseline="0" dirty="0">
+                <a:solidFill>
+                  <a:srgbClr val="000000"/>
+                </a:solidFill>
+                <a:latin typeface="Calibri" panose="020F0502020204030204" pitchFamily="34" charset="0"/>
+              </a:rPr>
+              <a:t>Analista</a:t>
+            </a:r>
+            <a:r>
+              <a:rPr lang="pt-BR" sz="2400" b="1" i="0" u="none" strike="noStrike" baseline="0" dirty="0">
+                <a:solidFill>
+                  <a:srgbClr val="000000"/>
+                </a:solidFill>
+                <a:latin typeface="Calibri" panose="020F0502020204030204" pitchFamily="34" charset="0"/>
+              </a:rPr>
+              <a:t> </a:t>
+            </a:r>
+            <a:r>
+              <a:rPr lang="pt-BR" sz="2400" b="0" i="0" u="none" strike="noStrike" baseline="0" dirty="0">
+                <a:solidFill>
+                  <a:srgbClr val="000000"/>
+                </a:solidFill>
+                <a:latin typeface="Calibri" panose="020F0502020204030204" pitchFamily="34" charset="0"/>
+              </a:rPr>
+              <a:t>Financeiro </a:t>
+            </a:r>
+          </a:p>
+          <a:p>
+            <a:pPr marL="0" indent="0">
+              <a:buNone/>
+            </a:pPr>
+            <a:r>
+              <a:rPr lang="pt-BR" sz="2400" b="0" i="0" u="none" strike="noStrike" baseline="0" dirty="0">
+                <a:solidFill>
+                  <a:srgbClr val="000000"/>
+                </a:solidFill>
+                <a:latin typeface="Calibri" panose="020F0502020204030204" pitchFamily="34" charset="0"/>
+                <a:cs typeface="Calibri" panose="020F0502020204030204" pitchFamily="34" charset="0"/>
+              </a:rPr>
+              <a:t>• Recebe a solicitação de cancelamento do pedido.</a:t>
+            </a:r>
+          </a:p>
+          <a:p>
+            <a:r>
+              <a:rPr lang="pt-BR" sz="2400" dirty="0">
+                <a:solidFill>
+                  <a:srgbClr val="000000"/>
+                </a:solidFill>
+                <a:latin typeface="Calibri" panose="020F0502020204030204" pitchFamily="34" charset="0"/>
+                <a:cs typeface="Calibri" panose="020F0502020204030204" pitchFamily="34" charset="0"/>
+              </a:rPr>
+              <a:t>Guarda as informações de solicitação de cancelamento.</a:t>
+            </a:r>
           </a:p>
         </p:txBody>
       </p:sp>
     </p:spTree>
     <p:extLst>
       <p:ext uri="{BB962C8B-B14F-4D97-AF65-F5344CB8AC3E}">
-        <p14:creationId xmlns:p14="http://schemas.microsoft.com/office/powerpoint/2010/main" val="3001125412"/>
+        <p14:creationId xmlns:p14="http://schemas.microsoft.com/office/powerpoint/2010/main" val="2740279458"/>
       </p:ext>
     </p:extLst>
   </p:cSld>
@@ -4764,562 +4778,6 @@
                 </a:solidFill>
                 <a:latin typeface="Arial" panose="020B0604020202020204" pitchFamily="34" charset="0"/>
               </a:rPr>
-              <a:t> 					             </a:t>
-            </a:r>
-            <a:r>
-              <a:rPr lang="pt-BR" b="1" i="0" u="none" strike="noStrike" baseline="0" dirty="0">
-                <a:solidFill>
-                  <a:srgbClr val="000000"/>
-                </a:solidFill>
-                <a:latin typeface="Arial" panose="020B0604020202020204" pitchFamily="34" charset="0"/>
-              </a:rPr>
-              <a:t>Descrição do processo de negócios</a:t>
-            </a:r>
-          </a:p>
-          <a:p>
-            <a:pPr marL="0" indent="0">
-              <a:buNone/>
-            </a:pPr>
-            <a:endParaRPr lang="pt-BR" sz="2400" b="1" dirty="0">
-              <a:solidFill>
-                <a:srgbClr val="000000"/>
-              </a:solidFill>
-              <a:latin typeface="Calibri" panose="020F0502020204030204" pitchFamily="34" charset="0"/>
-            </a:endParaRPr>
-          </a:p>
-          <a:p>
-            <a:pPr marL="0" indent="0">
-              <a:buNone/>
-            </a:pPr>
-            <a:r>
-              <a:rPr lang="pt-BR" sz="2400" b="1" dirty="0">
-                <a:solidFill>
-                  <a:srgbClr val="000000"/>
-                </a:solidFill>
-                <a:latin typeface="Calibri" panose="020F0502020204030204" pitchFamily="34" charset="0"/>
-              </a:rPr>
-              <a:t>Finalizar transação com cartão</a:t>
-            </a:r>
-            <a:endParaRPr lang="pt-BR" sz="2400" b="1" i="0" u="none" strike="noStrike" baseline="0" dirty="0">
-              <a:solidFill>
-                <a:srgbClr val="000000"/>
-              </a:solidFill>
-              <a:latin typeface="Arial" panose="020B0604020202020204" pitchFamily="34" charset="0"/>
-            </a:endParaRPr>
-          </a:p>
-          <a:p>
-            <a:pPr marL="0" indent="0">
-              <a:buNone/>
-            </a:pPr>
-            <a:r>
-              <a:rPr lang="pt-BR" sz="2400" b="1" i="0" u="none" strike="noStrike" baseline="0" dirty="0">
-                <a:solidFill>
-                  <a:srgbClr val="000000"/>
-                </a:solidFill>
-                <a:latin typeface="Calibri" panose="020F0502020204030204" pitchFamily="34" charset="0"/>
-              </a:rPr>
-              <a:t>Evento: </a:t>
-            </a:r>
-            <a:r>
-              <a:rPr lang="pt-BR" sz="2400" i="0" u="none" strike="noStrike" baseline="0" dirty="0">
-                <a:solidFill>
-                  <a:srgbClr val="000000"/>
-                </a:solidFill>
-                <a:latin typeface="Calibri" panose="020F0502020204030204" pitchFamily="34" charset="0"/>
-              </a:rPr>
-              <a:t>Loja termina processo de pagamento com cartão.</a:t>
-            </a:r>
-            <a:endParaRPr lang="pt-BR" sz="2400" dirty="0">
-              <a:solidFill>
-                <a:srgbClr val="000000"/>
-              </a:solidFill>
-              <a:latin typeface="Calibri" panose="020F0502020204030204" pitchFamily="34" charset="0"/>
-            </a:endParaRPr>
-          </a:p>
-          <a:p>
-            <a:pPr marL="0" indent="0">
-              <a:buNone/>
-            </a:pPr>
-            <a:r>
-              <a:rPr lang="pt-BR" sz="2400" b="1" i="0" u="none" strike="noStrike" baseline="0" dirty="0">
-                <a:solidFill>
-                  <a:srgbClr val="000000"/>
-                </a:solidFill>
-                <a:latin typeface="Calibri" panose="020F0502020204030204" pitchFamily="34" charset="0"/>
-              </a:rPr>
-              <a:t>Objetivo: </a:t>
-            </a:r>
-            <a:r>
-              <a:rPr lang="pt-BR" sz="2400" b="1" dirty="0">
-                <a:solidFill>
-                  <a:srgbClr val="000000"/>
-                </a:solidFill>
-                <a:latin typeface="Calibri" panose="020F0502020204030204" pitchFamily="34" charset="0"/>
-              </a:rPr>
-              <a:t>Finalizar</a:t>
-            </a:r>
-            <a:r>
-              <a:rPr lang="pt-BR" sz="2400" b="1" i="0" u="none" strike="noStrike" baseline="0" dirty="0">
-                <a:solidFill>
-                  <a:srgbClr val="000000"/>
-                </a:solidFill>
-                <a:latin typeface="Calibri" panose="020F0502020204030204" pitchFamily="34" charset="0"/>
-              </a:rPr>
-              <a:t> transação com cartão</a:t>
-            </a:r>
-          </a:p>
-          <a:p>
-            <a:pPr marL="0" indent="0">
-              <a:buNone/>
-            </a:pPr>
-            <a:r>
-              <a:rPr lang="pt-BR" sz="2400" b="1" i="0" u="none" strike="noStrike" baseline="0" dirty="0">
-                <a:solidFill>
-                  <a:srgbClr val="000000"/>
-                </a:solidFill>
-                <a:latin typeface="Calibri" panose="020F0502020204030204" pitchFamily="34" charset="0"/>
-              </a:rPr>
-              <a:t>Trabalhadores envolvidos: </a:t>
-            </a:r>
-            <a:r>
-              <a:rPr lang="pt-BR" sz="2400" i="0" u="none" strike="noStrike" baseline="0" dirty="0">
-                <a:solidFill>
-                  <a:srgbClr val="000000"/>
-                </a:solidFill>
-                <a:latin typeface="Calibri" panose="020F0502020204030204" pitchFamily="34" charset="0"/>
-              </a:rPr>
-              <a:t>Analista</a:t>
-            </a:r>
-            <a:r>
-              <a:rPr lang="pt-BR" sz="2400" b="1" i="0" u="none" strike="noStrike" baseline="0" dirty="0">
-                <a:solidFill>
-                  <a:srgbClr val="000000"/>
-                </a:solidFill>
-                <a:latin typeface="Calibri" panose="020F0502020204030204" pitchFamily="34" charset="0"/>
-              </a:rPr>
-              <a:t> </a:t>
-            </a:r>
-            <a:r>
-              <a:rPr lang="pt-BR" sz="2400" b="0" i="0" u="none" strike="noStrike" baseline="0" dirty="0">
-                <a:solidFill>
-                  <a:srgbClr val="000000"/>
-                </a:solidFill>
-                <a:latin typeface="Calibri" panose="020F0502020204030204" pitchFamily="34" charset="0"/>
-              </a:rPr>
-              <a:t>Financeiro </a:t>
-            </a:r>
-          </a:p>
-          <a:p>
-            <a:pPr marL="0" indent="0">
-              <a:buNone/>
-            </a:pPr>
-            <a:r>
-              <a:rPr lang="pt-BR" sz="2400" b="0" i="0" u="none" strike="noStrike" baseline="0" dirty="0">
-                <a:solidFill>
-                  <a:srgbClr val="000000"/>
-                </a:solidFill>
-                <a:latin typeface="Calibri" panose="020F0502020204030204" pitchFamily="34" charset="0"/>
-                <a:cs typeface="Calibri" panose="020F0502020204030204" pitchFamily="34" charset="0"/>
-              </a:rPr>
-              <a:t>• Recebe feedback da operação com cartão.</a:t>
-            </a:r>
-          </a:p>
-          <a:p>
-            <a:r>
-              <a:rPr lang="pt-BR" sz="2400" dirty="0">
-                <a:solidFill>
-                  <a:srgbClr val="000000"/>
-                </a:solidFill>
-                <a:latin typeface="Calibri" panose="020F0502020204030204" pitchFamily="34" charset="0"/>
-                <a:cs typeface="Calibri" panose="020F0502020204030204" pitchFamily="34" charset="0"/>
-              </a:rPr>
-              <a:t>Consulta e atualiza orçamento.</a:t>
-            </a:r>
-          </a:p>
-          <a:p>
-            <a:r>
-              <a:rPr lang="pt-BR" sz="2400" dirty="0">
-                <a:solidFill>
-                  <a:srgbClr val="000000"/>
-                </a:solidFill>
-                <a:latin typeface="Calibri" panose="020F0502020204030204" pitchFamily="34" charset="0"/>
-                <a:cs typeface="Calibri" panose="020F0502020204030204" pitchFamily="34" charset="0"/>
-              </a:rPr>
-              <a:t>Gera o pedido.</a:t>
-            </a:r>
-          </a:p>
-          <a:p>
-            <a:r>
-              <a:rPr lang="pt-BR" sz="2400" dirty="0">
-                <a:solidFill>
-                  <a:srgbClr val="000000"/>
-                </a:solidFill>
-                <a:latin typeface="Calibri" panose="020F0502020204030204" pitchFamily="34" charset="0"/>
-                <a:cs typeface="Calibri" panose="020F0502020204030204" pitchFamily="34" charset="0"/>
-              </a:rPr>
-              <a:t>Muda o status do pedido.</a:t>
-            </a:r>
-          </a:p>
-          <a:p>
-            <a:r>
-              <a:rPr lang="pt-BR" sz="2400" dirty="0">
-                <a:solidFill>
-                  <a:srgbClr val="000000"/>
-                </a:solidFill>
-                <a:latin typeface="Calibri" panose="020F0502020204030204" pitchFamily="34" charset="0"/>
-                <a:cs typeface="Calibri" panose="020F0502020204030204" pitchFamily="34" charset="0"/>
-              </a:rPr>
-              <a:t>Enviar mensagens de operação negada, se não estiver dentro do parâmetros.</a:t>
-            </a:r>
-          </a:p>
-          <a:p>
-            <a:r>
-              <a:rPr lang="pt-BR" sz="2400" dirty="0">
-                <a:solidFill>
-                  <a:srgbClr val="000000"/>
-                </a:solidFill>
-                <a:latin typeface="Calibri" panose="020F0502020204030204" pitchFamily="34" charset="0"/>
-                <a:cs typeface="Calibri" panose="020F0502020204030204" pitchFamily="34" charset="0"/>
-              </a:rPr>
-              <a:t>Envio de recibo caso a transação tenha sido feita sem problemas.</a:t>
-            </a:r>
-          </a:p>
-          <a:p>
-            <a:endParaRPr lang="pt-BR" sz="2400" dirty="0">
-              <a:solidFill>
-                <a:srgbClr val="000000"/>
-              </a:solidFill>
-              <a:latin typeface="Calibri" panose="020F0502020204030204" pitchFamily="34" charset="0"/>
-              <a:cs typeface="Calibri" panose="020F0502020204030204" pitchFamily="34" charset="0"/>
-            </a:endParaRPr>
-          </a:p>
-        </p:txBody>
-      </p:sp>
-    </p:spTree>
-    <p:extLst>
-      <p:ext uri="{BB962C8B-B14F-4D97-AF65-F5344CB8AC3E}">
-        <p14:creationId xmlns:p14="http://schemas.microsoft.com/office/powerpoint/2010/main" val="726139908"/>
-      </p:ext>
-    </p:extLst>
-  </p:cSld>
-  <p:clrMapOvr>
-    <a:masterClrMapping/>
-  </p:clrMapOvr>
-</p:sld>
-</file>
-
-<file path=ppt/slides/slide15.xml><?xml version="1.0" encoding="utf-8"?>
-<p:sld xmlns:a="http://schemas.openxmlformats.org/drawingml/2006/main" xmlns:r="http://schemas.openxmlformats.org/officeDocument/2006/relationships" xmlns:p="http://schemas.openxmlformats.org/presentationml/2006/main">
-  <p:cSld>
-    <p:spTree>
-      <p:nvGrpSpPr>
-        <p:cNvPr id="1" name=""/>
-        <p:cNvGrpSpPr/>
-        <p:nvPr/>
-      </p:nvGrpSpPr>
-      <p:grpSpPr>
-        <a:xfrm>
-          <a:off x="0" y="0"/>
-          <a:ext cx="0" cy="0"/>
-          <a:chOff x="0" y="0"/>
-          <a:chExt cx="0" cy="0"/>
-        </a:xfrm>
-      </p:grpSpPr>
-      <p:sp>
-        <p:nvSpPr>
-          <p:cNvPr id="3" name="Espaço Reservado para Conteúdo 2">
-            <a:extLst>
-              <a:ext uri="{FF2B5EF4-FFF2-40B4-BE49-F238E27FC236}">
-                <a16:creationId xmlns:a16="http://schemas.microsoft.com/office/drawing/2014/main" id="{C18E07EE-E08B-4B80-91A0-E4B26E8BF698}"/>
-              </a:ext>
-            </a:extLst>
-          </p:cNvPr>
-          <p:cNvSpPr>
-            <a:spLocks noGrp="1"/>
-          </p:cNvSpPr>
-          <p:nvPr>
-            <p:ph idx="1"/>
-          </p:nvPr>
-        </p:nvSpPr>
-        <p:spPr>
-          <a:xfrm>
-            <a:off x="355107" y="266330"/>
-            <a:ext cx="11425561" cy="6427433"/>
-          </a:xfrm>
-        </p:spPr>
-        <p:txBody>
-          <a:bodyPr>
-            <a:normAutofit/>
-          </a:bodyPr>
-          <a:lstStyle/>
-          <a:p>
-            <a:pPr algn="l"/>
-            <a:endParaRPr lang="pt-BR" sz="1400" b="0" i="0" u="none" strike="noStrike" baseline="0" dirty="0">
-              <a:solidFill>
-                <a:srgbClr val="000000"/>
-              </a:solidFill>
-              <a:latin typeface="Arial" panose="020B0604020202020204" pitchFamily="34" charset="0"/>
-            </a:endParaRPr>
-          </a:p>
-          <a:p>
-            <a:pPr marL="0" indent="0">
-              <a:buNone/>
-            </a:pPr>
-            <a:r>
-              <a:rPr lang="pt-BR" sz="1200" b="0" i="0" u="none" strike="noStrike" baseline="0" dirty="0">
-                <a:solidFill>
-                  <a:srgbClr val="000000"/>
-                </a:solidFill>
-                <a:latin typeface="Arial" panose="020B0604020202020204" pitchFamily="34" charset="0"/>
-              </a:rPr>
-              <a:t>					             </a:t>
-            </a:r>
-            <a:r>
-              <a:rPr lang="pt-BR" b="1" i="0" u="none" strike="noStrike" baseline="0" dirty="0">
-                <a:solidFill>
-                  <a:srgbClr val="000000"/>
-                </a:solidFill>
-                <a:latin typeface="Arial" panose="020B0604020202020204" pitchFamily="34" charset="0"/>
-              </a:rPr>
-              <a:t>Descrição do processo de negócios</a:t>
-            </a:r>
-          </a:p>
-          <a:p>
-            <a:pPr marL="0" indent="0">
-              <a:buNone/>
-            </a:pPr>
-            <a:endParaRPr lang="pt-BR" sz="2400" b="1" dirty="0">
-              <a:solidFill>
-                <a:srgbClr val="000000"/>
-              </a:solidFill>
-              <a:latin typeface="Calibri" panose="020F0502020204030204" pitchFamily="34" charset="0"/>
-            </a:endParaRPr>
-          </a:p>
-          <a:p>
-            <a:pPr marL="0" indent="0">
-              <a:buNone/>
-            </a:pPr>
-            <a:r>
-              <a:rPr lang="pt-BR" sz="2400" b="1" dirty="0">
-                <a:solidFill>
-                  <a:srgbClr val="000000"/>
-                </a:solidFill>
-                <a:latin typeface="Calibri" panose="020F0502020204030204" pitchFamily="34" charset="0"/>
-              </a:rPr>
-              <a:t>Receber solicitação de cancelamento do pedido</a:t>
-            </a:r>
-            <a:endParaRPr lang="pt-BR" sz="2400" b="1" i="0" u="none" strike="noStrike" baseline="0" dirty="0">
-              <a:solidFill>
-                <a:srgbClr val="000000"/>
-              </a:solidFill>
-              <a:latin typeface="Arial" panose="020B0604020202020204" pitchFamily="34" charset="0"/>
-            </a:endParaRPr>
-          </a:p>
-          <a:p>
-            <a:pPr marL="0" indent="0">
-              <a:buNone/>
-            </a:pPr>
-            <a:r>
-              <a:rPr lang="pt-BR" sz="2400" b="1" i="0" u="none" strike="noStrike" baseline="0" dirty="0">
-                <a:solidFill>
-                  <a:srgbClr val="000000"/>
-                </a:solidFill>
-                <a:latin typeface="Calibri" panose="020F0502020204030204" pitchFamily="34" charset="0"/>
-              </a:rPr>
-              <a:t>Evento: </a:t>
-            </a:r>
-            <a:r>
-              <a:rPr lang="pt-BR" sz="2400" i="0" u="none" strike="noStrike" baseline="0" dirty="0">
-                <a:solidFill>
-                  <a:srgbClr val="000000"/>
-                </a:solidFill>
-                <a:latin typeface="Calibri" panose="020F0502020204030204" pitchFamily="34" charset="0"/>
-              </a:rPr>
-              <a:t>Loja solicita cancelamento de pedido à fábrica.</a:t>
-            </a:r>
-            <a:endParaRPr lang="pt-BR" sz="2400" dirty="0">
-              <a:solidFill>
-                <a:srgbClr val="000000"/>
-              </a:solidFill>
-              <a:latin typeface="Calibri" panose="020F0502020204030204" pitchFamily="34" charset="0"/>
-            </a:endParaRPr>
-          </a:p>
-          <a:p>
-            <a:pPr marL="0" indent="0">
-              <a:buNone/>
-            </a:pPr>
-            <a:r>
-              <a:rPr lang="pt-BR" sz="2400" b="1" i="0" u="none" strike="noStrike" baseline="0" dirty="0">
-                <a:solidFill>
-                  <a:srgbClr val="000000"/>
-                </a:solidFill>
-                <a:latin typeface="Calibri" panose="020F0502020204030204" pitchFamily="34" charset="0"/>
-              </a:rPr>
-              <a:t>Objetivo: </a:t>
-            </a:r>
-            <a:r>
-              <a:rPr lang="pt-BR" sz="2400" b="1" dirty="0">
-                <a:solidFill>
-                  <a:srgbClr val="000000"/>
-                </a:solidFill>
-                <a:latin typeface="Calibri" panose="020F0502020204030204" pitchFamily="34" charset="0"/>
-              </a:rPr>
-              <a:t>Iniciar o processo de cancelamento de pedido.</a:t>
-            </a:r>
-            <a:endParaRPr lang="pt-BR" sz="2400" b="1" i="0" u="none" strike="noStrike" baseline="0" dirty="0">
-              <a:solidFill>
-                <a:srgbClr val="000000"/>
-              </a:solidFill>
-              <a:latin typeface="Calibri" panose="020F0502020204030204" pitchFamily="34" charset="0"/>
-            </a:endParaRPr>
-          </a:p>
-          <a:p>
-            <a:pPr marL="0" indent="0">
-              <a:buNone/>
-            </a:pPr>
-            <a:r>
-              <a:rPr lang="pt-BR" sz="2400" b="1" i="0" u="none" strike="noStrike" baseline="0" dirty="0">
-                <a:solidFill>
-                  <a:srgbClr val="000000"/>
-                </a:solidFill>
-                <a:latin typeface="Calibri" panose="020F0502020204030204" pitchFamily="34" charset="0"/>
-              </a:rPr>
-              <a:t>Trabalhadores envolvidos: </a:t>
-            </a:r>
-            <a:r>
-              <a:rPr lang="pt-BR" sz="2400" i="0" u="none" strike="noStrike" baseline="0" dirty="0">
-                <a:solidFill>
-                  <a:srgbClr val="000000"/>
-                </a:solidFill>
-                <a:latin typeface="Calibri" panose="020F0502020204030204" pitchFamily="34" charset="0"/>
-              </a:rPr>
-              <a:t>Analista</a:t>
-            </a:r>
-            <a:r>
-              <a:rPr lang="pt-BR" sz="2400" b="1" i="0" u="none" strike="noStrike" baseline="0" dirty="0">
-                <a:solidFill>
-                  <a:srgbClr val="000000"/>
-                </a:solidFill>
-                <a:latin typeface="Calibri" panose="020F0502020204030204" pitchFamily="34" charset="0"/>
-              </a:rPr>
-              <a:t> </a:t>
-            </a:r>
-            <a:r>
-              <a:rPr lang="pt-BR" sz="2400" b="0" i="0" u="none" strike="noStrike" baseline="0" dirty="0">
-                <a:solidFill>
-                  <a:srgbClr val="000000"/>
-                </a:solidFill>
-                <a:latin typeface="Calibri" panose="020F0502020204030204" pitchFamily="34" charset="0"/>
-              </a:rPr>
-              <a:t>Financeiro </a:t>
-            </a:r>
-          </a:p>
-          <a:p>
-            <a:pPr marL="0" indent="0">
-              <a:buNone/>
-            </a:pPr>
-            <a:r>
-              <a:rPr lang="pt-BR" sz="2400" b="0" i="0" u="none" strike="noStrike" baseline="0" dirty="0">
-                <a:solidFill>
-                  <a:srgbClr val="000000"/>
-                </a:solidFill>
-                <a:latin typeface="Calibri" panose="020F0502020204030204" pitchFamily="34" charset="0"/>
-                <a:cs typeface="Calibri" panose="020F0502020204030204" pitchFamily="34" charset="0"/>
-              </a:rPr>
-              <a:t>• Recebe a solicitação de cancelamento do pedido.</a:t>
-            </a:r>
-          </a:p>
-          <a:p>
-            <a:r>
-              <a:rPr lang="pt-BR" sz="2400" dirty="0">
-                <a:solidFill>
-                  <a:srgbClr val="000000"/>
-                </a:solidFill>
-                <a:latin typeface="Calibri" panose="020F0502020204030204" pitchFamily="34" charset="0"/>
-                <a:cs typeface="Calibri" panose="020F0502020204030204" pitchFamily="34" charset="0"/>
-              </a:rPr>
-              <a:t>Guarda as informações de solicitação de cancelamento.</a:t>
-            </a:r>
-          </a:p>
-        </p:txBody>
-      </p:sp>
-    </p:spTree>
-    <p:extLst>
-      <p:ext uri="{BB962C8B-B14F-4D97-AF65-F5344CB8AC3E}">
-        <p14:creationId xmlns:p14="http://schemas.microsoft.com/office/powerpoint/2010/main" val="2740279458"/>
-      </p:ext>
-    </p:extLst>
-  </p:cSld>
-  <p:clrMapOvr>
-    <a:masterClrMapping/>
-  </p:clrMapOvr>
-</p:sld>
-</file>
-
-<file path=ppt/slides/slide16.xml><?xml version="1.0" encoding="utf-8"?>
-<p:sld xmlns:a="http://schemas.openxmlformats.org/drawingml/2006/main" xmlns:r="http://schemas.openxmlformats.org/officeDocument/2006/relationships" xmlns:p="http://schemas.openxmlformats.org/presentationml/2006/main">
-  <p:cSld>
-    <p:spTree>
-      <p:nvGrpSpPr>
-        <p:cNvPr id="1" name=""/>
-        <p:cNvGrpSpPr/>
-        <p:nvPr/>
-      </p:nvGrpSpPr>
-      <p:grpSpPr>
-        <a:xfrm>
-          <a:off x="0" y="0"/>
-          <a:ext cx="0" cy="0"/>
-          <a:chOff x="0" y="0"/>
-          <a:chExt cx="0" cy="0"/>
-        </a:xfrm>
-      </p:grpSpPr>
-      <p:sp>
-        <p:nvSpPr>
-          <p:cNvPr id="3" name="Espaço Reservado para Conteúdo 2">
-            <a:extLst>
-              <a:ext uri="{FF2B5EF4-FFF2-40B4-BE49-F238E27FC236}">
-                <a16:creationId xmlns:a16="http://schemas.microsoft.com/office/drawing/2014/main" id="{C18E07EE-E08B-4B80-91A0-E4B26E8BF698}"/>
-              </a:ext>
-            </a:extLst>
-          </p:cNvPr>
-          <p:cNvSpPr>
-            <a:spLocks noGrp="1"/>
-          </p:cNvSpPr>
-          <p:nvPr>
-            <p:ph idx="1"/>
-          </p:nvPr>
-        </p:nvSpPr>
-        <p:spPr>
-          <a:xfrm>
-            <a:off x="355107" y="266330"/>
-            <a:ext cx="11425561" cy="6427433"/>
-          </a:xfrm>
-        </p:spPr>
-        <p:txBody>
-          <a:bodyPr>
-            <a:normAutofit/>
-          </a:bodyPr>
-          <a:lstStyle/>
-          <a:p>
-            <a:pPr algn="l"/>
-            <a:endParaRPr lang="pt-BR" sz="1400" b="0" i="0" u="none" strike="noStrike" baseline="0" dirty="0">
-              <a:solidFill>
-                <a:srgbClr val="000000"/>
-              </a:solidFill>
-              <a:latin typeface="Arial" panose="020B0604020202020204" pitchFamily="34" charset="0"/>
-            </a:endParaRPr>
-          </a:p>
-          <a:p>
-            <a:pPr marL="0" indent="0">
-              <a:buNone/>
-            </a:pPr>
-            <a:r>
-              <a:rPr lang="pt-BR" sz="1200" b="0" i="0" u="none" strike="noStrike" baseline="0" dirty="0">
-                <a:solidFill>
-                  <a:srgbClr val="000000"/>
-                </a:solidFill>
-                <a:latin typeface="Arial" panose="020B0604020202020204" pitchFamily="34" charset="0"/>
-              </a:rPr>
               <a:t>					             </a:t>
             </a:r>
             <a:r>
@@ -5527,7 +4985,7 @@
 </p:sld>
 </file>
 
-<file path=ppt/slides/slide17.xml><?xml version="1.0" encoding="utf-8"?>
+<file path=ppt/slides/slide15.xml><?xml version="1.0" encoding="utf-8"?>
 <p:sld xmlns:a="http://schemas.openxmlformats.org/drawingml/2006/main" xmlns:r="http://schemas.openxmlformats.org/officeDocument/2006/relationships" xmlns:p="http://schemas.openxmlformats.org/presentationml/2006/main">
   <p:cSld>
     <p:spTree>
@@ -7407,13 +6865,13 @@
               <a:buNone/>
             </a:pPr>
             <a:r>
-              <a:rPr lang="pt-BR" sz="2400" b="1" i="0" u="none" strike="noStrike" baseline="0" dirty="0">
-                <a:solidFill>
-                  <a:srgbClr val="000000"/>
-                </a:solidFill>
-                <a:latin typeface="Calibri" panose="020F0502020204030204" pitchFamily="34" charset="0"/>
-              </a:rPr>
-              <a:t>Cobrar pagamentos</a:t>
+              <a:rPr lang="pt-BR" sz="2400" b="1" dirty="0">
+                <a:solidFill>
+                  <a:srgbClr val="000000"/>
+                </a:solidFill>
+                <a:latin typeface="Calibri" panose="020F0502020204030204" pitchFamily="34" charset="0"/>
+              </a:rPr>
+              <a:t>Enviar boletos </a:t>
             </a:r>
             <a:endParaRPr lang="pt-BR" sz="2400" b="1" i="0" u="none" strike="noStrike" baseline="0" dirty="0">
               <a:solidFill>
@@ -7433,7 +6891,7 @@
                 </a:solidFill>
                 <a:latin typeface="Calibri" panose="020F0502020204030204" pitchFamily="34" charset="0"/>
               </a:rPr>
-              <a:t>Evento: Fábrica faz cobrança de pagamentos à loja.</a:t>
+              <a:t>Evento: Loja dá respostas sobre contato de cobrança.</a:t>
             </a:r>
           </a:p>
           <a:p>
@@ -7510,19 +6968,35 @@
             </a:r>
           </a:p>
           <a:p>
-            <a:pPr marL="0" indent="0">
-              <a:buNone/>
-            </a:pPr>
-            <a:r>
-              <a:rPr lang="pt-BR" sz="2400" b="0" i="0" u="none" strike="noStrike" baseline="0" dirty="0">
+            <a:r>
+              <a:rPr lang="pt-BR" sz="2400" dirty="0">
+                <a:solidFill>
+                  <a:srgbClr val="000000"/>
+                </a:solidFill>
+                <a:latin typeface="Calibri" panose="020F0502020204030204" pitchFamily="34" charset="0"/>
+              </a:rPr>
+              <a:t>Recebe da loja resposta do contato feito com cobrança referente a pagamentos atrasados.</a:t>
+            </a:r>
+            <a:endParaRPr lang="pt-BR" sz="2400" b="0" i="0" u="none" strike="noStrike" baseline="0" dirty="0">
+              <a:solidFill>
+                <a:srgbClr val="000000"/>
+              </a:solidFill>
+              <a:latin typeface="Calibri" panose="020F0502020204030204" pitchFamily="34" charset="0"/>
+            </a:endParaRPr>
+          </a:p>
+          <a:p>
+            <a:r>
+              <a:rPr lang="pt-BR" sz="2400" dirty="0">
                 <a:solidFill>
                   <a:srgbClr val="000000"/>
                 </a:solidFill>
                 <a:latin typeface="Calibri" panose="020F0502020204030204" pitchFamily="34" charset="0"/>
                 <a:cs typeface="Calibri" panose="020F0502020204030204" pitchFamily="34" charset="0"/>
               </a:rPr>
-              <a:t>• </a:t>
-            </a:r>
+              <a:t>Envia novo boleto com juros, em caso de atraso.</a:t>
+            </a:r>
+          </a:p>
+          <a:p>
             <a:r>
               <a:rPr lang="pt-BR" sz="2400" dirty="0">
                 <a:solidFill>
@@ -7531,19 +7005,7 @@
                 <a:latin typeface="Calibri" panose="020F0502020204030204" pitchFamily="34" charset="0"/>
                 <a:cs typeface="Calibri" panose="020F0502020204030204" pitchFamily="34" charset="0"/>
               </a:rPr>
-              <a:t>Contatar as lojas avisando que há atraso no pagamento.</a:t>
-            </a:r>
-          </a:p>
-          <a:p>
-            <a:r>
-              <a:rPr lang="pt-BR" sz="2400" dirty="0">
-                <a:solidFill>
-                  <a:srgbClr val="000000"/>
-                </a:solidFill>
-                <a:latin typeface="Calibri" panose="020F0502020204030204" pitchFamily="34" charset="0"/>
-                <a:cs typeface="Calibri" panose="020F0502020204030204" pitchFamily="34" charset="0"/>
-              </a:rPr>
-              <a:t>Oferece nova via do boleto com juros.</a:t>
+              <a:t>Consulta e envia dados de cobrança.</a:t>
             </a:r>
           </a:p>
         </p:txBody>
@@ -7551,7 +7013,7 @@
     </p:spTree>
     <p:extLst>
       <p:ext uri="{BB962C8B-B14F-4D97-AF65-F5344CB8AC3E}">
-        <p14:creationId xmlns:p14="http://schemas.microsoft.com/office/powerpoint/2010/main" val="1185252396"/>
+        <p14:creationId xmlns:p14="http://schemas.microsoft.com/office/powerpoint/2010/main" val="3206071481"/>
       </p:ext>
     </p:extLst>
   </p:cSld>
@@ -7656,7 +7118,7 @@
                 </a:solidFill>
                 <a:latin typeface="Calibri" panose="020F0502020204030204" pitchFamily="34" charset="0"/>
               </a:rPr>
-              <a:t>Enviar boletos </a:t>
+              <a:t>Iniciar consulta TED</a:t>
             </a:r>
             <a:endParaRPr lang="pt-BR" sz="2400" b="1" i="0" u="none" strike="noStrike" baseline="0" dirty="0">
               <a:solidFill>
@@ -7676,93 +7138,9 @@
                 </a:solidFill>
                 <a:latin typeface="Calibri" panose="020F0502020204030204" pitchFamily="34" charset="0"/>
               </a:rPr>
-              <a:t>Evento: Loja dá respostas sobre contato de cobrança.</a:t>
-            </a:r>
-          </a:p>
-          <a:p>
-            <a:pPr marL="0" indent="0">
-              <a:buNone/>
-            </a:pPr>
-            <a:r>
-              <a:rPr lang="pt-BR" sz="2400" b="1" i="0" u="none" strike="noStrike" baseline="0" dirty="0">
-                <a:solidFill>
-                  <a:srgbClr val="000000"/>
-                </a:solidFill>
-                <a:latin typeface="Calibri" panose="020F0502020204030204" pitchFamily="34" charset="0"/>
-              </a:rPr>
-              <a:t>Objetivo: </a:t>
-            </a:r>
-            <a:r>
-              <a:rPr lang="pt-BR" sz="2400" i="0" u="none" strike="noStrike" baseline="0" dirty="0">
-                <a:solidFill>
-                  <a:srgbClr val="000000"/>
-                </a:solidFill>
-                <a:latin typeface="Calibri" panose="020F0502020204030204" pitchFamily="34" charset="0"/>
-              </a:rPr>
-              <a:t>Fazer cobrança de pagamentos que estão atrasados.</a:t>
-            </a:r>
-            <a:r>
-              <a:rPr lang="pt-BR" sz="2400" b="1" i="0" u="none" strike="noStrike" baseline="0" dirty="0">
-                <a:solidFill>
-                  <a:srgbClr val="000000"/>
-                </a:solidFill>
-                <a:latin typeface="Calibri" panose="020F0502020204030204" pitchFamily="34" charset="0"/>
-              </a:rPr>
-              <a:t> </a:t>
-            </a:r>
-          </a:p>
-          <a:p>
-            <a:pPr marL="0" indent="0">
-              <a:buNone/>
-            </a:pPr>
-            <a:r>
-              <a:rPr lang="pt-BR" sz="2400" b="1" i="0" u="none" strike="noStrike" baseline="0" dirty="0">
-                <a:solidFill>
-                  <a:srgbClr val="000000"/>
-                </a:solidFill>
-                <a:latin typeface="Calibri" panose="020F0502020204030204" pitchFamily="34" charset="0"/>
-              </a:rPr>
-              <a:t>Trabalhadores envolvidos: </a:t>
-            </a:r>
-            <a:r>
-              <a:rPr lang="pt-BR" sz="2400" i="0" u="none" strike="noStrike" baseline="0" dirty="0">
-                <a:solidFill>
-                  <a:srgbClr val="000000"/>
-                </a:solidFill>
-                <a:latin typeface="Calibri" panose="020F0502020204030204" pitchFamily="34" charset="0"/>
-              </a:rPr>
-              <a:t>Analista</a:t>
-            </a:r>
-            <a:r>
-              <a:rPr lang="pt-BR" sz="2400" b="1" i="0" u="none" strike="noStrike" baseline="0" dirty="0">
-                <a:solidFill>
-                  <a:srgbClr val="000000"/>
-                </a:solidFill>
-                <a:latin typeface="Calibri" panose="020F0502020204030204" pitchFamily="34" charset="0"/>
-              </a:rPr>
-              <a:t> </a:t>
-            </a:r>
-            <a:r>
-              <a:rPr lang="pt-BR" sz="2400" b="0" i="0" u="none" strike="noStrike" baseline="0" dirty="0">
-                <a:solidFill>
-                  <a:srgbClr val="000000"/>
-                </a:solidFill>
-                <a:latin typeface="Calibri" panose="020F0502020204030204" pitchFamily="34" charset="0"/>
-              </a:rPr>
-              <a:t>Financeiro </a:t>
-            </a:r>
-          </a:p>
-          <a:p>
-            <a:r>
-              <a:rPr lang="pt-BR" sz="2400" dirty="0">
-                <a:solidFill>
-                  <a:srgbClr val="000000"/>
-                </a:solidFill>
-                <a:latin typeface="Calibri" panose="020F0502020204030204" pitchFamily="34" charset="0"/>
-              </a:rPr>
-              <a:t>Recebe da loja resposta do contato feito com cobrança referente a pagamentos atrasados.</a:t>
-            </a:r>
-            <a:endParaRPr lang="pt-BR" sz="2400" b="0" i="0" u="none" strike="noStrike" baseline="0" dirty="0">
+              <a:t>Evento: Fábrica recebe comprovante de pagamento</a:t>
+            </a:r>
+            <a:endParaRPr lang="pt-BR" sz="2400" dirty="0">
               <a:solidFill>
                 <a:srgbClr val="000000"/>
               </a:solidFill>
@@ -7770,6 +7148,108 @@
             </a:endParaRPr>
           </a:p>
           <a:p>
+            <a:pPr marL="0" indent="0">
+              <a:buNone/>
+            </a:pPr>
+            <a:r>
+              <a:rPr lang="pt-BR" sz="2400" b="1" i="0" u="none" strike="noStrike" baseline="0" dirty="0">
+                <a:solidFill>
+                  <a:srgbClr val="000000"/>
+                </a:solidFill>
+                <a:latin typeface="Calibri" panose="020F0502020204030204" pitchFamily="34" charset="0"/>
+              </a:rPr>
+              <a:t>Objetivo: Consultar se TED foi feito pela loja.</a:t>
+            </a:r>
+          </a:p>
+          <a:p>
+            <a:pPr marL="0" indent="0">
+              <a:buNone/>
+            </a:pPr>
+            <a:r>
+              <a:rPr lang="pt-BR" sz="2400" b="1" i="0" u="none" strike="noStrike" baseline="0" dirty="0">
+                <a:solidFill>
+                  <a:srgbClr val="000000"/>
+                </a:solidFill>
+                <a:latin typeface="Calibri" panose="020F0502020204030204" pitchFamily="34" charset="0"/>
+              </a:rPr>
+              <a:t>Trabalhadores envolvidos: </a:t>
+            </a:r>
+            <a:r>
+              <a:rPr lang="pt-BR" sz="2400" i="0" u="none" strike="noStrike" baseline="0" dirty="0">
+                <a:solidFill>
+                  <a:srgbClr val="000000"/>
+                </a:solidFill>
+                <a:latin typeface="Calibri" panose="020F0502020204030204" pitchFamily="34" charset="0"/>
+              </a:rPr>
+              <a:t>Analista</a:t>
+            </a:r>
+            <a:r>
+              <a:rPr lang="pt-BR" sz="2400" b="1" i="0" u="none" strike="noStrike" baseline="0" dirty="0">
+                <a:solidFill>
+                  <a:srgbClr val="000000"/>
+                </a:solidFill>
+                <a:latin typeface="Calibri" panose="020F0502020204030204" pitchFamily="34" charset="0"/>
+              </a:rPr>
+              <a:t> </a:t>
+            </a:r>
+            <a:r>
+              <a:rPr lang="pt-BR" sz="2400" b="0" i="0" u="none" strike="noStrike" baseline="0" dirty="0">
+                <a:solidFill>
+                  <a:srgbClr val="000000"/>
+                </a:solidFill>
+                <a:latin typeface="Calibri" panose="020F0502020204030204" pitchFamily="34" charset="0"/>
+              </a:rPr>
+              <a:t>Financeiro </a:t>
+            </a:r>
+          </a:p>
+          <a:p>
+            <a:pPr marL="0" indent="0">
+              <a:buNone/>
+            </a:pPr>
+            <a:r>
+              <a:rPr lang="pt-BR" sz="2400" b="0" i="0" u="none" strike="noStrike" baseline="0" dirty="0">
+                <a:solidFill>
+                  <a:srgbClr val="000000"/>
+                </a:solidFill>
+                <a:latin typeface="Calibri" panose="020F0502020204030204" pitchFamily="34" charset="0"/>
+                <a:cs typeface="Calibri" panose="020F0502020204030204" pitchFamily="34" charset="0"/>
+              </a:rPr>
+              <a:t>• Recebe comprovante de transferência (TED).</a:t>
+            </a:r>
+          </a:p>
+          <a:p>
+            <a:r>
+              <a:rPr lang="pt-BR" sz="2400" b="0" i="0" u="none" strike="noStrike" baseline="0" dirty="0">
+                <a:solidFill>
+                  <a:srgbClr val="000000"/>
+                </a:solidFill>
+                <a:latin typeface="Calibri" panose="020F0502020204030204" pitchFamily="34" charset="0"/>
+                <a:cs typeface="Calibri" panose="020F0502020204030204" pitchFamily="34" charset="0"/>
+              </a:rPr>
+              <a:t>Consulta e atualiza status orçamento para aguardando confirmação do </a:t>
+            </a:r>
+            <a:r>
+              <a:rPr lang="pt-BR" sz="2400" b="0" i="0" u="none" strike="noStrike" baseline="0" dirty="0" err="1">
+                <a:solidFill>
+                  <a:srgbClr val="000000"/>
+                </a:solidFill>
+                <a:latin typeface="Calibri" panose="020F0502020204030204" pitchFamily="34" charset="0"/>
+                <a:cs typeface="Calibri" panose="020F0502020204030204" pitchFamily="34" charset="0"/>
+              </a:rPr>
+              <a:t>ted</a:t>
+            </a:r>
+            <a:r>
+              <a:rPr lang="pt-BR" sz="2400" b="0" i="0" u="none" strike="noStrike" baseline="0" dirty="0">
+                <a:solidFill>
+                  <a:srgbClr val="000000"/>
+                </a:solidFill>
+                <a:latin typeface="Calibri" panose="020F0502020204030204" pitchFamily="34" charset="0"/>
+                <a:cs typeface="Calibri" panose="020F0502020204030204" pitchFamily="34" charset="0"/>
+              </a:rPr>
+              <a:t>, e aguarda reposta do extrato do banco.</a:t>
+            </a:r>
+          </a:p>
+          <a:p>
             <a:r>
               <a:rPr lang="pt-BR" sz="2400" dirty="0">
                 <a:solidFill>
@@ -7778,27 +7258,36 @@
                 <a:latin typeface="Calibri" panose="020F0502020204030204" pitchFamily="34" charset="0"/>
                 <a:cs typeface="Calibri" panose="020F0502020204030204" pitchFamily="34" charset="0"/>
               </a:rPr>
-              <a:t>Envia novo boleto com juros, em caso de atraso.</a:t>
-            </a:r>
-          </a:p>
-          <a:p>
-            <a:r>
-              <a:rPr lang="pt-BR" sz="2400" dirty="0">
-                <a:solidFill>
-                  <a:srgbClr val="000000"/>
-                </a:solidFill>
-                <a:latin typeface="Calibri" panose="020F0502020204030204" pitchFamily="34" charset="0"/>
-                <a:cs typeface="Calibri" panose="020F0502020204030204" pitchFamily="34" charset="0"/>
-              </a:rPr>
-              <a:t>Consulta e envia dados de cobrança.</a:t>
-            </a:r>
+              <a:t>Envia solicitação do extrato.</a:t>
+            </a:r>
+          </a:p>
+          <a:p>
+            <a:endParaRPr lang="pt-BR" sz="2400" dirty="0">
+              <a:solidFill>
+                <a:srgbClr val="000000"/>
+              </a:solidFill>
+              <a:latin typeface="Calibri" panose="020F0502020204030204" pitchFamily="34" charset="0"/>
+              <a:cs typeface="Calibri" panose="020F0502020204030204" pitchFamily="34" charset="0"/>
+            </a:endParaRPr>
+          </a:p>
+          <a:p>
+            <a:pPr marL="0" indent="0">
+              <a:buNone/>
+            </a:pPr>
+            <a:endParaRPr lang="pt-BR" sz="2400" dirty="0">
+              <a:solidFill>
+                <a:srgbClr val="000000"/>
+              </a:solidFill>
+              <a:latin typeface="Calibri" panose="020F0502020204030204" pitchFamily="34" charset="0"/>
+              <a:cs typeface="Calibri" panose="020F0502020204030204" pitchFamily="34" charset="0"/>
+            </a:endParaRPr>
           </a:p>
         </p:txBody>
       </p:sp>
     </p:spTree>
     <p:extLst>
       <p:ext uri="{BB962C8B-B14F-4D97-AF65-F5344CB8AC3E}">
-        <p14:creationId xmlns:p14="http://schemas.microsoft.com/office/powerpoint/2010/main" val="3206071481"/>
+        <p14:creationId xmlns:p14="http://schemas.microsoft.com/office/powerpoint/2010/main" val="2076162716"/>
       </p:ext>
     </p:extLst>
   </p:cSld>

--- a/artefatos/18 - Descrição de processos de Negócios.pptx
+++ b/artefatos/18 - Descrição de processos de Negócios.pptx
@@ -273,7 +273,7 @@
           <a:p>
             <a:fld id="{E078609E-2EB3-48C4-95D0-B9BD7D23E94C}" type="datetimeFigureOut">
               <a:rPr lang="pt-BR" smtClean="0"/>
-              <a:t>12/11/2020</a:t>
+              <a:t>18/11/2020</a:t>
             </a:fld>
             <a:endParaRPr lang="pt-BR"/>
           </a:p>
@@ -471,7 +471,7 @@
           <a:p>
             <a:fld id="{E078609E-2EB3-48C4-95D0-B9BD7D23E94C}" type="datetimeFigureOut">
               <a:rPr lang="pt-BR" smtClean="0"/>
-              <a:t>12/11/2020</a:t>
+              <a:t>18/11/2020</a:t>
             </a:fld>
             <a:endParaRPr lang="pt-BR"/>
           </a:p>
@@ -679,7 +679,7 @@
           <a:p>
             <a:fld id="{E078609E-2EB3-48C4-95D0-B9BD7D23E94C}" type="datetimeFigureOut">
               <a:rPr lang="pt-BR" smtClean="0"/>
-              <a:t>12/11/2020</a:t>
+              <a:t>18/11/2020</a:t>
             </a:fld>
             <a:endParaRPr lang="pt-BR"/>
           </a:p>
@@ -877,7 +877,7 @@
           <a:p>
             <a:fld id="{E078609E-2EB3-48C4-95D0-B9BD7D23E94C}" type="datetimeFigureOut">
               <a:rPr lang="pt-BR" smtClean="0"/>
-              <a:t>12/11/2020</a:t>
+              <a:t>18/11/2020</a:t>
             </a:fld>
             <a:endParaRPr lang="pt-BR"/>
           </a:p>
@@ -1152,7 +1152,7 @@
           <a:p>
             <a:fld id="{E078609E-2EB3-48C4-95D0-B9BD7D23E94C}" type="datetimeFigureOut">
               <a:rPr lang="pt-BR" smtClean="0"/>
-              <a:t>12/11/2020</a:t>
+              <a:t>18/11/2020</a:t>
             </a:fld>
             <a:endParaRPr lang="pt-BR"/>
           </a:p>
@@ -1417,7 +1417,7 @@
           <a:p>
             <a:fld id="{E078609E-2EB3-48C4-95D0-B9BD7D23E94C}" type="datetimeFigureOut">
               <a:rPr lang="pt-BR" smtClean="0"/>
-              <a:t>12/11/2020</a:t>
+              <a:t>18/11/2020</a:t>
             </a:fld>
             <a:endParaRPr lang="pt-BR"/>
           </a:p>
@@ -1829,7 +1829,7 @@
           <a:p>
             <a:fld id="{E078609E-2EB3-48C4-95D0-B9BD7D23E94C}" type="datetimeFigureOut">
               <a:rPr lang="pt-BR" smtClean="0"/>
-              <a:t>12/11/2020</a:t>
+              <a:t>18/11/2020</a:t>
             </a:fld>
             <a:endParaRPr lang="pt-BR"/>
           </a:p>
@@ -1970,7 +1970,7 @@
           <a:p>
             <a:fld id="{E078609E-2EB3-48C4-95D0-B9BD7D23E94C}" type="datetimeFigureOut">
               <a:rPr lang="pt-BR" smtClean="0"/>
-              <a:t>12/11/2020</a:t>
+              <a:t>18/11/2020</a:t>
             </a:fld>
             <a:endParaRPr lang="pt-BR"/>
           </a:p>
@@ -2083,7 +2083,7 @@
           <a:p>
             <a:fld id="{E078609E-2EB3-48C4-95D0-B9BD7D23E94C}" type="datetimeFigureOut">
               <a:rPr lang="pt-BR" smtClean="0"/>
-              <a:t>12/11/2020</a:t>
+              <a:t>18/11/2020</a:t>
             </a:fld>
             <a:endParaRPr lang="pt-BR"/>
           </a:p>
@@ -2394,7 +2394,7 @@
           <a:p>
             <a:fld id="{E078609E-2EB3-48C4-95D0-B9BD7D23E94C}" type="datetimeFigureOut">
               <a:rPr lang="pt-BR" smtClean="0"/>
-              <a:t>12/11/2020</a:t>
+              <a:t>18/11/2020</a:t>
             </a:fld>
             <a:endParaRPr lang="pt-BR"/>
           </a:p>
@@ -2682,7 +2682,7 @@
           <a:p>
             <a:fld id="{E078609E-2EB3-48C4-95D0-B9BD7D23E94C}" type="datetimeFigureOut">
               <a:rPr lang="pt-BR" smtClean="0"/>
-              <a:t>12/11/2020</a:t>
+              <a:t>18/11/2020</a:t>
             </a:fld>
             <a:endParaRPr lang="pt-BR"/>
           </a:p>
@@ -2923,7 +2923,7 @@
           <a:p>
             <a:fld id="{E078609E-2EB3-48C4-95D0-B9BD7D23E94C}" type="datetimeFigureOut">
               <a:rPr lang="pt-BR" smtClean="0"/>
-              <a:t>12/11/2020</a:t>
+              <a:t>18/11/2020</a:t>
             </a:fld>
             <a:endParaRPr lang="pt-BR"/>
           </a:p>
@@ -3454,7 +3454,7 @@
                 </a:solidFill>
                 <a:latin typeface="Calibri" panose="020F0502020204030204" pitchFamily="34" charset="0"/>
               </a:rPr>
-              <a:t> solicitação de orçamento</a:t>
+              <a:t> solicitação de orçamento.</a:t>
             </a:r>
           </a:p>
           <a:p>
@@ -3728,7 +3728,16 @@
                 </a:solidFill>
                 <a:latin typeface="Calibri" panose="020F0502020204030204" pitchFamily="34" charset="0"/>
               </a:rPr>
-              <a:t>Evento: Fábrica recebe comprovante de pagamento</a:t>
+              <a:t>Evento: </a:t>
+            </a:r>
+            <a:r>
+              <a:rPr lang="pt-BR" sz="2400" i="0" u="none" strike="noStrike" baseline="0" dirty="0">
+                <a:solidFill>
+                  <a:srgbClr val="000000"/>
+                </a:solidFill>
+                <a:latin typeface="Calibri" panose="020F0502020204030204" pitchFamily="34" charset="0"/>
+              </a:rPr>
+              <a:t>Fábrica recebe comprovante de pagamento.</a:t>
             </a:r>
             <a:endParaRPr lang="pt-BR" sz="2400" dirty="0">
               <a:solidFill>
@@ -3748,7 +3757,16 @@
                 </a:solidFill>
                 <a:latin typeface="Calibri" panose="020F0502020204030204" pitchFamily="34" charset="0"/>
               </a:rPr>
-              <a:t>Objetivo: Consultar se TED foi feito pela loja.</a:t>
+              <a:t>Objetivo: </a:t>
+            </a:r>
+            <a:r>
+              <a:rPr lang="pt-BR" sz="2400" i="0" u="none" strike="noStrike" baseline="0" dirty="0">
+                <a:solidFill>
+                  <a:srgbClr val="000000"/>
+                </a:solidFill>
+                <a:latin typeface="Calibri" panose="020F0502020204030204" pitchFamily="34" charset="0"/>
+              </a:rPr>
+              <a:t>Consultar se TED foi feito pela loja.</a:t>
             </a:r>
           </a:p>
           <a:p>
@@ -4308,7 +4326,7 @@
               <a:t>Objetivo: </a:t>
             </a:r>
             <a:r>
-              <a:rPr lang="pt-BR" sz="2400" b="1" dirty="0">
+              <a:rPr lang="pt-BR" sz="2400" dirty="0">
                 <a:solidFill>
                   <a:srgbClr val="000000"/>
                 </a:solidFill>
@@ -4317,13 +4335,13 @@
               <a:t>Finalizar</a:t>
             </a:r>
             <a:r>
-              <a:rPr lang="pt-BR" sz="2400" b="1" i="0" u="none" strike="noStrike" baseline="0" dirty="0">
-                <a:solidFill>
-                  <a:srgbClr val="000000"/>
-                </a:solidFill>
-                <a:latin typeface="Calibri" panose="020F0502020204030204" pitchFamily="34" charset="0"/>
-              </a:rPr>
-              <a:t> transação com cartão</a:t>
+              <a:rPr lang="pt-BR" sz="2400" i="0" u="none" strike="noStrike" baseline="0" dirty="0">
+                <a:solidFill>
+                  <a:srgbClr val="000000"/>
+                </a:solidFill>
+                <a:latin typeface="Calibri" panose="020F0502020204030204" pitchFamily="34" charset="0"/>
+              </a:rPr>
+              <a:t> transação com cartão.</a:t>
             </a:r>
           </a:p>
           <a:p>
@@ -4616,7 +4634,7 @@
               <a:t>Objetivo: </a:t>
             </a:r>
             <a:r>
-              <a:rPr lang="pt-BR" sz="2400" b="1" dirty="0">
+              <a:rPr lang="pt-BR" sz="2400" dirty="0">
                 <a:solidFill>
                   <a:srgbClr val="000000"/>
                 </a:solidFill>
@@ -4624,7 +4642,7 @@
               </a:rPr>
               <a:t>Iniciar o processo de cancelamento de pedido.</a:t>
             </a:r>
-            <a:endParaRPr lang="pt-BR" sz="2400" b="1" i="0" u="none" strike="noStrike" baseline="0" dirty="0">
+            <a:endParaRPr lang="pt-BR" sz="2400" i="0" u="none" strike="noStrike" baseline="0" dirty="0">
               <a:solidFill>
                 <a:srgbClr val="000000"/>
               </a:solidFill>
@@ -4855,7 +4873,16 @@
                 </a:solidFill>
                 <a:latin typeface="Calibri" panose="020F0502020204030204" pitchFamily="34" charset="0"/>
               </a:rPr>
-              <a:t>Objetivo: Realizar cancelamento do pedido.</a:t>
+              <a:t>Objetivo: </a:t>
+            </a:r>
+            <a:r>
+              <a:rPr lang="pt-BR" sz="2400" i="0" u="none" strike="noStrike" baseline="0" dirty="0">
+                <a:solidFill>
+                  <a:srgbClr val="000000"/>
+                </a:solidFill>
+                <a:latin typeface="Calibri" panose="020F0502020204030204" pitchFamily="34" charset="0"/>
+              </a:rPr>
+              <a:t>Realizar cancelamento do pedido.</a:t>
             </a:r>
           </a:p>
           <a:p>
@@ -5132,9 +5159,18 @@
                 </a:solidFill>
                 <a:latin typeface="Calibri" panose="020F0502020204030204" pitchFamily="34" charset="0"/>
               </a:rPr>
-              <a:t>Objetivo: Realizar cancelamento da nota fiscal.</a:t>
-            </a:r>
-            <a:endParaRPr lang="pt-BR" sz="2400" b="1" dirty="0">
+              <a:t>Objetivo: </a:t>
+            </a:r>
+            <a:r>
+              <a:rPr lang="pt-BR" sz="2400" i="0" u="none" strike="noStrike" baseline="0" dirty="0">
+                <a:solidFill>
+                  <a:srgbClr val="000000"/>
+                </a:solidFill>
+                <a:latin typeface="Calibri" panose="020F0502020204030204" pitchFamily="34" charset="0"/>
+              </a:rPr>
+              <a:t>Realizar cancelamento da nota fiscal.</a:t>
+            </a:r>
+            <a:endParaRPr lang="pt-BR" sz="2400" dirty="0">
               <a:solidFill>
                 <a:srgbClr val="000000"/>
               </a:solidFill>
@@ -5183,6 +5219,9 @@
             </a:r>
           </a:p>
           <a:p>
+            <a:pPr marL="0" indent="0">
+              <a:buNone/>
+            </a:pPr>
             <a:r>
               <a:rPr lang="pt-BR" sz="2400" b="0" i="0" u="none" strike="noStrike" baseline="0" dirty="0">
                 <a:solidFill>
@@ -5213,10 +5252,18 @@
                 <a:latin typeface="Calibri" panose="020F0502020204030204" pitchFamily="34" charset="0"/>
                 <a:cs typeface="Calibri" panose="020F0502020204030204" pitchFamily="34" charset="0"/>
               </a:rPr>
-              <a:t>Altera status da solicitação de cancelamento.</a:t>
-            </a:r>
-          </a:p>
-          <a:p>
+              <a:t>Altera status da solicitação de cancelamento para </a:t>
+            </a:r>
+            <a:r>
+              <a:rPr lang="pt-BR" sz="2400" dirty="0" err="1">
+                <a:solidFill>
+                  <a:srgbClr val="000000"/>
+                </a:solidFill>
+                <a:latin typeface="Calibri" panose="020F0502020204030204" pitchFamily="34" charset="0"/>
+                <a:cs typeface="Calibri" panose="020F0502020204030204" pitchFamily="34" charset="0"/>
+              </a:rPr>
+              <a:t>concluido</a:t>
+            </a:r>
             <a:r>
               <a:rPr lang="pt-BR" sz="2400" dirty="0">
                 <a:solidFill>
@@ -5225,25 +5272,20 @@
                 <a:latin typeface="Calibri" panose="020F0502020204030204" pitchFamily="34" charset="0"/>
                 <a:cs typeface="Calibri" panose="020F0502020204030204" pitchFamily="34" charset="0"/>
               </a:rPr>
-              <a:t>Solicita ao responsável pelo departamento o cancelamento </a:t>
-            </a:r>
-            <a:r>
-              <a:rPr lang="pt-BR" sz="2400">
+              <a:t>.</a:t>
+            </a:r>
+          </a:p>
+          <a:p>
+            <a:r>
+              <a:rPr lang="pt-BR" sz="2400" dirty="0">
                 <a:solidFill>
                   <a:srgbClr val="000000"/>
                 </a:solidFill>
                 <a:latin typeface="Calibri" panose="020F0502020204030204" pitchFamily="34" charset="0"/>
                 <a:cs typeface="Calibri" panose="020F0502020204030204" pitchFamily="34" charset="0"/>
               </a:rPr>
-              <a:t>da nota.</a:t>
-            </a:r>
-            <a:endParaRPr lang="pt-BR" sz="2400" dirty="0">
-              <a:solidFill>
-                <a:srgbClr val="000000"/>
-              </a:solidFill>
-              <a:latin typeface="Calibri" panose="020F0502020204030204" pitchFamily="34" charset="0"/>
-              <a:cs typeface="Calibri" panose="020F0502020204030204" pitchFamily="34" charset="0"/>
-            </a:endParaRPr>
+              <a:t>Solicita ao responsável pelo departamento o cancelamento da nota.</a:t>
+            </a:r>
           </a:p>
         </p:txBody>
       </p:sp>
@@ -5393,7 +5435,7 @@
                 </a:solidFill>
                 <a:latin typeface="Calibri" panose="020F0502020204030204" pitchFamily="34" charset="0"/>
               </a:rPr>
-              <a:t> gera orçamento</a:t>
+              <a:t> gera orçamento.</a:t>
             </a:r>
           </a:p>
           <a:p>
@@ -5416,7 +5458,7 @@
                 </a:solidFill>
                 <a:latin typeface="Calibri" panose="020F0502020204030204" pitchFamily="34" charset="0"/>
               </a:rPr>
-              <a:t>Gerar orçamento a partir de informações na solicitação de orçamento</a:t>
+              <a:t>Gerar orçamento a partir de informações na solicitação de orçamento.</a:t>
             </a:r>
           </a:p>
           <a:p>
@@ -5633,25 +5675,7 @@
                 </a:solidFill>
                 <a:latin typeface="Calibri" panose="020F0502020204030204" pitchFamily="34" charset="0"/>
               </a:rPr>
-              <a:t>Evento</a:t>
-            </a:r>
-            <a:r>
-              <a:rPr lang="pt-BR" sz="2400" b="1" i="0" u="none" strike="noStrike" baseline="0">
-                <a:solidFill>
-                  <a:srgbClr val="000000"/>
-                </a:solidFill>
-                <a:latin typeface="Calibri" panose="020F0502020204030204" pitchFamily="34" charset="0"/>
-              </a:rPr>
-              <a:t>: </a:t>
-            </a:r>
-            <a:r>
-              <a:rPr lang="pt-BR" sz="2400" i="0" u="none" strike="noStrike" baseline="0">
-                <a:solidFill>
-                  <a:srgbClr val="000000"/>
-                </a:solidFill>
-                <a:latin typeface="Calibri" panose="020F0502020204030204" pitchFamily="34" charset="0"/>
-              </a:rPr>
-              <a:t>Loja </a:t>
+              <a:t>Evento: </a:t>
             </a:r>
             <a:r>
               <a:rPr lang="pt-BR" sz="2400" i="0" u="none" strike="noStrike" baseline="0" dirty="0">
@@ -5660,7 +5684,7 @@
                 </a:solidFill>
                 <a:latin typeface="Calibri" panose="020F0502020204030204" pitchFamily="34" charset="0"/>
               </a:rPr>
-              <a:t>trata resposta ao orçamento</a:t>
+              <a:t>Loja trata resposta ao orçamento.</a:t>
             </a:r>
           </a:p>
           <a:p>
@@ -5683,7 +5707,7 @@
                 </a:solidFill>
                 <a:latin typeface="Calibri" panose="020F0502020204030204" pitchFamily="34" charset="0"/>
               </a:rPr>
-              <a:t>Tratar resposta ao orçamento enviado pela loja</a:t>
+              <a:t>Tratar resposta ao orçamento enviado pela loja.</a:t>
             </a:r>
           </a:p>
           <a:p>
@@ -5932,7 +5956,7 @@
                 </a:solidFill>
                 <a:latin typeface="Calibri" panose="020F0502020204030204" pitchFamily="34" charset="0"/>
               </a:rPr>
-              <a:t>Receber pagamento em dinheiro enviado pela loja</a:t>
+              <a:t>Receber pagamento em dinheiro enviado pela loja.</a:t>
             </a:r>
           </a:p>
           <a:p>
@@ -6162,7 +6186,7 @@
                 </a:solidFill>
                 <a:latin typeface="Calibri" panose="020F0502020204030204" pitchFamily="34" charset="0"/>
               </a:rPr>
-              <a:t>Loja consulta extrato dos boletos</a:t>
+              <a:t>Loja consulta extrato dos boletos.</a:t>
             </a:r>
           </a:p>
           <a:p>
@@ -6414,7 +6438,7 @@
                 </a:solidFill>
                 <a:latin typeface="Calibri" panose="020F0502020204030204" pitchFamily="34" charset="0"/>
               </a:rPr>
-              <a:t>Banco envia extratos do boleto</a:t>
+              <a:t>Banco envia extratos do boleto.</a:t>
             </a:r>
           </a:p>
           <a:p>
@@ -6437,7 +6461,7 @@
                 </a:solidFill>
                 <a:latin typeface="Calibri" panose="020F0502020204030204" pitchFamily="34" charset="0"/>
               </a:rPr>
-              <a:t>Receber do banco os extratos dos boletos</a:t>
+              <a:t>Receber do banco os extratos dos boletos.</a:t>
             </a:r>
           </a:p>
           <a:p>
@@ -7138,7 +7162,16 @@
                 </a:solidFill>
                 <a:latin typeface="Calibri" panose="020F0502020204030204" pitchFamily="34" charset="0"/>
               </a:rPr>
-              <a:t>Evento: Fábrica recebe comprovante de pagamento</a:t>
+              <a:t>Evento: </a:t>
+            </a:r>
+            <a:r>
+              <a:rPr lang="pt-BR" sz="2400" i="0" u="none" strike="noStrike" baseline="0" dirty="0">
+                <a:solidFill>
+                  <a:srgbClr val="000000"/>
+                </a:solidFill>
+                <a:latin typeface="Calibri" panose="020F0502020204030204" pitchFamily="34" charset="0"/>
+              </a:rPr>
+              <a:t>Fábrica recebe comprovante de pagamento</a:t>
             </a:r>
             <a:endParaRPr lang="pt-BR" sz="2400" dirty="0">
               <a:solidFill>
@@ -7158,7 +7191,16 @@
                 </a:solidFill>
                 <a:latin typeface="Calibri" panose="020F0502020204030204" pitchFamily="34" charset="0"/>
               </a:rPr>
-              <a:t>Objetivo: Consultar se TED foi feito pela loja.</a:t>
+              <a:t>Objetivo: </a:t>
+            </a:r>
+            <a:r>
+              <a:rPr lang="pt-BR" sz="2400" i="0" u="none" strike="noStrike" baseline="0" dirty="0">
+                <a:solidFill>
+                  <a:srgbClr val="000000"/>
+                </a:solidFill>
+                <a:latin typeface="Calibri" panose="020F0502020204030204" pitchFamily="34" charset="0"/>
+              </a:rPr>
+              <a:t>Consultar se TED foi feito pela loja.</a:t>
             </a:r>
           </a:p>
           <a:p>
@@ -7226,27 +7268,7 @@
                 <a:latin typeface="Calibri" panose="020F0502020204030204" pitchFamily="34" charset="0"/>
                 <a:cs typeface="Calibri" panose="020F0502020204030204" pitchFamily="34" charset="0"/>
               </a:rPr>
-              <a:t>Consulta e atualiza status orçamento para aguardando confirmação do </a:t>
-            </a:r>
-            <a:r>
-              <a:rPr lang="pt-BR" sz="2400" b="0" i="0" u="none" strike="noStrike" baseline="0" dirty="0" err="1">
-                <a:solidFill>
-                  <a:srgbClr val="000000"/>
-                </a:solidFill>
-                <a:latin typeface="Calibri" panose="020F0502020204030204" pitchFamily="34" charset="0"/>
-                <a:cs typeface="Calibri" panose="020F0502020204030204" pitchFamily="34" charset="0"/>
-              </a:rPr>
-              <a:t>ted</a:t>
-            </a:r>
-            <a:r>
-              <a:rPr lang="pt-BR" sz="2400" b="0" i="0" u="none" strike="noStrike" baseline="0" dirty="0">
-                <a:solidFill>
-                  <a:srgbClr val="000000"/>
-                </a:solidFill>
-                <a:latin typeface="Calibri" panose="020F0502020204030204" pitchFamily="34" charset="0"/>
-                <a:cs typeface="Calibri" panose="020F0502020204030204" pitchFamily="34" charset="0"/>
-              </a:rPr>
-              <a:t>, e aguarda reposta do extrato do banco.</a:t>
+              <a:t>Consulta e atualiza status orçamento para aguardando confirmação do ted, e aguarda reposta do extrato do banco.</a:t>
             </a:r>
           </a:p>
           <a:p>
